--- a/课程PPT/06.JavaScript对象.pptx
+++ b/课程PPT/06.JavaScript对象.pptx
@@ -13,26 +13,27 @@
     <p:sldId id="1274" r:id="rId6"/>
     <p:sldId id="1276" r:id="rId7"/>
     <p:sldId id="1277" r:id="rId8"/>
-    <p:sldId id="1278" r:id="rId9"/>
-    <p:sldId id="1279" r:id="rId10"/>
-    <p:sldId id="1280" r:id="rId11"/>
-    <p:sldId id="1281" r:id="rId12"/>
-    <p:sldId id="1297" r:id="rId13"/>
-    <p:sldId id="1275" r:id="rId14"/>
-    <p:sldId id="773" r:id="rId15"/>
-    <p:sldId id="1205" r:id="rId16"/>
-    <p:sldId id="1195" r:id="rId17"/>
-    <p:sldId id="1313" r:id="rId18"/>
-    <p:sldId id="1234" r:id="rId19"/>
-    <p:sldId id="1209" r:id="rId20"/>
-    <p:sldId id="1226" r:id="rId21"/>
-    <p:sldId id="1235" r:id="rId22"/>
-    <p:sldId id="1312" r:id="rId23"/>
-    <p:sldId id="1267" r:id="rId24"/>
-    <p:sldId id="1218" r:id="rId25"/>
-    <p:sldId id="1266" r:id="rId26"/>
-    <p:sldId id="1104" r:id="rId27"/>
-    <p:sldId id="1199" r:id="rId28"/>
+    <p:sldId id="1324" r:id="rId9"/>
+    <p:sldId id="1278" r:id="rId10"/>
+    <p:sldId id="1279" r:id="rId11"/>
+    <p:sldId id="1280" r:id="rId12"/>
+    <p:sldId id="1281" r:id="rId13"/>
+    <p:sldId id="1297" r:id="rId14"/>
+    <p:sldId id="1275" r:id="rId15"/>
+    <p:sldId id="773" r:id="rId16"/>
+    <p:sldId id="1205" r:id="rId17"/>
+    <p:sldId id="1195" r:id="rId18"/>
+    <p:sldId id="1313" r:id="rId19"/>
+    <p:sldId id="1234" r:id="rId20"/>
+    <p:sldId id="1209" r:id="rId21"/>
+    <p:sldId id="1226" r:id="rId22"/>
+    <p:sldId id="1235" r:id="rId23"/>
+    <p:sldId id="1312" r:id="rId24"/>
+    <p:sldId id="1267" r:id="rId25"/>
+    <p:sldId id="1218" r:id="rId26"/>
+    <p:sldId id="1266" r:id="rId27"/>
+    <p:sldId id="1104" r:id="rId28"/>
+    <p:sldId id="1199" r:id="rId29"/>
   </p:sldIdLst>
   <p:sldSz cx="12192000" cy="6858000"/>
   <p:notesSz cx="6797675" cy="9928225"/>
@@ -1213,6 +1214,128 @@
           <a:lstStyle/>
           <a:p>
             <a:r>
+              <a:rPr kumimoji="0" lang="en-US" altLang="zh-CN" dirty="0" smtClean="0">
+                <a:sym typeface="+mn-ea"/>
+              </a:rPr>
+              <a:t>ES</a:t>
+            </a:r>
+            <a:r>
+              <a:rPr kumimoji="0" lang="zh-CN" altLang="en-US" dirty="0" smtClean="0">
+                <a:sym typeface="+mn-ea"/>
+              </a:rPr>
+              <a:t>中有两种数据结构：对象（哈希表）、数组；</a:t>
+            </a:r>
+            <a:r>
+              <a:rPr kumimoji="0" lang="en-US" altLang="zh-CN" dirty="0" smtClean="0">
+                <a:sym typeface="+mn-ea"/>
+              </a:rPr>
+              <a:t>ES6</a:t>
+            </a:r>
+            <a:r>
+              <a:rPr kumimoji="0" lang="zh-CN" altLang="en-US" dirty="0" smtClean="0">
+                <a:sym typeface="+mn-ea"/>
+              </a:rPr>
+              <a:t>中增加了两种：</a:t>
+            </a:r>
+            <a:r>
+              <a:rPr kumimoji="0" lang="en-US" altLang="zh-CN" dirty="0" smtClean="0">
+                <a:sym typeface="+mn-ea"/>
+              </a:rPr>
+              <a:t>Set</a:t>
+            </a:r>
+            <a:r>
+              <a:rPr kumimoji="0" lang="zh-CN" altLang="en-US" dirty="0" smtClean="0">
+                <a:sym typeface="+mn-ea"/>
+              </a:rPr>
+              <a:t>和</a:t>
+            </a:r>
+            <a:r>
+              <a:rPr kumimoji="0" lang="en-US" altLang="zh-CN" dirty="0" smtClean="0">
+                <a:sym typeface="+mn-ea"/>
+              </a:rPr>
+              <a:t>Map</a:t>
+            </a:r>
+            <a:endParaRPr kumimoji="0" lang="en-US" altLang="zh-CN" dirty="0" smtClean="0">
+              <a:sym typeface="+mn-ea"/>
+            </a:endParaRPr>
+          </a:p>
+        </p:txBody>
+      </p:sp>
+      <p:sp>
+        <p:nvSpPr>
+          <p:cNvPr id="4" name="灯片编号占位符 3"/>
+          <p:cNvSpPr>
+            <a:spLocks noGrp="1"/>
+          </p:cNvSpPr>
+          <p:nvPr>
+            <p:ph type="sldNum" sz="quarter" idx="10"/>
+          </p:nvPr>
+        </p:nvSpPr>
+        <p:spPr/>
+        <p:txBody>
+          <a:bodyPr/>
+          <a:lstStyle/>
+          <a:p>
+            <a:fld id="{D9AFD278-84AA-4CAA-9049-809825956FE0}" type="slidenum">
+              <a:rPr lang="en-US" altLang="zh-CN" smtClean="0"/>
+            </a:fld>
+            <a:endParaRPr lang="zh-CN" altLang="zh-CN"/>
+          </a:p>
+        </p:txBody>
+      </p:sp>
+    </p:spTree>
+  </p:cSld>
+  <p:clrMapOvr>
+    <a:masterClrMapping/>
+  </p:clrMapOvr>
+</p:notes>
+</file>
+
+<file path=ppt/notesSlides/notesSlide15.xml><?xml version="1.0" encoding="utf-8"?>
+<p:notes xmlns:a="http://schemas.openxmlformats.org/drawingml/2006/main" xmlns:r="http://schemas.openxmlformats.org/officeDocument/2006/relationships" xmlns:p="http://schemas.openxmlformats.org/presentationml/2006/main">
+  <p:cSld>
+    <p:spTree>
+      <p:nvGrpSpPr>
+        <p:cNvPr id="1" name=""/>
+        <p:cNvGrpSpPr/>
+        <p:nvPr/>
+      </p:nvGrpSpPr>
+      <p:grpSpPr>
+        <a:xfrm>
+          <a:off x="0" y="0"/>
+          <a:ext cx="0" cy="0"/>
+          <a:chOff x="0" y="0"/>
+          <a:chExt cx="0" cy="0"/>
+        </a:xfrm>
+      </p:grpSpPr>
+      <p:sp>
+        <p:nvSpPr>
+          <p:cNvPr id="2" name="幻灯片图像占位符 1"/>
+          <p:cNvSpPr>
+            <a:spLocks noGrp="1" noRot="1" noChangeAspect="1"/>
+          </p:cNvSpPr>
+          <p:nvPr>
+            <p:ph type="sldImg"/>
+          </p:nvPr>
+        </p:nvSpPr>
+        <p:spPr/>
+      </p:sp>
+      <p:sp>
+        <p:nvSpPr>
+          <p:cNvPr id="3" name="备注占位符 2"/>
+          <p:cNvSpPr>
+            <a:spLocks noGrp="1"/>
+          </p:cNvSpPr>
+          <p:nvPr>
+            <p:ph type="body" idx="1"/>
+          </p:nvPr>
+        </p:nvSpPr>
+        <p:spPr/>
+        <p:txBody>
+          <a:bodyPr/>
+          <a:lstStyle/>
+          <a:p>
+            <a:r>
               <a:rPr kumimoji="0" lang="zh-CN" altLang="en-US" dirty="0" smtClean="0">
                 <a:sym typeface="+mn-ea"/>
               </a:rPr>
@@ -1742,63 +1865,10 @@
           <a:bodyPr/>
           <a:lstStyle/>
           <a:p>
-            <a:r>
-              <a:rPr kumimoji="0" lang="en-US" altLang="zh-CN" dirty="0" smtClean="0">
-                <a:sym typeface="+mn-ea"/>
-              </a:rPr>
-              <a:t>无序属性的集合，其属性可以包含基本值、对象或者函数</a:t>
-            </a:r>
-            <a:r>
-              <a:rPr kumimoji="0" lang="zh-CN" altLang="en-US" dirty="0" smtClean="0">
-                <a:sym typeface="+mn-ea"/>
-              </a:rPr>
-              <a:t>。</a:t>
-            </a:r>
-            <a:r>
-              <a:rPr kumimoji="0" lang="en-US" altLang="zh-CN" dirty="0" smtClean="0">
-                <a:sym typeface="+mn-ea"/>
-              </a:rPr>
-              <a:t>ES</a:t>
-            </a:r>
-            <a:r>
-              <a:rPr kumimoji="0" lang="zh-CN" altLang="en-US" dirty="0" smtClean="0">
-                <a:sym typeface="+mn-ea"/>
-              </a:rPr>
-              <a:t>中有两种数据结构：对象（哈希表）、数组；</a:t>
-            </a:r>
-            <a:r>
-              <a:rPr kumimoji="0" lang="en-US" altLang="zh-CN" dirty="0" smtClean="0">
-                <a:sym typeface="+mn-ea"/>
-              </a:rPr>
-              <a:t>ES6</a:t>
-            </a:r>
-            <a:r>
-              <a:rPr kumimoji="0" lang="zh-CN" altLang="en-US" dirty="0" smtClean="0">
-                <a:sym typeface="+mn-ea"/>
-              </a:rPr>
-              <a:t>中增加了两种：</a:t>
-            </a:r>
-            <a:r>
-              <a:rPr kumimoji="0" lang="en-US" altLang="zh-CN" dirty="0" smtClean="0">
-                <a:sym typeface="+mn-ea"/>
-              </a:rPr>
-              <a:t>Set</a:t>
-            </a:r>
-            <a:r>
-              <a:rPr kumimoji="0" lang="zh-CN" altLang="en-US" dirty="0" smtClean="0">
-                <a:sym typeface="+mn-ea"/>
-              </a:rPr>
-              <a:t>和</a:t>
-            </a:r>
-            <a:r>
-              <a:rPr kumimoji="0" lang="en-US" altLang="zh-CN" dirty="0" smtClean="0">
-                <a:sym typeface="+mn-ea"/>
-              </a:rPr>
-              <a:t>Map</a:t>
-            </a:r>
-            <a:endParaRPr kumimoji="0" lang="en-US" altLang="zh-CN" dirty="0" smtClean="0">
-              <a:sym typeface="+mn-ea"/>
-            </a:endParaRPr>
+            <a:endParaRPr lang="zh-CN" altLang="en-US" dirty="0" smtClean="0"/>
+          </a:p>
+          <a:p>
+            <a:endParaRPr lang="zh-CN" altLang="en-US" dirty="0"/>
           </a:p>
         </p:txBody>
       </p:sp>
@@ -1817,8 +1887,11 @@
           <a:bodyPr/>
           <a:lstStyle/>
           <a:p>
-            <a:fld id="{D9AFD278-84AA-4CAA-9049-809825956FE0}" type="slidenum">
-              <a:rPr lang="en-US" altLang="zh-CN" smtClean="0"/>
+            <a:pPr>
+              <a:defRPr/>
+            </a:pPr>
+            <a:fld id="{50FA7BE5-9B7D-4F20-881C-9A0B90E6FF72}" type="slidenum">
+              <a:rPr lang="zh-CN" altLang="zh-CN" smtClean="0"/>
             </a:fld>
             <a:endParaRPr lang="zh-CN" altLang="zh-CN"/>
           </a:p>
@@ -1833,301 +1906,6 @@
 </file>
 
 <file path=ppt/notesSlides/notesSlide8.xml><?xml version="1.0" encoding="utf-8"?>
-<p:notes xmlns:a="http://schemas.openxmlformats.org/drawingml/2006/main" xmlns:r="http://schemas.openxmlformats.org/officeDocument/2006/relationships" xmlns:p="http://schemas.openxmlformats.org/presentationml/2006/main">
-  <p:cSld>
-    <p:spTree>
-      <p:nvGrpSpPr>
-        <p:cNvPr id="1" name=""/>
-        <p:cNvGrpSpPr/>
-        <p:nvPr/>
-      </p:nvGrpSpPr>
-      <p:grpSpPr>
-        <a:xfrm>
-          <a:off x="0" y="0"/>
-          <a:ext cx="0" cy="0"/>
-          <a:chOff x="0" y="0"/>
-          <a:chExt cx="0" cy="0"/>
-        </a:xfrm>
-      </p:grpSpPr>
-      <p:sp>
-        <p:nvSpPr>
-          <p:cNvPr id="138" name="Shape 138"/>
-          <p:cNvSpPr/>
-          <p:nvPr>
-            <p:ph type="sldImg"/>
-          </p:nvPr>
-        </p:nvSpPr>
-        <p:spPr>
-          <a:prstGeom prst="rect">
-            <a:avLst/>
-          </a:prstGeom>
-        </p:spPr>
-        <p:txBody>
-          <a:bodyPr/>
-          <a:lstStyle/>
-          <a:p>
-            <a:pPr lvl="0"/>
-          </a:p>
-        </p:txBody>
-      </p:sp>
-      <p:sp>
-        <p:nvSpPr>
-          <p:cNvPr id="139" name="Shape 139"/>
-          <p:cNvSpPr/>
-          <p:nvPr>
-            <p:ph type="body" sz="quarter" idx="1"/>
-          </p:nvPr>
-        </p:nvSpPr>
-        <p:spPr>
-          <a:prstGeom prst="rect">
-            <a:avLst/>
-          </a:prstGeom>
-        </p:spPr>
-        <p:txBody>
-          <a:bodyPr/>
-          <a:lstStyle/>
-          <a:p>
-            <a:pPr lvl="0" defTabSz="914400">
-              <a:lnSpc>
-                <a:spcPct val="100000"/>
-              </a:lnSpc>
-              <a:defRPr sz="1800"/>
-            </a:pPr>
-            <a:r>
-              <a:rPr sz="2400">
-                <a:latin typeface="Calibri" panose="020F0502020204030204"/>
-                <a:ea typeface="Calibri" panose="020F0502020204030204"/>
-                <a:cs typeface="Calibri" panose="020F0502020204030204"/>
-                <a:sym typeface="Calibri" panose="020F0502020204030204"/>
-              </a:rPr>
-              <a:t>http://zh.wikipedia.org/wiki/JavaScript</a:t>
-            </a:r>
-            <a:endParaRPr sz="2400">
-              <a:latin typeface="Calibri" panose="020F0502020204030204"/>
-              <a:ea typeface="Calibri" panose="020F0502020204030204"/>
-              <a:cs typeface="Calibri" panose="020F0502020204030204"/>
-              <a:sym typeface="Calibri" panose="020F0502020204030204"/>
-            </a:endParaRPr>
-          </a:p>
-          <a:p>
-            <a:pPr lvl="0" defTabSz="914400">
-              <a:lnSpc>
-                <a:spcPct val="100000"/>
-              </a:lnSpc>
-              <a:defRPr sz="1800"/>
-            </a:pPr>
-            <a:endParaRPr sz="2400">
-              <a:latin typeface="Calibri" panose="020F0502020204030204"/>
-              <a:ea typeface="Calibri" panose="020F0502020204030204"/>
-              <a:cs typeface="Calibri" panose="020F0502020204030204"/>
-              <a:sym typeface="Calibri" panose="020F0502020204030204"/>
-            </a:endParaRPr>
-          </a:p>
-          <a:p>
-            <a:pPr lvl="0" defTabSz="914400">
-              <a:lnSpc>
-                <a:spcPct val="100000"/>
-              </a:lnSpc>
-              <a:defRPr sz="1800"/>
-            </a:pPr>
-            <a:r>
-              <a:rPr sz="2400">
-                <a:latin typeface="Calibri" panose="020F0502020204030204"/>
-                <a:ea typeface="Calibri" panose="020F0502020204030204"/>
-                <a:cs typeface="Calibri" panose="020F0502020204030204"/>
-                <a:sym typeface="Calibri" panose="020F0502020204030204"/>
-              </a:rPr>
-              <a:t>JavaScript</a:t>
-            </a:r>
-            <a:r>
-              <a:rPr sz="2400"/>
-              <a:t>是一种广泛用于客户端网页开发的脚本语言，最常是于</a:t>
-            </a:r>
-            <a:r>
-              <a:rPr sz="2400">
-                <a:latin typeface="Calibri" panose="020F0502020204030204"/>
-                <a:ea typeface="Calibri" panose="020F0502020204030204"/>
-                <a:cs typeface="Calibri" panose="020F0502020204030204"/>
-                <a:sym typeface="Calibri" panose="020F0502020204030204"/>
-              </a:rPr>
-              <a:t>HTML</a:t>
-            </a:r>
-            <a:r>
-              <a:rPr sz="2400"/>
-              <a:t>上使用，用来给</a:t>
-            </a:r>
-            <a:r>
-              <a:rPr sz="2400">
-                <a:latin typeface="Calibri" panose="020F0502020204030204"/>
-                <a:ea typeface="Calibri" panose="020F0502020204030204"/>
-                <a:cs typeface="Calibri" panose="020F0502020204030204"/>
-                <a:sym typeface="Calibri" panose="020F0502020204030204"/>
-              </a:rPr>
-              <a:t>HTML</a:t>
-            </a:r>
-            <a:r>
-              <a:rPr sz="2400"/>
-              <a:t>网页添加动态功能。然而</a:t>
-            </a:r>
-            <a:r>
-              <a:rPr sz="2400">
-                <a:latin typeface="Calibri" panose="020F0502020204030204"/>
-                <a:ea typeface="Calibri" panose="020F0502020204030204"/>
-                <a:cs typeface="Calibri" panose="020F0502020204030204"/>
-                <a:sym typeface="Calibri" panose="020F0502020204030204"/>
-              </a:rPr>
-              <a:t>JavaScript</a:t>
-            </a:r>
-            <a:r>
-              <a:rPr sz="2400"/>
-              <a:t>也被用于不同的接口上，如服务器。它最初由网景公司的</a:t>
-            </a:r>
-            <a:r>
-              <a:rPr sz="2400">
-                <a:latin typeface="Calibri" panose="020F0502020204030204"/>
-                <a:ea typeface="Calibri" panose="020F0502020204030204"/>
-                <a:cs typeface="Calibri" panose="020F0502020204030204"/>
-                <a:sym typeface="Calibri" panose="020F0502020204030204"/>
-              </a:rPr>
-              <a:t>Brendan Eich</a:t>
-            </a:r>
-            <a:r>
-              <a:rPr sz="2400"/>
-              <a:t>设计，是一种</a:t>
-            </a:r>
-            <a:r>
-              <a:rPr sz="2400" b="1"/>
-              <a:t>动态</a:t>
-            </a:r>
-            <a:r>
-              <a:rPr sz="2400"/>
-              <a:t>、</a:t>
-            </a:r>
-            <a:r>
-              <a:rPr sz="2400" b="1">
-                <a:solidFill>
-                  <a:srgbClr val="FF0000"/>
-                </a:solidFill>
-              </a:rPr>
-              <a:t>弱类型</a:t>
-            </a:r>
-            <a:r>
-              <a:rPr sz="2400"/>
-              <a:t>、基于原型的语言，内置支持类型。</a:t>
-            </a:r>
-            <a:r>
-              <a:rPr sz="2400">
-                <a:latin typeface="Calibri" panose="020F0502020204030204"/>
-                <a:ea typeface="Calibri" panose="020F0502020204030204"/>
-                <a:cs typeface="Calibri" panose="020F0502020204030204"/>
-                <a:sym typeface="Calibri" panose="020F0502020204030204"/>
-              </a:rPr>
-              <a:t>JavaScript</a:t>
-            </a:r>
-            <a:r>
-              <a:rPr sz="2400"/>
-              <a:t>是甲骨文公司的注册商标。</a:t>
-            </a:r>
-            <a:r>
-              <a:rPr sz="2400" baseline="31000">
-                <a:latin typeface="Calibri" panose="020F0502020204030204"/>
-                <a:ea typeface="Calibri" panose="020F0502020204030204"/>
-                <a:cs typeface="Calibri" panose="020F0502020204030204"/>
-                <a:sym typeface="Calibri" panose="020F0502020204030204"/>
-              </a:rPr>
-              <a:t>[4]</a:t>
-            </a:r>
-            <a:r>
-              <a:rPr sz="2400">
-                <a:latin typeface="Calibri" panose="020F0502020204030204"/>
-                <a:ea typeface="Calibri" panose="020F0502020204030204"/>
-                <a:cs typeface="Calibri" panose="020F0502020204030204"/>
-                <a:sym typeface="Calibri" panose="020F0502020204030204"/>
-              </a:rPr>
-              <a:t> Ecma</a:t>
-            </a:r>
-            <a:r>
-              <a:rPr sz="2400"/>
-              <a:t>国际以</a:t>
-            </a:r>
-            <a:r>
-              <a:rPr sz="2400">
-                <a:latin typeface="Calibri" panose="020F0502020204030204"/>
-                <a:ea typeface="Calibri" panose="020F0502020204030204"/>
-                <a:cs typeface="Calibri" panose="020F0502020204030204"/>
-                <a:sym typeface="Calibri" panose="020F0502020204030204"/>
-              </a:rPr>
-              <a:t>JavaScript</a:t>
-            </a:r>
-            <a:r>
-              <a:rPr sz="2400"/>
-              <a:t>为基础制定了</a:t>
-            </a:r>
-            <a:r>
-              <a:rPr sz="2400">
-                <a:latin typeface="Calibri" panose="020F0502020204030204"/>
-                <a:ea typeface="Calibri" panose="020F0502020204030204"/>
-                <a:cs typeface="Calibri" panose="020F0502020204030204"/>
-                <a:sym typeface="Calibri" panose="020F0502020204030204"/>
-              </a:rPr>
-              <a:t>ECMAScript</a:t>
-            </a:r>
-            <a:r>
-              <a:rPr sz="2400"/>
-              <a:t>标准。</a:t>
-            </a:r>
-            <a:r>
-              <a:rPr sz="2400">
-                <a:latin typeface="Calibri" panose="020F0502020204030204"/>
-                <a:ea typeface="Calibri" panose="020F0502020204030204"/>
-                <a:cs typeface="Calibri" panose="020F0502020204030204"/>
-                <a:sym typeface="Calibri" panose="020F0502020204030204"/>
-              </a:rPr>
-              <a:t>JavaScript</a:t>
-            </a:r>
-            <a:r>
-              <a:rPr sz="2400"/>
-              <a:t>也可以用于其他场合，如服务器端编程。完整的</a:t>
-            </a:r>
-            <a:r>
-              <a:rPr sz="2400">
-                <a:latin typeface="Calibri" panose="020F0502020204030204"/>
-                <a:ea typeface="Calibri" panose="020F0502020204030204"/>
-                <a:cs typeface="Calibri" panose="020F0502020204030204"/>
-                <a:sym typeface="Calibri" panose="020F0502020204030204"/>
-              </a:rPr>
-              <a:t>JavaScript</a:t>
-            </a:r>
-            <a:r>
-              <a:rPr sz="2400"/>
-              <a:t>实现包含三个部分：</a:t>
-            </a:r>
-            <a:r>
-              <a:rPr sz="2400">
-                <a:latin typeface="Calibri" panose="020F0502020204030204"/>
-                <a:ea typeface="Calibri" panose="020F0502020204030204"/>
-                <a:cs typeface="Calibri" panose="020F0502020204030204"/>
-                <a:sym typeface="Calibri" panose="020F0502020204030204"/>
-              </a:rPr>
-              <a:t>ECMAScript</a:t>
-            </a:r>
-            <a:r>
-              <a:rPr sz="2400"/>
-              <a:t>，文档对象模型，浏览器对象模型。</a:t>
-            </a:r>
-            <a:endParaRPr sz="2400"/>
-          </a:p>
-        </p:txBody>
-      </p:sp>
-    </p:spTree>
-  </p:cSld>
-  <p:clrMapOvr>
-    <a:masterClrMapping/>
-  </p:clrMapOvr>
-</p:notes>
-</file>
-
-<file path=ppt/notesSlides/notesSlide9.xml><?xml version="1.0" encoding="utf-8"?>
 <p:notes xmlns:a="http://schemas.openxmlformats.org/drawingml/2006/main" xmlns:r="http://schemas.openxmlformats.org/officeDocument/2006/relationships" xmlns:p="http://schemas.openxmlformats.org/presentationml/2006/main">
   <p:cSld>
     <p:spTree>
@@ -2175,6 +1953,18 @@
               <a:rPr kumimoji="0" lang="en-US" altLang="zh-CN" dirty="0" smtClean="0">
                 <a:sym typeface="+mn-ea"/>
               </a:rPr>
+              <a:t>无序属性的集合，其属性可以包含基本值、对象或者函数</a:t>
+            </a:r>
+            <a:r>
+              <a:rPr kumimoji="0" lang="zh-CN" altLang="en-US" dirty="0" smtClean="0">
+                <a:sym typeface="+mn-ea"/>
+              </a:rPr>
+              <a:t>。</a:t>
+            </a:r>
+            <a:r>
+              <a:rPr kumimoji="0" lang="en-US" altLang="zh-CN" dirty="0" smtClean="0">
+                <a:sym typeface="+mn-ea"/>
+              </a:rPr>
               <a:t>ES</a:t>
             </a:r>
             <a:r>
@@ -2238,6 +2028,301 @@
               <a:rPr lang="en-US" altLang="zh-CN" smtClean="0"/>
             </a:fld>
             <a:endParaRPr lang="zh-CN" altLang="zh-CN"/>
+          </a:p>
+        </p:txBody>
+      </p:sp>
+    </p:spTree>
+  </p:cSld>
+  <p:clrMapOvr>
+    <a:masterClrMapping/>
+  </p:clrMapOvr>
+</p:notes>
+</file>
+
+<file path=ppt/notesSlides/notesSlide9.xml><?xml version="1.0" encoding="utf-8"?>
+<p:notes xmlns:a="http://schemas.openxmlformats.org/drawingml/2006/main" xmlns:r="http://schemas.openxmlformats.org/officeDocument/2006/relationships" xmlns:p="http://schemas.openxmlformats.org/presentationml/2006/main">
+  <p:cSld>
+    <p:spTree>
+      <p:nvGrpSpPr>
+        <p:cNvPr id="1" name=""/>
+        <p:cNvGrpSpPr/>
+        <p:nvPr/>
+      </p:nvGrpSpPr>
+      <p:grpSpPr>
+        <a:xfrm>
+          <a:off x="0" y="0"/>
+          <a:ext cx="0" cy="0"/>
+          <a:chOff x="0" y="0"/>
+          <a:chExt cx="0" cy="0"/>
+        </a:xfrm>
+      </p:grpSpPr>
+      <p:sp>
+        <p:nvSpPr>
+          <p:cNvPr id="138" name="Shape 138"/>
+          <p:cNvSpPr/>
+          <p:nvPr>
+            <p:ph type="sldImg"/>
+          </p:nvPr>
+        </p:nvSpPr>
+        <p:spPr>
+          <a:prstGeom prst="rect">
+            <a:avLst/>
+          </a:prstGeom>
+        </p:spPr>
+        <p:txBody>
+          <a:bodyPr/>
+          <a:lstStyle/>
+          <a:p>
+            <a:pPr lvl="0"/>
+          </a:p>
+        </p:txBody>
+      </p:sp>
+      <p:sp>
+        <p:nvSpPr>
+          <p:cNvPr id="139" name="Shape 139"/>
+          <p:cNvSpPr/>
+          <p:nvPr>
+            <p:ph type="body" sz="quarter" idx="1"/>
+          </p:nvPr>
+        </p:nvSpPr>
+        <p:spPr>
+          <a:prstGeom prst="rect">
+            <a:avLst/>
+          </a:prstGeom>
+        </p:spPr>
+        <p:txBody>
+          <a:bodyPr/>
+          <a:lstStyle/>
+          <a:p>
+            <a:pPr lvl="0" defTabSz="914400">
+              <a:lnSpc>
+                <a:spcPct val="100000"/>
+              </a:lnSpc>
+              <a:defRPr sz="1800"/>
+            </a:pPr>
+            <a:r>
+              <a:rPr sz="2400">
+                <a:latin typeface="Calibri" panose="020F0502020204030204"/>
+                <a:ea typeface="Calibri" panose="020F0502020204030204"/>
+                <a:cs typeface="Calibri" panose="020F0502020204030204"/>
+                <a:sym typeface="Calibri" panose="020F0502020204030204"/>
+              </a:rPr>
+              <a:t>http://zh.wikipedia.org/wiki/JavaScript</a:t>
+            </a:r>
+            <a:endParaRPr sz="2400">
+              <a:latin typeface="Calibri" panose="020F0502020204030204"/>
+              <a:ea typeface="Calibri" panose="020F0502020204030204"/>
+              <a:cs typeface="Calibri" panose="020F0502020204030204"/>
+              <a:sym typeface="Calibri" panose="020F0502020204030204"/>
+            </a:endParaRPr>
+          </a:p>
+          <a:p>
+            <a:pPr lvl="0" defTabSz="914400">
+              <a:lnSpc>
+                <a:spcPct val="100000"/>
+              </a:lnSpc>
+              <a:defRPr sz="1800"/>
+            </a:pPr>
+            <a:endParaRPr sz="2400">
+              <a:latin typeface="Calibri" panose="020F0502020204030204"/>
+              <a:ea typeface="Calibri" panose="020F0502020204030204"/>
+              <a:cs typeface="Calibri" panose="020F0502020204030204"/>
+              <a:sym typeface="Calibri" panose="020F0502020204030204"/>
+            </a:endParaRPr>
+          </a:p>
+          <a:p>
+            <a:pPr lvl="0" defTabSz="914400">
+              <a:lnSpc>
+                <a:spcPct val="100000"/>
+              </a:lnSpc>
+              <a:defRPr sz="1800"/>
+            </a:pPr>
+            <a:r>
+              <a:rPr sz="2400">
+                <a:latin typeface="Calibri" panose="020F0502020204030204"/>
+                <a:ea typeface="Calibri" panose="020F0502020204030204"/>
+                <a:cs typeface="Calibri" panose="020F0502020204030204"/>
+                <a:sym typeface="Calibri" panose="020F0502020204030204"/>
+              </a:rPr>
+              <a:t>JavaScript</a:t>
+            </a:r>
+            <a:r>
+              <a:rPr sz="2400"/>
+              <a:t>是一种广泛用于客户端网页开发的脚本语言，最常是于</a:t>
+            </a:r>
+            <a:r>
+              <a:rPr sz="2400">
+                <a:latin typeface="Calibri" panose="020F0502020204030204"/>
+                <a:ea typeface="Calibri" panose="020F0502020204030204"/>
+                <a:cs typeface="Calibri" panose="020F0502020204030204"/>
+                <a:sym typeface="Calibri" panose="020F0502020204030204"/>
+              </a:rPr>
+              <a:t>HTML</a:t>
+            </a:r>
+            <a:r>
+              <a:rPr sz="2400"/>
+              <a:t>上使用，用来给</a:t>
+            </a:r>
+            <a:r>
+              <a:rPr sz="2400">
+                <a:latin typeface="Calibri" panose="020F0502020204030204"/>
+                <a:ea typeface="Calibri" panose="020F0502020204030204"/>
+                <a:cs typeface="Calibri" panose="020F0502020204030204"/>
+                <a:sym typeface="Calibri" panose="020F0502020204030204"/>
+              </a:rPr>
+              <a:t>HTML</a:t>
+            </a:r>
+            <a:r>
+              <a:rPr sz="2400"/>
+              <a:t>网页添加动态功能。然而</a:t>
+            </a:r>
+            <a:r>
+              <a:rPr sz="2400">
+                <a:latin typeface="Calibri" panose="020F0502020204030204"/>
+                <a:ea typeface="Calibri" panose="020F0502020204030204"/>
+                <a:cs typeface="Calibri" panose="020F0502020204030204"/>
+                <a:sym typeface="Calibri" panose="020F0502020204030204"/>
+              </a:rPr>
+              <a:t>JavaScript</a:t>
+            </a:r>
+            <a:r>
+              <a:rPr sz="2400"/>
+              <a:t>也被用于不同的接口上，如服务器。它最初由网景公司的</a:t>
+            </a:r>
+            <a:r>
+              <a:rPr sz="2400">
+                <a:latin typeface="Calibri" panose="020F0502020204030204"/>
+                <a:ea typeface="Calibri" panose="020F0502020204030204"/>
+                <a:cs typeface="Calibri" panose="020F0502020204030204"/>
+                <a:sym typeface="Calibri" panose="020F0502020204030204"/>
+              </a:rPr>
+              <a:t>Brendan Eich</a:t>
+            </a:r>
+            <a:r>
+              <a:rPr sz="2400"/>
+              <a:t>设计，是一种</a:t>
+            </a:r>
+            <a:r>
+              <a:rPr sz="2400" b="1"/>
+              <a:t>动态</a:t>
+            </a:r>
+            <a:r>
+              <a:rPr sz="2400"/>
+              <a:t>、</a:t>
+            </a:r>
+            <a:r>
+              <a:rPr sz="2400" b="1">
+                <a:solidFill>
+                  <a:srgbClr val="FF0000"/>
+                </a:solidFill>
+              </a:rPr>
+              <a:t>弱类型</a:t>
+            </a:r>
+            <a:r>
+              <a:rPr sz="2400"/>
+              <a:t>、基于原型的语言，内置支持类型。</a:t>
+            </a:r>
+            <a:r>
+              <a:rPr sz="2400">
+                <a:latin typeface="Calibri" panose="020F0502020204030204"/>
+                <a:ea typeface="Calibri" panose="020F0502020204030204"/>
+                <a:cs typeface="Calibri" panose="020F0502020204030204"/>
+                <a:sym typeface="Calibri" panose="020F0502020204030204"/>
+              </a:rPr>
+              <a:t>JavaScript</a:t>
+            </a:r>
+            <a:r>
+              <a:rPr sz="2400"/>
+              <a:t>是甲骨文公司的注册商标。</a:t>
+            </a:r>
+            <a:r>
+              <a:rPr sz="2400" baseline="31000">
+                <a:latin typeface="Calibri" panose="020F0502020204030204"/>
+                <a:ea typeface="Calibri" panose="020F0502020204030204"/>
+                <a:cs typeface="Calibri" panose="020F0502020204030204"/>
+                <a:sym typeface="Calibri" panose="020F0502020204030204"/>
+              </a:rPr>
+              <a:t>[4]</a:t>
+            </a:r>
+            <a:r>
+              <a:rPr sz="2400">
+                <a:latin typeface="Calibri" panose="020F0502020204030204"/>
+                <a:ea typeface="Calibri" panose="020F0502020204030204"/>
+                <a:cs typeface="Calibri" panose="020F0502020204030204"/>
+                <a:sym typeface="Calibri" panose="020F0502020204030204"/>
+              </a:rPr>
+              <a:t> Ecma</a:t>
+            </a:r>
+            <a:r>
+              <a:rPr sz="2400"/>
+              <a:t>国际以</a:t>
+            </a:r>
+            <a:r>
+              <a:rPr sz="2400">
+                <a:latin typeface="Calibri" panose="020F0502020204030204"/>
+                <a:ea typeface="Calibri" panose="020F0502020204030204"/>
+                <a:cs typeface="Calibri" panose="020F0502020204030204"/>
+                <a:sym typeface="Calibri" panose="020F0502020204030204"/>
+              </a:rPr>
+              <a:t>JavaScript</a:t>
+            </a:r>
+            <a:r>
+              <a:rPr sz="2400"/>
+              <a:t>为基础制定了</a:t>
+            </a:r>
+            <a:r>
+              <a:rPr sz="2400">
+                <a:latin typeface="Calibri" panose="020F0502020204030204"/>
+                <a:ea typeface="Calibri" panose="020F0502020204030204"/>
+                <a:cs typeface="Calibri" panose="020F0502020204030204"/>
+                <a:sym typeface="Calibri" panose="020F0502020204030204"/>
+              </a:rPr>
+              <a:t>ECMAScript</a:t>
+            </a:r>
+            <a:r>
+              <a:rPr sz="2400"/>
+              <a:t>标准。</a:t>
+            </a:r>
+            <a:r>
+              <a:rPr sz="2400">
+                <a:latin typeface="Calibri" panose="020F0502020204030204"/>
+                <a:ea typeface="Calibri" panose="020F0502020204030204"/>
+                <a:cs typeface="Calibri" panose="020F0502020204030204"/>
+                <a:sym typeface="Calibri" panose="020F0502020204030204"/>
+              </a:rPr>
+              <a:t>JavaScript</a:t>
+            </a:r>
+            <a:r>
+              <a:rPr sz="2400"/>
+              <a:t>也可以用于其他场合，如服务器端编程。完整的</a:t>
+            </a:r>
+            <a:r>
+              <a:rPr sz="2400">
+                <a:latin typeface="Calibri" panose="020F0502020204030204"/>
+                <a:ea typeface="Calibri" panose="020F0502020204030204"/>
+                <a:cs typeface="Calibri" panose="020F0502020204030204"/>
+                <a:sym typeface="Calibri" panose="020F0502020204030204"/>
+              </a:rPr>
+              <a:t>JavaScript</a:t>
+            </a:r>
+            <a:r>
+              <a:rPr sz="2400"/>
+              <a:t>实现包含三个部分：</a:t>
+            </a:r>
+            <a:r>
+              <a:rPr sz="2400">
+                <a:latin typeface="Calibri" panose="020F0502020204030204"/>
+                <a:ea typeface="Calibri" panose="020F0502020204030204"/>
+                <a:cs typeface="Calibri" panose="020F0502020204030204"/>
+                <a:sym typeface="Calibri" panose="020F0502020204030204"/>
+              </a:rPr>
+              <a:t>ECMAScript</a:t>
+            </a:r>
+            <a:r>
+              <a:rPr sz="2400"/>
+              <a:t>，文档对象模型，浏览器对象模型。</a:t>
+            </a:r>
+            <a:endParaRPr sz="2400"/>
           </a:p>
         </p:txBody>
       </p:sp>
@@ -4617,12 +4702,28 @@
               </a:lnSpc>
             </a:pPr>
             <a:r>
+              <a:rPr lang="zh-CN" sz="3200" dirty="0">
+                <a:solidFill>
+                  <a:schemeClr val="tx1"/>
+                </a:solidFill>
+              </a:rPr>
+              <a:t>创建</a:t>
+            </a:r>
+            <a:r>
+              <a:rPr lang="en-US" altLang="zh-CN" sz="3200" dirty="0">
+                <a:solidFill>
+                  <a:schemeClr val="tx1"/>
+                </a:solidFill>
+              </a:rPr>
+              <a:t>JS</a:t>
+            </a:r>
+            <a:r>
               <a:rPr lang="zh-CN" altLang="en-US" sz="3200" dirty="0">
                 <a:solidFill>
                   <a:schemeClr val="tx1"/>
                 </a:solidFill>
               </a:rPr>
-              <a:t>对象属性的增删改查</a:t>
+              <a:t>对象的方式</a:t>
             </a:r>
             <a:br>
               <a:rPr lang="zh-CN" altLang="en-US" sz="3200" dirty="0">
@@ -4645,7 +4746,7 @@
                   <a:schemeClr val="tx1"/>
                 </a:solidFill>
               </a:rPr>
-              <a:t>动态添加属性</a:t>
+              <a:t>通过对象字面量的方式直接创建</a:t>
             </a:r>
             <a:br>
               <a:rPr lang="zh-CN" altLang="en-US" sz="2000" dirty="0">
@@ -4668,7 +4769,39 @@
                   <a:schemeClr val="tx1"/>
                 </a:solidFill>
               </a:rPr>
-              <a:t>删除属性</a:t>
+              <a:t>通过</a:t>
+            </a:r>
+            <a:r>
+              <a:rPr lang="en-US" altLang="zh-CN" sz="2000" dirty="0">
+                <a:solidFill>
+                  <a:schemeClr val="tx1"/>
+                </a:solidFill>
+              </a:rPr>
+              <a:t>Object</a:t>
+            </a:r>
+            <a:r>
+              <a:rPr lang="zh-CN" altLang="en-US" sz="2000" dirty="0">
+                <a:solidFill>
+                  <a:schemeClr val="tx1"/>
+                </a:solidFill>
+              </a:rPr>
+              <a:t>函数对象的</a:t>
+            </a:r>
+            <a:r>
+              <a:rPr lang="en-US" altLang="zh-CN" sz="2000" dirty="0">
+                <a:solidFill>
+                  <a:schemeClr val="tx1"/>
+                </a:solidFill>
+              </a:rPr>
+              <a:t>create</a:t>
+            </a:r>
+            <a:r>
+              <a:rPr lang="zh-CN" altLang="en-US" sz="2000" dirty="0">
+                <a:solidFill>
+                  <a:schemeClr val="tx1"/>
+                </a:solidFill>
+              </a:rPr>
+              <a:t>工场方法创建</a:t>
             </a:r>
             <a:br>
               <a:rPr lang="zh-CN" altLang="en-US" sz="2000" dirty="0">
@@ -4691,30 +4824,7 @@
                   <a:schemeClr val="tx1"/>
                 </a:solidFill>
               </a:rPr>
-              <a:t>修改属性</a:t>
-            </a:r>
-            <a:br>
-              <a:rPr lang="zh-CN" altLang="en-US" sz="2000" dirty="0">
-                <a:solidFill>
-                  <a:schemeClr val="tx1"/>
-                </a:solidFill>
-              </a:rPr>
-            </a:br>
-            <a:r>
-              <a:rPr lang="en-US" altLang="zh-CN" sz="2000" dirty="0">
-                <a:solidFill>
-                  <a:schemeClr val="tx1"/>
-                </a:solidFill>
-              </a:rPr>
-              <a:t>- </a:t>
-            </a:r>
-            <a:r>
-              <a:rPr lang="zh-CN" altLang="en-US" sz="2000" dirty="0">
-                <a:solidFill>
-                  <a:schemeClr val="tx1"/>
-                </a:solidFill>
-              </a:rPr>
-              <a:t>访问属性</a:t>
+              <a:t>通过构造函数的方式创建</a:t>
             </a:r>
             <a:endParaRPr lang="zh-CN" altLang="en-US" sz="2000" dirty="0">
               <a:solidFill>
@@ -4852,6 +4962,283 @@
 </file>
 
 <file path=ppt/slides/slide11.xml><?xml version="1.0" encoding="utf-8"?>
+<p:sld xmlns:a="http://schemas.openxmlformats.org/drawingml/2006/main" xmlns:r="http://schemas.openxmlformats.org/officeDocument/2006/relationships" xmlns:p="http://schemas.openxmlformats.org/presentationml/2006/main">
+  <p:cSld>
+    <p:spTree>
+      <p:nvGrpSpPr>
+        <p:cNvPr id="1" name=""/>
+        <p:cNvGrpSpPr/>
+        <p:nvPr/>
+      </p:nvGrpSpPr>
+      <p:grpSpPr>
+        <a:xfrm>
+          <a:off x="0" y="0"/>
+          <a:ext cx="0" cy="0"/>
+          <a:chOff x="0" y="0"/>
+          <a:chExt cx="0" cy="0"/>
+        </a:xfrm>
+      </p:grpSpPr>
+      <p:sp>
+        <p:nvSpPr>
+          <p:cNvPr id="2" name="内容占位符 1"/>
+          <p:cNvSpPr>
+            <a:spLocks noGrp="1"/>
+          </p:cNvSpPr>
+          <p:nvPr>
+            <p:ph sz="quarter" idx="10"/>
+          </p:nvPr>
+        </p:nvSpPr>
+        <p:spPr>
+          <a:xfrm>
+            <a:off x="927735" y="783590"/>
+            <a:ext cx="10396220" cy="5253990"/>
+          </a:xfrm>
+        </p:spPr>
+        <p:txBody>
+          <a:bodyPr/>
+          <a:lstStyle/>
+          <a:p>
+            <a:pPr>
+              <a:lnSpc>
+                <a:spcPct val="140000"/>
+              </a:lnSpc>
+            </a:pPr>
+            <a:r>
+              <a:rPr lang="zh-CN" altLang="en-US" sz="3200" dirty="0">
+                <a:solidFill>
+                  <a:schemeClr val="tx1"/>
+                </a:solidFill>
+              </a:rPr>
+              <a:t>对象属性的增删改查</a:t>
+            </a:r>
+            <a:br>
+              <a:rPr lang="zh-CN" altLang="en-US" sz="3200" dirty="0">
+                <a:solidFill>
+                  <a:schemeClr val="tx1"/>
+                </a:solidFill>
+              </a:rPr>
+            </a:br>
+            <a:r>
+              <a:rPr lang="en-US" altLang="zh-CN" sz="2000" dirty="0">
+                <a:solidFill>
+                  <a:schemeClr val="tx1"/>
+                </a:solidFill>
+              </a:rPr>
+              <a:t>- </a:t>
+            </a:r>
+            <a:r>
+              <a:rPr lang="zh-CN" altLang="en-US" sz="2000" dirty="0">
+                <a:solidFill>
+                  <a:schemeClr val="tx1"/>
+                </a:solidFill>
+              </a:rPr>
+              <a:t>动态添加属性</a:t>
+            </a:r>
+            <a:br>
+              <a:rPr lang="zh-CN" altLang="en-US" sz="2000" dirty="0">
+                <a:solidFill>
+                  <a:schemeClr val="tx1"/>
+                </a:solidFill>
+              </a:rPr>
+            </a:br>
+            <a:r>
+              <a:rPr lang="en-US" altLang="zh-CN" sz="2000" dirty="0">
+                <a:solidFill>
+                  <a:schemeClr val="tx1"/>
+                </a:solidFill>
+              </a:rPr>
+              <a:t>- </a:t>
+            </a:r>
+            <a:r>
+              <a:rPr lang="zh-CN" altLang="en-US" sz="2000" dirty="0">
+                <a:solidFill>
+                  <a:schemeClr val="tx1"/>
+                </a:solidFill>
+              </a:rPr>
+              <a:t>删除属性</a:t>
+            </a:r>
+            <a:br>
+              <a:rPr lang="zh-CN" altLang="en-US" sz="2000" dirty="0">
+                <a:solidFill>
+                  <a:schemeClr val="tx1"/>
+                </a:solidFill>
+              </a:rPr>
+            </a:br>
+            <a:r>
+              <a:rPr lang="en-US" altLang="zh-CN" sz="2000" dirty="0">
+                <a:solidFill>
+                  <a:schemeClr val="tx1"/>
+                </a:solidFill>
+              </a:rPr>
+              <a:t>- </a:t>
+            </a:r>
+            <a:r>
+              <a:rPr lang="zh-CN" altLang="en-US" sz="2000" dirty="0">
+                <a:solidFill>
+                  <a:schemeClr val="tx1"/>
+                </a:solidFill>
+              </a:rPr>
+              <a:t>修改属性</a:t>
+            </a:r>
+            <a:br>
+              <a:rPr lang="zh-CN" altLang="en-US" sz="2000" dirty="0">
+                <a:solidFill>
+                  <a:schemeClr val="tx1"/>
+                </a:solidFill>
+              </a:rPr>
+            </a:br>
+            <a:r>
+              <a:rPr lang="en-US" altLang="zh-CN" sz="2000" dirty="0">
+                <a:solidFill>
+                  <a:schemeClr val="tx1"/>
+                </a:solidFill>
+              </a:rPr>
+              <a:t>- </a:t>
+            </a:r>
+            <a:r>
+              <a:rPr lang="zh-CN" altLang="en-US" sz="2000" dirty="0">
+                <a:solidFill>
+                  <a:schemeClr val="tx1"/>
+                </a:solidFill>
+              </a:rPr>
+              <a:t>访问属性</a:t>
+            </a:r>
+            <a:endParaRPr lang="zh-CN" altLang="en-US" sz="2000" dirty="0">
+              <a:solidFill>
+                <a:schemeClr val="tx1"/>
+              </a:solidFill>
+              <a:sym typeface="+mn-ea"/>
+            </a:endParaRPr>
+          </a:p>
+          <a:p>
+            <a:pPr marL="168275" lvl="1" indent="0">
+              <a:lnSpc>
+                <a:spcPct val="150000"/>
+              </a:lnSpc>
+              <a:buNone/>
+            </a:pPr>
+            <a:endParaRPr lang="zh-CN" altLang="en-US" sz="2200" dirty="0">
+              <a:sym typeface="+mn-ea"/>
+            </a:endParaRPr>
+          </a:p>
+          <a:p>
+            <a:pPr marL="168275" lvl="1" indent="0">
+              <a:lnSpc>
+                <a:spcPct val="150000"/>
+              </a:lnSpc>
+              <a:buNone/>
+            </a:pPr>
+            <a:endParaRPr lang="en-US" altLang="zh-CN" sz="3200" dirty="0">
+              <a:solidFill>
+                <a:srgbClr val="006F53"/>
+              </a:solidFill>
+              <a:cs typeface="+mn-cs"/>
+            </a:endParaRPr>
+          </a:p>
+        </p:txBody>
+      </p:sp>
+      <p:sp>
+        <p:nvSpPr>
+          <p:cNvPr id="3" name="内容占位符 2"/>
+          <p:cNvSpPr>
+            <a:spLocks noGrp="1"/>
+          </p:cNvSpPr>
+          <p:nvPr>
+            <p:ph sz="quarter" idx="11"/>
+          </p:nvPr>
+        </p:nvSpPr>
+        <p:spPr>
+          <a:xfrm>
+            <a:off x="947420" y="236855"/>
+            <a:ext cx="10059670" cy="490220"/>
+          </a:xfrm>
+        </p:spPr>
+        <p:txBody>
+          <a:bodyPr/>
+          <a:lstStyle/>
+          <a:p>
+            <a:r>
+              <a:rPr lang="en-US" dirty="0" smtClean="0"/>
+              <a:t>JS</a:t>
+            </a:r>
+            <a:r>
+              <a:rPr lang="zh-CN" altLang="en-US" dirty="0" smtClean="0"/>
+              <a:t>对象简介</a:t>
+            </a:r>
+            <a:endParaRPr lang="zh-CN" altLang="en-US" dirty="0" smtClean="0">
+              <a:sym typeface="+mn-ea"/>
+            </a:endParaRPr>
+          </a:p>
+        </p:txBody>
+      </p:sp>
+      <p:sp>
+        <p:nvSpPr>
+          <p:cNvPr id="4" name="文本框 3"/>
+          <p:cNvSpPr txBox="1"/>
+          <p:nvPr/>
+        </p:nvSpPr>
+        <p:spPr>
+          <a:xfrm>
+            <a:off x="6658610" y="1014095"/>
+            <a:ext cx="2483485" cy="429895"/>
+          </a:xfrm>
+          <a:prstGeom prst="rect">
+            <a:avLst/>
+          </a:prstGeom>
+          <a:noFill/>
+        </p:spPr>
+        <p:txBody>
+          <a:bodyPr wrap="square" rtlCol="0">
+            <a:spAutoFit/>
+          </a:bodyPr>
+          <a:p>
+            <a:pPr algn="l"/>
+            <a:r>
+              <a:rPr lang="zh-CN" altLang="en-US" sz="2200">
+                <a:solidFill>
+                  <a:srgbClr val="FF0000"/>
+                </a:solidFill>
+                <a:latin typeface="+mn-ea"/>
+                <a:ea typeface="+mn-ea"/>
+              </a:rPr>
+              <a:t>参见实例</a:t>
+            </a:r>
+            <a:r>
+              <a:rPr lang="en-US" altLang="zh-CN" sz="2200">
+                <a:solidFill>
+                  <a:srgbClr val="FF0000"/>
+                </a:solidFill>
+                <a:latin typeface="+mn-ea"/>
+                <a:ea typeface="+mn-ea"/>
+              </a:rPr>
+              <a:t>demo04</a:t>
+            </a:r>
+            <a:endParaRPr lang="en-US" altLang="zh-CN" sz="2200">
+              <a:solidFill>
+                <a:srgbClr val="FF0000"/>
+              </a:solidFill>
+              <a:latin typeface="+mn-ea"/>
+              <a:ea typeface="+mn-ea"/>
+            </a:endParaRPr>
+          </a:p>
+        </p:txBody>
+      </p:sp>
+    </p:spTree>
+  </p:cSld>
+  <p:clrMapOvr>
+    <a:masterClrMapping/>
+  </p:clrMapOvr>
+  <p:timing>
+    <p:tnLst>
+      <p:par>
+        <p:cTn id="1" dur="indefinite" restart="never" nodeType="tmRoot"/>
+      </p:par>
+    </p:tnLst>
+  </p:timing>
+</p:sld>
+</file>
+
+<file path=ppt/slides/slide12.xml><?xml version="1.0" encoding="utf-8"?>
 <p:sld xmlns:a="http://schemas.openxmlformats.org/drawingml/2006/main" xmlns:r="http://schemas.openxmlformats.org/officeDocument/2006/relationships" xmlns:p="http://schemas.openxmlformats.org/presentationml/2006/main">
   <p:cSld>
     <p:spTree>
@@ -5067,7 +5454,7 @@
 </p:sld>
 </file>
 
-<file path=ppt/slides/slide12.xml><?xml version="1.0" encoding="utf-8"?>
+<file path=ppt/slides/slide13.xml><?xml version="1.0" encoding="utf-8"?>
 <p:sld xmlns:a="http://schemas.openxmlformats.org/drawingml/2006/main" xmlns:r="http://schemas.openxmlformats.org/officeDocument/2006/relationships" xmlns:p="http://schemas.openxmlformats.org/presentationml/2006/main">
   <p:cSld>
     <p:spTree>
@@ -5448,7 +5835,7 @@
 </p:sld>
 </file>
 
-<file path=ppt/slides/slide13.xml><?xml version="1.0" encoding="utf-8"?>
+<file path=ppt/slides/slide14.xml><?xml version="1.0" encoding="utf-8"?>
 <p:sld xmlns:a="http://schemas.openxmlformats.org/drawingml/2006/main" xmlns:r="http://schemas.openxmlformats.org/officeDocument/2006/relationships" xmlns:p="http://schemas.openxmlformats.org/presentationml/2006/main">
   <p:cSld>
     <p:spTree>
@@ -5930,7 +6317,7 @@
 </p:sld>
 </file>
 
-<file path=ppt/slides/slide14.xml><?xml version="1.0" encoding="utf-8"?>
+<file path=ppt/slides/slide15.xml><?xml version="1.0" encoding="utf-8"?>
 <p:sld xmlns:a="http://schemas.openxmlformats.org/drawingml/2006/main" xmlns:r="http://schemas.openxmlformats.org/officeDocument/2006/relationships" xmlns:p="http://schemas.openxmlformats.org/presentationml/2006/main">
   <p:cSld>
     <p:spTree>
@@ -6915,7 +7302,7 @@
 </p:sld>
 </file>
 
-<file path=ppt/slides/slide15.xml><?xml version="1.0" encoding="utf-8"?>
+<file path=ppt/slides/slide16.xml><?xml version="1.0" encoding="utf-8"?>
 <p:sld xmlns:a="http://schemas.openxmlformats.org/drawingml/2006/main" xmlns:r="http://schemas.openxmlformats.org/officeDocument/2006/relationships" xmlns:p="http://schemas.openxmlformats.org/presentationml/2006/main">
   <p:cSld>
     <p:spTree>
@@ -8633,7 +9020,7 @@
 </p:sld>
 </file>
 
-<file path=ppt/slides/slide16.xml><?xml version="1.0" encoding="utf-8"?>
+<file path=ppt/slides/slide17.xml><?xml version="1.0" encoding="utf-8"?>
 <p:sld xmlns:a="http://schemas.openxmlformats.org/drawingml/2006/main" xmlns:r="http://schemas.openxmlformats.org/officeDocument/2006/relationships" xmlns:p="http://schemas.openxmlformats.org/presentationml/2006/main">
   <p:cSld>
     <p:spTree>
@@ -9127,7 +9514,7 @@
 </p:sld>
 </file>
 
-<file path=ppt/slides/slide17.xml><?xml version="1.0" encoding="utf-8"?>
+<file path=ppt/slides/slide18.xml><?xml version="1.0" encoding="utf-8"?>
 <p:sld xmlns:a="http://schemas.openxmlformats.org/drawingml/2006/main" xmlns:r="http://schemas.openxmlformats.org/officeDocument/2006/relationships" xmlns:p="http://schemas.openxmlformats.org/presentationml/2006/main">
   <p:cSld>
     <p:spTree>
@@ -10299,7 +10686,7 @@
 </p:sld>
 </file>
 
-<file path=ppt/slides/slide18.xml><?xml version="1.0" encoding="utf-8"?>
+<file path=ppt/slides/slide19.xml><?xml version="1.0" encoding="utf-8"?>
 <p:sld xmlns:a="http://schemas.openxmlformats.org/drawingml/2006/main" xmlns:r="http://schemas.openxmlformats.org/officeDocument/2006/relationships" xmlns:p="http://schemas.openxmlformats.org/presentationml/2006/main">
   <p:cSld>
     <p:spTree>
@@ -11064,7 +11451,393 @@
 </p:sld>
 </file>
 
-<file path=ppt/slides/slide19.xml><?xml version="1.0" encoding="utf-8"?>
+<file path=ppt/slides/slide2.xml><?xml version="1.0" encoding="utf-8"?>
+<p:sld xmlns:a="http://schemas.openxmlformats.org/drawingml/2006/main" xmlns:r="http://schemas.openxmlformats.org/officeDocument/2006/relationships" xmlns:p="http://schemas.openxmlformats.org/presentationml/2006/main">
+  <p:cSld>
+    <p:spTree>
+      <p:nvGrpSpPr>
+        <p:cNvPr id="1" name=""/>
+        <p:cNvGrpSpPr/>
+        <p:nvPr/>
+      </p:nvGrpSpPr>
+      <p:grpSpPr>
+        <a:xfrm>
+          <a:off x="0" y="0"/>
+          <a:ext cx="0" cy="0"/>
+          <a:chOff x="0" y="0"/>
+          <a:chExt cx="0" cy="0"/>
+        </a:xfrm>
+      </p:grpSpPr>
+      <p:pic>
+        <p:nvPicPr>
+          <p:cNvPr id="4098" name="Picture 4"/>
+          <p:cNvPicPr>
+            <a:picLocks noChangeAspect="1" noChangeArrowheads="1"/>
+          </p:cNvPicPr>
+          <p:nvPr/>
+        </p:nvPicPr>
+        <p:blipFill>
+          <a:blip r:embed="rId1">
+            <a:extLst>
+              <a:ext uri="{28A0092B-C50C-407E-A947-70E740481C1C}">
+                <a14:useLocalDpi xmlns:a14="http://schemas.microsoft.com/office/drawing/2010/main" val="0"/>
+              </a:ext>
+            </a:extLst>
+          </a:blip>
+          <a:srcRect/>
+          <a:stretch>
+            <a:fillRect/>
+          </a:stretch>
+        </p:blipFill>
+        <p:spPr bwMode="auto">
+          <a:xfrm>
+            <a:off x="0" y="0"/>
+            <a:ext cx="12192000" cy="6858000"/>
+          </a:xfrm>
+          <a:prstGeom prst="rect">
+            <a:avLst/>
+          </a:prstGeom>
+          <a:noFill/>
+          <a:ln>
+            <a:noFill/>
+          </a:ln>
+          <a:extLst>
+            <a:ext uri="{909E8E84-426E-40DD-AFC4-6F175D3DCCD1}">
+              <a14:hiddenFill xmlns:a14="http://schemas.microsoft.com/office/drawing/2010/main">
+                <a:solidFill>
+                  <a:srgbClr val="FFFFFF"/>
+                </a:solidFill>
+              </a14:hiddenFill>
+            </a:ext>
+            <a:ext uri="{91240B29-F687-4F45-9708-019B960494DF}">
+              <a14:hiddenLine xmlns:a14="http://schemas.microsoft.com/office/drawing/2010/main" w="9525">
+                <a:solidFill>
+                  <a:srgbClr val="000000"/>
+                </a:solidFill>
+                <a:miter lim="800000"/>
+                <a:headEnd/>
+                <a:tailEnd/>
+              </a14:hiddenLine>
+            </a:ext>
+          </a:extLst>
+        </p:spPr>
+      </p:pic>
+      <p:sp>
+        <p:nvSpPr>
+          <p:cNvPr id="4099" name="Rectangle 2"/>
+          <p:cNvSpPr>
+            <a:spLocks noGrp="1" noChangeArrowheads="1"/>
+          </p:cNvSpPr>
+          <p:nvPr>
+            <p:ph type="ctrTitle" idx="4294967295"/>
+          </p:nvPr>
+        </p:nvSpPr>
+        <p:spPr bwMode="auto">
+          <a:xfrm>
+            <a:off x="1809751" y="2428876"/>
+            <a:ext cx="7286625" cy="1116013"/>
+          </a:xfrm>
+          <a:prstGeom prst="rect">
+            <a:avLst/>
+          </a:prstGeom>
+          <a:noFill/>
+          <a:extLst>
+            <a:ext uri="{909E8E84-426E-40DD-AFC4-6F175D3DCCD1}">
+              <a14:hiddenFill xmlns:a14="http://schemas.microsoft.com/office/drawing/2010/main">
+                <a:solidFill>
+                  <a:srgbClr val="FFFFFF"/>
+                </a:solidFill>
+              </a14:hiddenFill>
+            </a:ext>
+            <a:ext uri="{91240B29-F687-4F45-9708-019B960494DF}">
+              <a14:hiddenLine xmlns:a14="http://schemas.microsoft.com/office/drawing/2010/main" w="9525">
+                <a:solidFill>
+                  <a:srgbClr val="000000"/>
+                </a:solidFill>
+                <a:miter lim="800000"/>
+                <a:headEnd/>
+                <a:tailEnd/>
+              </a14:hiddenLine>
+            </a:ext>
+          </a:extLst>
+        </p:spPr>
+        <p:txBody>
+          <a:bodyPr anchor="b"/>
+          <a:lstStyle/>
+          <a:p>
+            <a:pPr algn="ctr" eaLnBrk="1" hangingPunct="1"/>
+            <a:r>
+              <a:rPr lang="en-US" sz="4800" b="1" dirty="0">
+                <a:sym typeface="+mn-ea"/>
+              </a:rPr>
+              <a:t>JavaScript</a:t>
+            </a:r>
+            <a:r>
+              <a:rPr lang="zh-CN" altLang="en-US" sz="4800" b="1" dirty="0">
+                <a:sym typeface="+mn-ea"/>
+              </a:rPr>
+              <a:t>进阶</a:t>
+            </a:r>
+            <a:endParaRPr kumimoji="0" lang="zh-CN" altLang="zh-CN" sz="4800" b="1"/>
+          </a:p>
+        </p:txBody>
+      </p:sp>
+      <p:sp>
+        <p:nvSpPr>
+          <p:cNvPr id="4100" name="TextBox 4"/>
+          <p:cNvSpPr txBox="1">
+            <a:spLocks noChangeArrowheads="1"/>
+          </p:cNvSpPr>
+          <p:nvPr/>
+        </p:nvSpPr>
+        <p:spPr bwMode="auto">
+          <a:xfrm>
+            <a:off x="5381626" y="4143375"/>
+            <a:ext cx="5286375" cy="583565"/>
+          </a:xfrm>
+          <a:prstGeom prst="rect">
+            <a:avLst/>
+          </a:prstGeom>
+          <a:noFill/>
+          <a:ln>
+            <a:noFill/>
+          </a:ln>
+          <a:extLst>
+            <a:ext uri="{909E8E84-426E-40DD-AFC4-6F175D3DCCD1}">
+              <a14:hiddenFill xmlns:a14="http://schemas.microsoft.com/office/drawing/2010/main">
+                <a:solidFill>
+                  <a:srgbClr val="FFFFFF"/>
+                </a:solidFill>
+              </a14:hiddenFill>
+            </a:ext>
+            <a:ext uri="{91240B29-F687-4F45-9708-019B960494DF}">
+              <a14:hiddenLine xmlns:a14="http://schemas.microsoft.com/office/drawing/2010/main" w="9525">
+                <a:solidFill>
+                  <a:srgbClr val="000000"/>
+                </a:solidFill>
+                <a:miter lim="800000"/>
+                <a:headEnd/>
+                <a:tailEnd/>
+              </a14:hiddenLine>
+            </a:ext>
+          </a:extLst>
+        </p:spPr>
+        <p:txBody>
+          <a:bodyPr>
+            <a:spAutoFit/>
+          </a:bodyPr>
+          <a:lstStyle>
+            <a:lvl1pPr>
+              <a:defRPr sz="3200">
+                <a:solidFill>
+                  <a:schemeClr val="tx1"/>
+                </a:solidFill>
+                <a:latin typeface="Arial" panose="020B0604020202020204" pitchFamily="34" charset="0"/>
+                <a:ea typeface="微软雅黑" panose="020B0503020204020204" pitchFamily="34" charset="-122"/>
+              </a:defRPr>
+            </a:lvl1pPr>
+            <a:lvl2pPr marL="742950" indent="-285750">
+              <a:defRPr sz="3200">
+                <a:solidFill>
+                  <a:schemeClr val="tx1"/>
+                </a:solidFill>
+                <a:latin typeface="Arial" panose="020B0604020202020204" pitchFamily="34" charset="0"/>
+                <a:ea typeface="微软雅黑" panose="020B0503020204020204" pitchFamily="34" charset="-122"/>
+              </a:defRPr>
+            </a:lvl2pPr>
+            <a:lvl3pPr marL="1143000" indent="-228600">
+              <a:defRPr sz="3200">
+                <a:solidFill>
+                  <a:schemeClr val="tx1"/>
+                </a:solidFill>
+                <a:latin typeface="Arial" panose="020B0604020202020204" pitchFamily="34" charset="0"/>
+                <a:ea typeface="微软雅黑" panose="020B0503020204020204" pitchFamily="34" charset="-122"/>
+              </a:defRPr>
+            </a:lvl3pPr>
+            <a:lvl4pPr marL="1600200" indent="-228600">
+              <a:defRPr sz="3200">
+                <a:solidFill>
+                  <a:schemeClr val="tx1"/>
+                </a:solidFill>
+                <a:latin typeface="Arial" panose="020B0604020202020204" pitchFamily="34" charset="0"/>
+                <a:ea typeface="微软雅黑" panose="020B0503020204020204" pitchFamily="34" charset="-122"/>
+              </a:defRPr>
+            </a:lvl4pPr>
+            <a:lvl5pPr marL="2057400" indent="-228600">
+              <a:defRPr sz="3200">
+                <a:solidFill>
+                  <a:schemeClr val="tx1"/>
+                </a:solidFill>
+                <a:latin typeface="Arial" panose="020B0604020202020204" pitchFamily="34" charset="0"/>
+                <a:ea typeface="微软雅黑" panose="020B0503020204020204" pitchFamily="34" charset="-122"/>
+              </a:defRPr>
+            </a:lvl5pPr>
+            <a:lvl6pPr marL="2514600" indent="-228600" eaLnBrk="0" fontAlgn="base" hangingPunct="0">
+              <a:spcBef>
+                <a:spcPct val="0"/>
+              </a:spcBef>
+              <a:spcAft>
+                <a:spcPct val="0"/>
+              </a:spcAft>
+              <a:defRPr sz="3200">
+                <a:solidFill>
+                  <a:schemeClr val="tx1"/>
+                </a:solidFill>
+                <a:latin typeface="Arial" panose="020B0604020202020204" pitchFamily="34" charset="0"/>
+                <a:ea typeface="微软雅黑" panose="020B0503020204020204" pitchFamily="34" charset="-122"/>
+              </a:defRPr>
+            </a:lvl6pPr>
+            <a:lvl7pPr marL="2971800" indent="-228600" eaLnBrk="0" fontAlgn="base" hangingPunct="0">
+              <a:spcBef>
+                <a:spcPct val="0"/>
+              </a:spcBef>
+              <a:spcAft>
+                <a:spcPct val="0"/>
+              </a:spcAft>
+              <a:defRPr sz="3200">
+                <a:solidFill>
+                  <a:schemeClr val="tx1"/>
+                </a:solidFill>
+                <a:latin typeface="Arial" panose="020B0604020202020204" pitchFamily="34" charset="0"/>
+                <a:ea typeface="微软雅黑" panose="020B0503020204020204" pitchFamily="34" charset="-122"/>
+              </a:defRPr>
+            </a:lvl7pPr>
+            <a:lvl8pPr marL="3429000" indent="-228600" eaLnBrk="0" fontAlgn="base" hangingPunct="0">
+              <a:spcBef>
+                <a:spcPct val="0"/>
+              </a:spcBef>
+              <a:spcAft>
+                <a:spcPct val="0"/>
+              </a:spcAft>
+              <a:defRPr sz="3200">
+                <a:solidFill>
+                  <a:schemeClr val="tx1"/>
+                </a:solidFill>
+                <a:latin typeface="Arial" panose="020B0604020202020204" pitchFamily="34" charset="0"/>
+                <a:ea typeface="微软雅黑" panose="020B0503020204020204" pitchFamily="34" charset="-122"/>
+              </a:defRPr>
+            </a:lvl8pPr>
+            <a:lvl9pPr marL="3886200" indent="-228600" eaLnBrk="0" fontAlgn="base" hangingPunct="0">
+              <a:spcBef>
+                <a:spcPct val="0"/>
+              </a:spcBef>
+              <a:spcAft>
+                <a:spcPct val="0"/>
+              </a:spcAft>
+              <a:defRPr sz="3200">
+                <a:solidFill>
+                  <a:schemeClr val="tx1"/>
+                </a:solidFill>
+                <a:latin typeface="Arial" panose="020B0604020202020204" pitchFamily="34" charset="0"/>
+                <a:ea typeface="微软雅黑" panose="020B0503020204020204" pitchFamily="34" charset="-122"/>
+              </a:defRPr>
+            </a:lvl9pPr>
+          </a:lstStyle>
+          <a:p>
+            <a:pPr eaLnBrk="0" hangingPunct="0">
+              <a:defRPr/>
+            </a:pPr>
+            <a:r>
+              <a:rPr lang="en-US" altLang="zh-CN">
+                <a:latin typeface="微软雅黑" panose="020B0503020204020204" pitchFamily="34" charset="-122"/>
+                <a:ea typeface="宋体" panose="02010600030101010101" pitchFamily="2" charset="-122"/>
+              </a:rPr>
+              <a:t>---</a:t>
+            </a:r>
+            <a:r>
+              <a:rPr lang="en-US" altLang="zh-CN" dirty="0">
+                <a:latin typeface="微软雅黑" panose="020B0503020204020204" pitchFamily="34" charset="-122"/>
+                <a:ea typeface="宋体" panose="02010600030101010101" pitchFamily="2" charset="-122"/>
+                <a:sym typeface="+mn-ea"/>
+              </a:rPr>
+              <a:t>JS</a:t>
+            </a:r>
+            <a:r>
+              <a:rPr lang="zh-CN" altLang="en-US">
+                <a:latin typeface="+mj-ea"/>
+                <a:ea typeface="+mj-ea"/>
+                <a:sym typeface="+mn-ea"/>
+              </a:rPr>
+              <a:t>对象综述</a:t>
+            </a:r>
+            <a:endParaRPr lang="zh-CN" altLang="en-US" dirty="0">
+              <a:latin typeface="+mj-ea"/>
+              <a:ea typeface="+mj-ea"/>
+            </a:endParaRPr>
+          </a:p>
+        </p:txBody>
+      </p:sp>
+      <p:pic>
+        <p:nvPicPr>
+          <p:cNvPr id="4101" name="图片 4" descr="软院logo横版.png"/>
+          <p:cNvPicPr>
+            <a:picLocks noChangeAspect="1"/>
+          </p:cNvPicPr>
+          <p:nvPr/>
+        </p:nvPicPr>
+        <p:blipFill>
+          <a:blip r:embed="rId2">
+            <a:extLst>
+              <a:ext uri="{28A0092B-C50C-407E-A947-70E740481C1C}">
+                <a14:useLocalDpi xmlns:a14="http://schemas.microsoft.com/office/drawing/2010/main" val="0"/>
+              </a:ext>
+            </a:extLst>
+          </a:blip>
+          <a:srcRect/>
+          <a:stretch>
+            <a:fillRect/>
+          </a:stretch>
+        </p:blipFill>
+        <p:spPr bwMode="auto">
+          <a:xfrm>
+            <a:off x="6604001" y="5784851"/>
+            <a:ext cx="3381375" cy="525463"/>
+          </a:xfrm>
+          <a:prstGeom prst="rect">
+            <a:avLst/>
+          </a:prstGeom>
+          <a:noFill/>
+          <a:ln>
+            <a:noFill/>
+          </a:ln>
+          <a:extLst>
+            <a:ext uri="{909E8E84-426E-40DD-AFC4-6F175D3DCCD1}">
+              <a14:hiddenFill xmlns:a14="http://schemas.microsoft.com/office/drawing/2010/main">
+                <a:solidFill>
+                  <a:srgbClr val="FFFFFF"/>
+                </a:solidFill>
+              </a14:hiddenFill>
+            </a:ext>
+            <a:ext uri="{91240B29-F687-4F45-9708-019B960494DF}">
+              <a14:hiddenLine xmlns:a14="http://schemas.microsoft.com/office/drawing/2010/main" w="9525">
+                <a:solidFill>
+                  <a:srgbClr val="000000"/>
+                </a:solidFill>
+                <a:miter lim="800000"/>
+                <a:headEnd/>
+                <a:tailEnd/>
+              </a14:hiddenLine>
+            </a:ext>
+          </a:extLst>
+        </p:spPr>
+      </p:pic>
+    </p:spTree>
+  </p:cSld>
+  <p:clrMapOvr>
+    <a:masterClrMapping/>
+  </p:clrMapOvr>
+  <p:transition advClick="0"/>
+  <p:timing>
+    <p:tnLst>
+      <p:par>
+        <p:cTn id="1" dur="indefinite" restart="never" nodeType="tmRoot"/>
+      </p:par>
+    </p:tnLst>
+  </p:timing>
+</p:sld>
+</file>
+
+<file path=ppt/slides/slide20.xml><?xml version="1.0" encoding="utf-8"?>
 <p:sld xmlns:a="http://schemas.openxmlformats.org/drawingml/2006/main" xmlns:r="http://schemas.openxmlformats.org/officeDocument/2006/relationships" xmlns:p="http://schemas.openxmlformats.org/presentationml/2006/main">
   <p:cSld>
     <p:spTree>
@@ -11722,393 +12495,7 @@
 </p:sld>
 </file>
 
-<file path=ppt/slides/slide2.xml><?xml version="1.0" encoding="utf-8"?>
-<p:sld xmlns:a="http://schemas.openxmlformats.org/drawingml/2006/main" xmlns:r="http://schemas.openxmlformats.org/officeDocument/2006/relationships" xmlns:p="http://schemas.openxmlformats.org/presentationml/2006/main">
-  <p:cSld>
-    <p:spTree>
-      <p:nvGrpSpPr>
-        <p:cNvPr id="1" name=""/>
-        <p:cNvGrpSpPr/>
-        <p:nvPr/>
-      </p:nvGrpSpPr>
-      <p:grpSpPr>
-        <a:xfrm>
-          <a:off x="0" y="0"/>
-          <a:ext cx="0" cy="0"/>
-          <a:chOff x="0" y="0"/>
-          <a:chExt cx="0" cy="0"/>
-        </a:xfrm>
-      </p:grpSpPr>
-      <p:pic>
-        <p:nvPicPr>
-          <p:cNvPr id="4098" name="Picture 4"/>
-          <p:cNvPicPr>
-            <a:picLocks noChangeAspect="1" noChangeArrowheads="1"/>
-          </p:cNvPicPr>
-          <p:nvPr/>
-        </p:nvPicPr>
-        <p:blipFill>
-          <a:blip r:embed="rId1">
-            <a:extLst>
-              <a:ext uri="{28A0092B-C50C-407E-A947-70E740481C1C}">
-                <a14:useLocalDpi xmlns:a14="http://schemas.microsoft.com/office/drawing/2010/main" val="0"/>
-              </a:ext>
-            </a:extLst>
-          </a:blip>
-          <a:srcRect/>
-          <a:stretch>
-            <a:fillRect/>
-          </a:stretch>
-        </p:blipFill>
-        <p:spPr bwMode="auto">
-          <a:xfrm>
-            <a:off x="0" y="0"/>
-            <a:ext cx="12192000" cy="6858000"/>
-          </a:xfrm>
-          <a:prstGeom prst="rect">
-            <a:avLst/>
-          </a:prstGeom>
-          <a:noFill/>
-          <a:ln>
-            <a:noFill/>
-          </a:ln>
-          <a:extLst>
-            <a:ext uri="{909E8E84-426E-40DD-AFC4-6F175D3DCCD1}">
-              <a14:hiddenFill xmlns:a14="http://schemas.microsoft.com/office/drawing/2010/main">
-                <a:solidFill>
-                  <a:srgbClr val="FFFFFF"/>
-                </a:solidFill>
-              </a14:hiddenFill>
-            </a:ext>
-            <a:ext uri="{91240B29-F687-4F45-9708-019B960494DF}">
-              <a14:hiddenLine xmlns:a14="http://schemas.microsoft.com/office/drawing/2010/main" w="9525">
-                <a:solidFill>
-                  <a:srgbClr val="000000"/>
-                </a:solidFill>
-                <a:miter lim="800000"/>
-                <a:headEnd/>
-                <a:tailEnd/>
-              </a14:hiddenLine>
-            </a:ext>
-          </a:extLst>
-        </p:spPr>
-      </p:pic>
-      <p:sp>
-        <p:nvSpPr>
-          <p:cNvPr id="4099" name="Rectangle 2"/>
-          <p:cNvSpPr>
-            <a:spLocks noGrp="1" noChangeArrowheads="1"/>
-          </p:cNvSpPr>
-          <p:nvPr>
-            <p:ph type="ctrTitle" idx="4294967295"/>
-          </p:nvPr>
-        </p:nvSpPr>
-        <p:spPr bwMode="auto">
-          <a:xfrm>
-            <a:off x="1809751" y="2428876"/>
-            <a:ext cx="7286625" cy="1116013"/>
-          </a:xfrm>
-          <a:prstGeom prst="rect">
-            <a:avLst/>
-          </a:prstGeom>
-          <a:noFill/>
-          <a:extLst>
-            <a:ext uri="{909E8E84-426E-40DD-AFC4-6F175D3DCCD1}">
-              <a14:hiddenFill xmlns:a14="http://schemas.microsoft.com/office/drawing/2010/main">
-                <a:solidFill>
-                  <a:srgbClr val="FFFFFF"/>
-                </a:solidFill>
-              </a14:hiddenFill>
-            </a:ext>
-            <a:ext uri="{91240B29-F687-4F45-9708-019B960494DF}">
-              <a14:hiddenLine xmlns:a14="http://schemas.microsoft.com/office/drawing/2010/main" w="9525">
-                <a:solidFill>
-                  <a:srgbClr val="000000"/>
-                </a:solidFill>
-                <a:miter lim="800000"/>
-                <a:headEnd/>
-                <a:tailEnd/>
-              </a14:hiddenLine>
-            </a:ext>
-          </a:extLst>
-        </p:spPr>
-        <p:txBody>
-          <a:bodyPr anchor="b"/>
-          <a:lstStyle/>
-          <a:p>
-            <a:pPr algn="ctr" eaLnBrk="1" hangingPunct="1"/>
-            <a:r>
-              <a:rPr lang="en-US" sz="4800" b="1" dirty="0">
-                <a:sym typeface="+mn-ea"/>
-              </a:rPr>
-              <a:t>JavaScript</a:t>
-            </a:r>
-            <a:r>
-              <a:rPr lang="zh-CN" altLang="en-US" sz="4800" b="1" dirty="0">
-                <a:sym typeface="+mn-ea"/>
-              </a:rPr>
-              <a:t>进阶</a:t>
-            </a:r>
-            <a:endParaRPr kumimoji="0" lang="zh-CN" altLang="zh-CN" sz="4800" b="1"/>
-          </a:p>
-        </p:txBody>
-      </p:sp>
-      <p:sp>
-        <p:nvSpPr>
-          <p:cNvPr id="4100" name="TextBox 4"/>
-          <p:cNvSpPr txBox="1">
-            <a:spLocks noChangeArrowheads="1"/>
-          </p:cNvSpPr>
-          <p:nvPr/>
-        </p:nvSpPr>
-        <p:spPr bwMode="auto">
-          <a:xfrm>
-            <a:off x="5381626" y="4143375"/>
-            <a:ext cx="5286375" cy="583565"/>
-          </a:xfrm>
-          <a:prstGeom prst="rect">
-            <a:avLst/>
-          </a:prstGeom>
-          <a:noFill/>
-          <a:ln>
-            <a:noFill/>
-          </a:ln>
-          <a:extLst>
-            <a:ext uri="{909E8E84-426E-40DD-AFC4-6F175D3DCCD1}">
-              <a14:hiddenFill xmlns:a14="http://schemas.microsoft.com/office/drawing/2010/main">
-                <a:solidFill>
-                  <a:srgbClr val="FFFFFF"/>
-                </a:solidFill>
-              </a14:hiddenFill>
-            </a:ext>
-            <a:ext uri="{91240B29-F687-4F45-9708-019B960494DF}">
-              <a14:hiddenLine xmlns:a14="http://schemas.microsoft.com/office/drawing/2010/main" w="9525">
-                <a:solidFill>
-                  <a:srgbClr val="000000"/>
-                </a:solidFill>
-                <a:miter lim="800000"/>
-                <a:headEnd/>
-                <a:tailEnd/>
-              </a14:hiddenLine>
-            </a:ext>
-          </a:extLst>
-        </p:spPr>
-        <p:txBody>
-          <a:bodyPr>
-            <a:spAutoFit/>
-          </a:bodyPr>
-          <a:lstStyle>
-            <a:lvl1pPr>
-              <a:defRPr sz="3200">
-                <a:solidFill>
-                  <a:schemeClr val="tx1"/>
-                </a:solidFill>
-                <a:latin typeface="Arial" panose="020B0604020202020204" pitchFamily="34" charset="0"/>
-                <a:ea typeface="微软雅黑" panose="020B0503020204020204" pitchFamily="34" charset="-122"/>
-              </a:defRPr>
-            </a:lvl1pPr>
-            <a:lvl2pPr marL="742950" indent="-285750">
-              <a:defRPr sz="3200">
-                <a:solidFill>
-                  <a:schemeClr val="tx1"/>
-                </a:solidFill>
-                <a:latin typeface="Arial" panose="020B0604020202020204" pitchFamily="34" charset="0"/>
-                <a:ea typeface="微软雅黑" panose="020B0503020204020204" pitchFamily="34" charset="-122"/>
-              </a:defRPr>
-            </a:lvl2pPr>
-            <a:lvl3pPr marL="1143000" indent="-228600">
-              <a:defRPr sz="3200">
-                <a:solidFill>
-                  <a:schemeClr val="tx1"/>
-                </a:solidFill>
-                <a:latin typeface="Arial" panose="020B0604020202020204" pitchFamily="34" charset="0"/>
-                <a:ea typeface="微软雅黑" panose="020B0503020204020204" pitchFamily="34" charset="-122"/>
-              </a:defRPr>
-            </a:lvl3pPr>
-            <a:lvl4pPr marL="1600200" indent="-228600">
-              <a:defRPr sz="3200">
-                <a:solidFill>
-                  <a:schemeClr val="tx1"/>
-                </a:solidFill>
-                <a:latin typeface="Arial" panose="020B0604020202020204" pitchFamily="34" charset="0"/>
-                <a:ea typeface="微软雅黑" panose="020B0503020204020204" pitchFamily="34" charset="-122"/>
-              </a:defRPr>
-            </a:lvl4pPr>
-            <a:lvl5pPr marL="2057400" indent="-228600">
-              <a:defRPr sz="3200">
-                <a:solidFill>
-                  <a:schemeClr val="tx1"/>
-                </a:solidFill>
-                <a:latin typeface="Arial" panose="020B0604020202020204" pitchFamily="34" charset="0"/>
-                <a:ea typeface="微软雅黑" panose="020B0503020204020204" pitchFamily="34" charset="-122"/>
-              </a:defRPr>
-            </a:lvl5pPr>
-            <a:lvl6pPr marL="2514600" indent="-228600" eaLnBrk="0" fontAlgn="base" hangingPunct="0">
-              <a:spcBef>
-                <a:spcPct val="0"/>
-              </a:spcBef>
-              <a:spcAft>
-                <a:spcPct val="0"/>
-              </a:spcAft>
-              <a:defRPr sz="3200">
-                <a:solidFill>
-                  <a:schemeClr val="tx1"/>
-                </a:solidFill>
-                <a:latin typeface="Arial" panose="020B0604020202020204" pitchFamily="34" charset="0"/>
-                <a:ea typeface="微软雅黑" panose="020B0503020204020204" pitchFamily="34" charset="-122"/>
-              </a:defRPr>
-            </a:lvl6pPr>
-            <a:lvl7pPr marL="2971800" indent="-228600" eaLnBrk="0" fontAlgn="base" hangingPunct="0">
-              <a:spcBef>
-                <a:spcPct val="0"/>
-              </a:spcBef>
-              <a:spcAft>
-                <a:spcPct val="0"/>
-              </a:spcAft>
-              <a:defRPr sz="3200">
-                <a:solidFill>
-                  <a:schemeClr val="tx1"/>
-                </a:solidFill>
-                <a:latin typeface="Arial" panose="020B0604020202020204" pitchFamily="34" charset="0"/>
-                <a:ea typeface="微软雅黑" panose="020B0503020204020204" pitchFamily="34" charset="-122"/>
-              </a:defRPr>
-            </a:lvl7pPr>
-            <a:lvl8pPr marL="3429000" indent="-228600" eaLnBrk="0" fontAlgn="base" hangingPunct="0">
-              <a:spcBef>
-                <a:spcPct val="0"/>
-              </a:spcBef>
-              <a:spcAft>
-                <a:spcPct val="0"/>
-              </a:spcAft>
-              <a:defRPr sz="3200">
-                <a:solidFill>
-                  <a:schemeClr val="tx1"/>
-                </a:solidFill>
-                <a:latin typeface="Arial" panose="020B0604020202020204" pitchFamily="34" charset="0"/>
-                <a:ea typeface="微软雅黑" panose="020B0503020204020204" pitchFamily="34" charset="-122"/>
-              </a:defRPr>
-            </a:lvl8pPr>
-            <a:lvl9pPr marL="3886200" indent="-228600" eaLnBrk="0" fontAlgn="base" hangingPunct="0">
-              <a:spcBef>
-                <a:spcPct val="0"/>
-              </a:spcBef>
-              <a:spcAft>
-                <a:spcPct val="0"/>
-              </a:spcAft>
-              <a:defRPr sz="3200">
-                <a:solidFill>
-                  <a:schemeClr val="tx1"/>
-                </a:solidFill>
-                <a:latin typeface="Arial" panose="020B0604020202020204" pitchFamily="34" charset="0"/>
-                <a:ea typeface="微软雅黑" panose="020B0503020204020204" pitchFamily="34" charset="-122"/>
-              </a:defRPr>
-            </a:lvl9pPr>
-          </a:lstStyle>
-          <a:p>
-            <a:pPr eaLnBrk="0" hangingPunct="0">
-              <a:defRPr/>
-            </a:pPr>
-            <a:r>
-              <a:rPr lang="en-US" altLang="zh-CN">
-                <a:latin typeface="微软雅黑" panose="020B0503020204020204" pitchFamily="34" charset="-122"/>
-                <a:ea typeface="宋体" panose="02010600030101010101" pitchFamily="2" charset="-122"/>
-              </a:rPr>
-              <a:t>---</a:t>
-            </a:r>
-            <a:r>
-              <a:rPr lang="en-US" altLang="zh-CN" dirty="0">
-                <a:latin typeface="微软雅黑" panose="020B0503020204020204" pitchFamily="34" charset="-122"/>
-                <a:ea typeface="宋体" panose="02010600030101010101" pitchFamily="2" charset="-122"/>
-                <a:sym typeface="+mn-ea"/>
-              </a:rPr>
-              <a:t>JS</a:t>
-            </a:r>
-            <a:r>
-              <a:rPr lang="zh-CN" altLang="en-US">
-                <a:latin typeface="+mj-ea"/>
-                <a:ea typeface="+mj-ea"/>
-                <a:sym typeface="+mn-ea"/>
-              </a:rPr>
-              <a:t>对象综述</a:t>
-            </a:r>
-            <a:endParaRPr lang="zh-CN" altLang="en-US" dirty="0">
-              <a:latin typeface="+mj-ea"/>
-              <a:ea typeface="+mj-ea"/>
-            </a:endParaRPr>
-          </a:p>
-        </p:txBody>
-      </p:sp>
-      <p:pic>
-        <p:nvPicPr>
-          <p:cNvPr id="4101" name="图片 4" descr="软院logo横版.png"/>
-          <p:cNvPicPr>
-            <a:picLocks noChangeAspect="1"/>
-          </p:cNvPicPr>
-          <p:nvPr/>
-        </p:nvPicPr>
-        <p:blipFill>
-          <a:blip r:embed="rId2">
-            <a:extLst>
-              <a:ext uri="{28A0092B-C50C-407E-A947-70E740481C1C}">
-                <a14:useLocalDpi xmlns:a14="http://schemas.microsoft.com/office/drawing/2010/main" val="0"/>
-              </a:ext>
-            </a:extLst>
-          </a:blip>
-          <a:srcRect/>
-          <a:stretch>
-            <a:fillRect/>
-          </a:stretch>
-        </p:blipFill>
-        <p:spPr bwMode="auto">
-          <a:xfrm>
-            <a:off x="6604001" y="5784851"/>
-            <a:ext cx="3381375" cy="525463"/>
-          </a:xfrm>
-          <a:prstGeom prst="rect">
-            <a:avLst/>
-          </a:prstGeom>
-          <a:noFill/>
-          <a:ln>
-            <a:noFill/>
-          </a:ln>
-          <a:extLst>
-            <a:ext uri="{909E8E84-426E-40DD-AFC4-6F175D3DCCD1}">
-              <a14:hiddenFill xmlns:a14="http://schemas.microsoft.com/office/drawing/2010/main">
-                <a:solidFill>
-                  <a:srgbClr val="FFFFFF"/>
-                </a:solidFill>
-              </a14:hiddenFill>
-            </a:ext>
-            <a:ext uri="{91240B29-F687-4F45-9708-019B960494DF}">
-              <a14:hiddenLine xmlns:a14="http://schemas.microsoft.com/office/drawing/2010/main" w="9525">
-                <a:solidFill>
-                  <a:srgbClr val="000000"/>
-                </a:solidFill>
-                <a:miter lim="800000"/>
-                <a:headEnd/>
-                <a:tailEnd/>
-              </a14:hiddenLine>
-            </a:ext>
-          </a:extLst>
-        </p:spPr>
-      </p:pic>
-    </p:spTree>
-  </p:cSld>
-  <p:clrMapOvr>
-    <a:masterClrMapping/>
-  </p:clrMapOvr>
-  <p:transition advClick="0"/>
-  <p:timing>
-    <p:tnLst>
-      <p:par>
-        <p:cTn id="1" dur="indefinite" restart="never" nodeType="tmRoot"/>
-      </p:par>
-    </p:tnLst>
-  </p:timing>
-</p:sld>
-</file>
-
-<file path=ppt/slides/slide20.xml><?xml version="1.0" encoding="utf-8"?>
+<file path=ppt/slides/slide21.xml><?xml version="1.0" encoding="utf-8"?>
 <p:sld xmlns:a="http://schemas.openxmlformats.org/drawingml/2006/main" xmlns:r="http://schemas.openxmlformats.org/officeDocument/2006/relationships" xmlns:p="http://schemas.openxmlformats.org/presentationml/2006/main">
   <p:cSld>
     <p:spTree>
@@ -12850,7 +13237,7 @@
 </p:sld>
 </file>
 
-<file path=ppt/slides/slide21.xml><?xml version="1.0" encoding="utf-8"?>
+<file path=ppt/slides/slide22.xml><?xml version="1.0" encoding="utf-8"?>
 <p:sld xmlns:a="http://schemas.openxmlformats.org/drawingml/2006/main" xmlns:r="http://schemas.openxmlformats.org/officeDocument/2006/relationships" xmlns:p="http://schemas.openxmlformats.org/presentationml/2006/main">
   <p:cSld>
     <p:spTree>
@@ -13352,7 +13739,7 @@
 </p:sld>
 </file>
 
-<file path=ppt/slides/slide22.xml><?xml version="1.0" encoding="utf-8"?>
+<file path=ppt/slides/slide23.xml><?xml version="1.0" encoding="utf-8"?>
 <p:sld xmlns:a="http://schemas.openxmlformats.org/drawingml/2006/main" xmlns:r="http://schemas.openxmlformats.org/officeDocument/2006/relationships" xmlns:p="http://schemas.openxmlformats.org/presentationml/2006/main">
   <p:cSld>
     <p:spTree>
@@ -14120,7 +14507,7 @@
 </p:sld>
 </file>
 
-<file path=ppt/slides/slide23.xml><?xml version="1.0" encoding="utf-8"?>
+<file path=ppt/slides/slide24.xml><?xml version="1.0" encoding="utf-8"?>
 <p:sld xmlns:a="http://schemas.openxmlformats.org/drawingml/2006/main" xmlns:r="http://schemas.openxmlformats.org/officeDocument/2006/relationships" xmlns:p="http://schemas.openxmlformats.org/presentationml/2006/main">
   <p:cSld>
     <p:spTree>
@@ -14622,7 +15009,7 @@
 </p:sld>
 </file>
 
-<file path=ppt/slides/slide24.xml><?xml version="1.0" encoding="utf-8"?>
+<file path=ppt/slides/slide25.xml><?xml version="1.0" encoding="utf-8"?>
 <p:sld xmlns:a="http://schemas.openxmlformats.org/drawingml/2006/main" xmlns:r="http://schemas.openxmlformats.org/officeDocument/2006/relationships" xmlns:p="http://schemas.openxmlformats.org/presentationml/2006/main">
   <p:cSld>
     <p:spTree>
@@ -14826,7 +15213,7 @@
 </p:sld>
 </file>
 
-<file path=ppt/slides/slide25.xml><?xml version="1.0" encoding="utf-8"?>
+<file path=ppt/slides/slide26.xml><?xml version="1.0" encoding="utf-8"?>
 <p:sld xmlns:a="http://schemas.openxmlformats.org/drawingml/2006/main" xmlns:r="http://schemas.openxmlformats.org/officeDocument/2006/relationships" xmlns:p="http://schemas.openxmlformats.org/presentationml/2006/main">
   <p:cSld>
     <p:spTree>
@@ -16132,7 +16519,7 @@
         </p:nvSpPr>
         <p:spPr>
           <a:xfrm>
-            <a:off x="6658610" y="1014095"/>
+            <a:off x="5730875" y="6109335"/>
             <a:ext cx="2483485" cy="429895"/>
           </a:xfrm>
           <a:prstGeom prst="rect">
@@ -16232,9 +16619,384 @@
   <p:timing>
     <p:tnLst>
       <p:par>
-        <p:cTn id="1" dur="indefinite" restart="never" nodeType="tmRoot"/>
+        <p:cTn id="1" dur="indefinite" restart="never" nodeType="tmRoot">
+          <p:childTnLst>
+            <p:seq concurrent="1" nextAc="seek">
+              <p:cTn id="2" dur="indefinite" nodeType="mainSeq">
+                <p:childTnLst>
+                  <p:par>
+                    <p:cTn id="3" fill="hold">
+                      <p:stCondLst>
+                        <p:cond delay="indefinite"/>
+                      </p:stCondLst>
+                      <p:childTnLst>
+                        <p:par>
+                          <p:cTn id="4" fill="hold">
+                            <p:stCondLst>
+                              <p:cond delay="0"/>
+                            </p:stCondLst>
+                            <p:childTnLst>
+                              <p:par>
+                                <p:cTn id="5" presetID="2" presetClass="entr" presetSubtype="4" fill="hold" nodeType="clickEffect">
+                                  <p:stCondLst>
+                                    <p:cond delay="0"/>
+                                  </p:stCondLst>
+                                  <p:childTnLst>
+                                    <p:set>
+                                      <p:cBhvr>
+                                        <p:cTn id="6" dur="1" fill="hold">
+                                          <p:stCondLst>
+                                            <p:cond delay="0"/>
+                                          </p:stCondLst>
+                                        </p:cTn>
+                                        <p:tgtEl>
+                                          <p:spTgt spid="2">
+                                            <p:txEl>
+                                              <p:pRg st="0" end="0"/>
+                                            </p:txEl>
+                                          </p:spTgt>
+                                        </p:tgtEl>
+                                        <p:attrNameLst>
+                                          <p:attrName>style.visibility</p:attrName>
+                                        </p:attrNameLst>
+                                      </p:cBhvr>
+                                      <p:to>
+                                        <p:strVal val="visible"/>
+                                      </p:to>
+                                    </p:set>
+                                    <p:anim calcmode="lin" valueType="num">
+                                      <p:cBhvr additive="base">
+                                        <p:cTn id="7" dur="500" fill="hold"/>
+                                        <p:tgtEl>
+                                          <p:spTgt spid="2">
+                                            <p:txEl>
+                                              <p:pRg st="0" end="0"/>
+                                            </p:txEl>
+                                          </p:spTgt>
+                                        </p:tgtEl>
+                                        <p:attrNameLst>
+                                          <p:attrName>ppt_x</p:attrName>
+                                        </p:attrNameLst>
+                                      </p:cBhvr>
+                                      <p:tavLst>
+                                        <p:tav tm="0">
+                                          <p:val>
+                                            <p:strVal val="#ppt_x"/>
+                                          </p:val>
+                                        </p:tav>
+                                        <p:tav tm="100000">
+                                          <p:val>
+                                            <p:strVal val="#ppt_x"/>
+                                          </p:val>
+                                        </p:tav>
+                                      </p:tavLst>
+                                    </p:anim>
+                                    <p:anim calcmode="lin" valueType="num">
+                                      <p:cBhvr additive="base">
+                                        <p:cTn id="8" dur="500" fill="hold"/>
+                                        <p:tgtEl>
+                                          <p:spTgt spid="2">
+                                            <p:txEl>
+                                              <p:pRg st="0" end="0"/>
+                                            </p:txEl>
+                                          </p:spTgt>
+                                        </p:tgtEl>
+                                        <p:attrNameLst>
+                                          <p:attrName>ppt_y</p:attrName>
+                                        </p:attrNameLst>
+                                      </p:cBhvr>
+                                      <p:tavLst>
+                                        <p:tav tm="0">
+                                          <p:val>
+                                            <p:strVal val="1+#ppt_h/2"/>
+                                          </p:val>
+                                        </p:tav>
+                                        <p:tav tm="100000">
+                                          <p:val>
+                                            <p:strVal val="#ppt_y"/>
+                                          </p:val>
+                                        </p:tav>
+                                      </p:tavLst>
+                                    </p:anim>
+                                  </p:childTnLst>
+                                </p:cTn>
+                              </p:par>
+                            </p:childTnLst>
+                          </p:cTn>
+                        </p:par>
+                      </p:childTnLst>
+                    </p:cTn>
+                  </p:par>
+                  <p:par>
+                    <p:cTn id="9" fill="hold">
+                      <p:stCondLst>
+                        <p:cond delay="indefinite"/>
+                      </p:stCondLst>
+                      <p:childTnLst>
+                        <p:par>
+                          <p:cTn id="10" fill="hold">
+                            <p:stCondLst>
+                              <p:cond delay="0"/>
+                            </p:stCondLst>
+                            <p:childTnLst>
+                              <p:par>
+                                <p:cTn id="11" presetID="2" presetClass="entr" presetSubtype="4" fill="hold" nodeType="clickEffect">
+                                  <p:stCondLst>
+                                    <p:cond delay="0"/>
+                                  </p:stCondLst>
+                                  <p:childTnLst>
+                                    <p:set>
+                                      <p:cBhvr>
+                                        <p:cTn id="12" dur="1" fill="hold">
+                                          <p:stCondLst>
+                                            <p:cond delay="0"/>
+                                          </p:stCondLst>
+                                        </p:cTn>
+                                        <p:tgtEl>
+                                          <p:spTgt spid="7"/>
+                                        </p:tgtEl>
+                                        <p:attrNameLst>
+                                          <p:attrName>style.visibility</p:attrName>
+                                        </p:attrNameLst>
+                                      </p:cBhvr>
+                                      <p:to>
+                                        <p:strVal val="visible"/>
+                                      </p:to>
+                                    </p:set>
+                                    <p:anim calcmode="lin" valueType="num">
+                                      <p:cBhvr additive="base">
+                                        <p:cTn id="13" dur="500" fill="hold"/>
+                                        <p:tgtEl>
+                                          <p:spTgt spid="7"/>
+                                        </p:tgtEl>
+                                        <p:attrNameLst>
+                                          <p:attrName>ppt_x</p:attrName>
+                                        </p:attrNameLst>
+                                      </p:cBhvr>
+                                      <p:tavLst>
+                                        <p:tav tm="0">
+                                          <p:val>
+                                            <p:strVal val="#ppt_x"/>
+                                          </p:val>
+                                        </p:tav>
+                                        <p:tav tm="100000">
+                                          <p:val>
+                                            <p:strVal val="#ppt_x"/>
+                                          </p:val>
+                                        </p:tav>
+                                      </p:tavLst>
+                                    </p:anim>
+                                    <p:anim calcmode="lin" valueType="num">
+                                      <p:cBhvr additive="base">
+                                        <p:cTn id="14" dur="500" fill="hold"/>
+                                        <p:tgtEl>
+                                          <p:spTgt spid="7"/>
+                                        </p:tgtEl>
+                                        <p:attrNameLst>
+                                          <p:attrName>ppt_y</p:attrName>
+                                        </p:attrNameLst>
+                                      </p:cBhvr>
+                                      <p:tavLst>
+                                        <p:tav tm="0">
+                                          <p:val>
+                                            <p:strVal val="1+#ppt_h/2"/>
+                                          </p:val>
+                                        </p:tav>
+                                        <p:tav tm="100000">
+                                          <p:val>
+                                            <p:strVal val="#ppt_y"/>
+                                          </p:val>
+                                        </p:tav>
+                                      </p:tavLst>
+                                    </p:anim>
+                                  </p:childTnLst>
+                                </p:cTn>
+                              </p:par>
+                              <p:par>
+                                <p:cTn id="15" presetID="2" presetClass="entr" presetSubtype="4" fill="hold" nodeType="withEffect">
+                                  <p:stCondLst>
+                                    <p:cond delay="0"/>
+                                  </p:stCondLst>
+                                  <p:childTnLst>
+                                    <p:set>
+                                      <p:cBhvr>
+                                        <p:cTn id="16" dur="1" fill="hold">
+                                          <p:stCondLst>
+                                            <p:cond delay="0"/>
+                                          </p:stCondLst>
+                                        </p:cTn>
+                                        <p:tgtEl>
+                                          <p:spTgt spid="6"/>
+                                        </p:tgtEl>
+                                        <p:attrNameLst>
+                                          <p:attrName>style.visibility</p:attrName>
+                                        </p:attrNameLst>
+                                      </p:cBhvr>
+                                      <p:to>
+                                        <p:strVal val="visible"/>
+                                      </p:to>
+                                    </p:set>
+                                    <p:anim calcmode="lin" valueType="num">
+                                      <p:cBhvr additive="base">
+                                        <p:cTn id="17" dur="500" fill="hold"/>
+                                        <p:tgtEl>
+                                          <p:spTgt spid="6"/>
+                                        </p:tgtEl>
+                                        <p:attrNameLst>
+                                          <p:attrName>ppt_x</p:attrName>
+                                        </p:attrNameLst>
+                                      </p:cBhvr>
+                                      <p:tavLst>
+                                        <p:tav tm="0">
+                                          <p:val>
+                                            <p:strVal val="#ppt_x"/>
+                                          </p:val>
+                                        </p:tav>
+                                        <p:tav tm="100000">
+                                          <p:val>
+                                            <p:strVal val="#ppt_x"/>
+                                          </p:val>
+                                        </p:tav>
+                                      </p:tavLst>
+                                    </p:anim>
+                                    <p:anim calcmode="lin" valueType="num">
+                                      <p:cBhvr additive="base">
+                                        <p:cTn id="18" dur="500" fill="hold"/>
+                                        <p:tgtEl>
+                                          <p:spTgt spid="6"/>
+                                        </p:tgtEl>
+                                        <p:attrNameLst>
+                                          <p:attrName>ppt_y</p:attrName>
+                                        </p:attrNameLst>
+                                      </p:cBhvr>
+                                      <p:tavLst>
+                                        <p:tav tm="0">
+                                          <p:val>
+                                            <p:strVal val="1+#ppt_h/2"/>
+                                          </p:val>
+                                        </p:tav>
+                                        <p:tav tm="100000">
+                                          <p:val>
+                                            <p:strVal val="#ppt_y"/>
+                                          </p:val>
+                                        </p:tav>
+                                      </p:tavLst>
+                                    </p:anim>
+                                  </p:childTnLst>
+                                </p:cTn>
+                              </p:par>
+                            </p:childTnLst>
+                          </p:cTn>
+                        </p:par>
+                        <p:par>
+                          <p:cTn id="19" fill="hold">
+                            <p:stCondLst>
+                              <p:cond delay="500"/>
+                            </p:stCondLst>
+                            <p:childTnLst>
+                              <p:par>
+                                <p:cTn id="20" presetID="2" presetClass="entr" presetSubtype="4" fill="hold" grpId="0" nodeType="afterEffect">
+                                  <p:stCondLst>
+                                    <p:cond delay="0"/>
+                                  </p:stCondLst>
+                                  <p:childTnLst>
+                                    <p:set>
+                                      <p:cBhvr>
+                                        <p:cTn id="21" dur="1" fill="hold">
+                                          <p:stCondLst>
+                                            <p:cond delay="0"/>
+                                          </p:stCondLst>
+                                        </p:cTn>
+                                        <p:tgtEl>
+                                          <p:spTgt spid="4"/>
+                                        </p:tgtEl>
+                                        <p:attrNameLst>
+                                          <p:attrName>style.visibility</p:attrName>
+                                        </p:attrNameLst>
+                                      </p:cBhvr>
+                                      <p:to>
+                                        <p:strVal val="visible"/>
+                                      </p:to>
+                                    </p:set>
+                                    <p:anim calcmode="lin" valueType="num">
+                                      <p:cBhvr additive="base">
+                                        <p:cTn id="22" dur="500" fill="hold"/>
+                                        <p:tgtEl>
+                                          <p:spTgt spid="4"/>
+                                        </p:tgtEl>
+                                        <p:attrNameLst>
+                                          <p:attrName>ppt_x</p:attrName>
+                                        </p:attrNameLst>
+                                      </p:cBhvr>
+                                      <p:tavLst>
+                                        <p:tav tm="0">
+                                          <p:val>
+                                            <p:strVal val="#ppt_x"/>
+                                          </p:val>
+                                        </p:tav>
+                                        <p:tav tm="100000">
+                                          <p:val>
+                                            <p:strVal val="#ppt_x"/>
+                                          </p:val>
+                                        </p:tav>
+                                      </p:tavLst>
+                                    </p:anim>
+                                    <p:anim calcmode="lin" valueType="num">
+                                      <p:cBhvr additive="base">
+                                        <p:cTn id="23" dur="500" fill="hold"/>
+                                        <p:tgtEl>
+                                          <p:spTgt spid="4"/>
+                                        </p:tgtEl>
+                                        <p:attrNameLst>
+                                          <p:attrName>ppt_y</p:attrName>
+                                        </p:attrNameLst>
+                                      </p:cBhvr>
+                                      <p:tavLst>
+                                        <p:tav tm="0">
+                                          <p:val>
+                                            <p:strVal val="1+#ppt_h/2"/>
+                                          </p:val>
+                                        </p:tav>
+                                        <p:tav tm="100000">
+                                          <p:val>
+                                            <p:strVal val="#ppt_y"/>
+                                          </p:val>
+                                        </p:tav>
+                                      </p:tavLst>
+                                    </p:anim>
+                                  </p:childTnLst>
+                                </p:cTn>
+                              </p:par>
+                            </p:childTnLst>
+                          </p:cTn>
+                        </p:par>
+                      </p:childTnLst>
+                    </p:cTn>
+                  </p:par>
+                </p:childTnLst>
+              </p:cTn>
+              <p:prevCondLst>
+                <p:cond evt="onPrev" delay="0">
+                  <p:tgtEl>
+                    <p:sldTgt/>
+                  </p:tgtEl>
+                </p:cond>
+              </p:prevCondLst>
+              <p:nextCondLst>
+                <p:cond evt="onNext" delay="0">
+                  <p:tgtEl>
+                    <p:sldTgt/>
+                  </p:tgtEl>
+                </p:cond>
+              </p:nextCondLst>
+            </p:seq>
+          </p:childTnLst>
+        </p:cTn>
       </p:par>
     </p:tnLst>
+    <p:bldLst>
+      <p:bldP spid="4" grpId="0"/>
+    </p:bldLst>
   </p:timing>
 </p:sld>
 </file>
@@ -16594,58 +17356,6 @@
           </a:p>
         </p:txBody>
       </p:sp>
-      <p:sp>
-        <p:nvSpPr>
-          <p:cNvPr id="4" name="文本框 3"/>
-          <p:cNvSpPr txBox="1"/>
-          <p:nvPr/>
-        </p:nvSpPr>
-        <p:spPr>
-          <a:xfrm>
-            <a:off x="6658610" y="1014095"/>
-            <a:ext cx="2483485" cy="429895"/>
-          </a:xfrm>
-          <a:prstGeom prst="rect">
-            <a:avLst/>
-          </a:prstGeom>
-          <a:noFill/>
-        </p:spPr>
-        <p:txBody>
-          <a:bodyPr wrap="square" rtlCol="0">
-            <a:spAutoFit/>
-          </a:bodyPr>
-          <a:p>
-            <a:pPr algn="l"/>
-            <a:r>
-              <a:rPr lang="zh-CN" altLang="en-US" sz="2200">
-                <a:solidFill>
-                  <a:srgbClr val="FF0000"/>
-                </a:solidFill>
-                <a:latin typeface="+mn-ea"/>
-                <a:ea typeface="+mn-ea"/>
-              </a:rPr>
-              <a:t>参见实例</a:t>
-            </a:r>
-            <a:r>
-              <a:rPr lang="en-US" altLang="zh-CN" sz="2200">
-                <a:solidFill>
-                  <a:srgbClr val="FF0000"/>
-                </a:solidFill>
-                <a:latin typeface="+mn-ea"/>
-                <a:ea typeface="+mn-ea"/>
-              </a:rPr>
-              <a:t>demo02</a:t>
-            </a:r>
-            <a:endParaRPr lang="en-US" altLang="zh-CN" sz="2200">
-              <a:solidFill>
-                <a:srgbClr val="FF0000"/>
-              </a:solidFill>
-              <a:latin typeface="+mn-ea"/>
-              <a:ea typeface="+mn-ea"/>
-            </a:endParaRPr>
-          </a:p>
-        </p:txBody>
-      </p:sp>
       <p:pic>
         <p:nvPicPr>
           <p:cNvPr id="7" name="图片 6"/>
@@ -16663,8 +17373,8 @@
         </p:blipFill>
         <p:spPr>
           <a:xfrm>
-            <a:off x="1390650" y="2831465"/>
-            <a:ext cx="5065395" cy="3734435"/>
+            <a:off x="1175385" y="2831465"/>
+            <a:ext cx="5320030" cy="3922395"/>
           </a:xfrm>
           <a:prstGeom prst="rect">
             <a:avLst/>
@@ -16673,13 +17383,75 @@
       </p:pic>
       <p:sp>
         <p:nvSpPr>
+          <p:cNvPr id="4" name="文本框 3"/>
+          <p:cNvSpPr txBox="1"/>
+          <p:nvPr/>
+        </p:nvSpPr>
+        <p:spPr>
+          <a:xfrm>
+            <a:off x="7070090" y="6323965"/>
+            <a:ext cx="4110355" cy="429895"/>
+          </a:xfrm>
+          <a:prstGeom prst="rect">
+            <a:avLst/>
+          </a:prstGeom>
+          <a:noFill/>
+        </p:spPr>
+        <p:txBody>
+          <a:bodyPr wrap="square" rtlCol="0">
+            <a:spAutoFit/>
+          </a:bodyPr>
+          <a:p>
+            <a:pPr algn="l"/>
+            <a:r>
+              <a:rPr lang="zh-CN" altLang="en-US" sz="2200">
+                <a:solidFill>
+                  <a:srgbClr val="FF0000"/>
+                </a:solidFill>
+                <a:latin typeface="+mn-ea"/>
+                <a:ea typeface="+mn-ea"/>
+              </a:rPr>
+              <a:t>参见实例</a:t>
+            </a:r>
+            <a:r>
+              <a:rPr lang="en-US" altLang="zh-CN" sz="2200">
+                <a:solidFill>
+                  <a:srgbClr val="FF0000"/>
+                </a:solidFill>
+                <a:latin typeface="+mn-ea"/>
+                <a:ea typeface="+mn-ea"/>
+              </a:rPr>
+              <a:t>demo02 </a:t>
+            </a:r>
+            <a:r>
+              <a:rPr lang="zh-CN" altLang="en-US" sz="2200">
+                <a:solidFill>
+                  <a:srgbClr val="FF0000"/>
+                </a:solidFill>
+                <a:latin typeface="+mn-ea"/>
+                <a:ea typeface="+mn-ea"/>
+              </a:rPr>
+              <a:t>对象类型</a:t>
+            </a:r>
+            <a:endParaRPr lang="zh-CN" altLang="en-US" sz="2200">
+              <a:solidFill>
+                <a:srgbClr val="FF0000"/>
+              </a:solidFill>
+              <a:latin typeface="+mn-ea"/>
+              <a:ea typeface="+mn-ea"/>
+            </a:endParaRPr>
+          </a:p>
+        </p:txBody>
+      </p:sp>
+      <p:sp>
+        <p:nvSpPr>
           <p:cNvPr id="8" name="文本框 7"/>
           <p:cNvSpPr txBox="1"/>
           <p:nvPr/>
         </p:nvSpPr>
         <p:spPr>
           <a:xfrm>
-            <a:off x="7072630" y="3150235"/>
+            <a:off x="7072630" y="2863215"/>
             <a:ext cx="4170680" cy="3476625"/>
           </a:xfrm>
           <a:prstGeom prst="rect">
@@ -16740,7 +17512,7 @@
                 <a:latin typeface="+mn-ea"/>
                 <a:ea typeface="+mn-ea"/>
               </a:rPr>
-              <a:t>，构造器对象（类对象）</a:t>
+              <a:t>，构造器函数对象（类对象）</a:t>
             </a:r>
             <a:endParaRPr lang="zh-CN" altLang="en-US" sz="2200">
               <a:solidFill>
@@ -16770,7 +17542,7 @@
                 <a:latin typeface="+mn-ea"/>
                 <a:ea typeface="+mn-ea"/>
               </a:rPr>
-              <a:t>，非构造器对象（普通对象）</a:t>
+              <a:t>，非构造器对象</a:t>
             </a:r>
             <a:endParaRPr lang="zh-CN" altLang="en-US" sz="2200">
               <a:solidFill>
@@ -17000,6 +17772,557 @@
           </a:p>
         </p:txBody>
       </p:sp>
+    </p:spTree>
+  </p:cSld>
+  <p:clrMapOvr>
+    <a:masterClrMapping/>
+  </p:clrMapOvr>
+  <p:timing>
+    <p:tnLst>
+      <p:par>
+        <p:cTn id="1" dur="indefinite" restart="never" nodeType="tmRoot">
+          <p:childTnLst>
+            <p:seq concurrent="1" nextAc="seek">
+              <p:cTn id="2" dur="indefinite" nodeType="mainSeq">
+                <p:childTnLst>
+                  <p:par>
+                    <p:cTn id="3" fill="hold">
+                      <p:stCondLst>
+                        <p:cond delay="indefinite"/>
+                      </p:stCondLst>
+                      <p:childTnLst>
+                        <p:par>
+                          <p:cTn id="4" fill="hold">
+                            <p:stCondLst>
+                              <p:cond delay="0"/>
+                            </p:stCondLst>
+                            <p:childTnLst>
+                              <p:par>
+                                <p:cTn id="5" presetID="2" presetClass="entr" presetSubtype="4" fill="hold" nodeType="clickEffect">
+                                  <p:stCondLst>
+                                    <p:cond delay="0"/>
+                                  </p:stCondLst>
+                                  <p:childTnLst>
+                                    <p:set>
+                                      <p:cBhvr>
+                                        <p:cTn id="6" dur="1" fill="hold">
+                                          <p:stCondLst>
+                                            <p:cond delay="0"/>
+                                          </p:stCondLst>
+                                        </p:cTn>
+                                        <p:tgtEl>
+                                          <p:spTgt spid="2">
+                                            <p:txEl>
+                                              <p:pRg st="0" end="0"/>
+                                            </p:txEl>
+                                          </p:spTgt>
+                                        </p:tgtEl>
+                                        <p:attrNameLst>
+                                          <p:attrName>style.visibility</p:attrName>
+                                        </p:attrNameLst>
+                                      </p:cBhvr>
+                                      <p:to>
+                                        <p:strVal val="visible"/>
+                                      </p:to>
+                                    </p:set>
+                                    <p:anim calcmode="lin" valueType="num">
+                                      <p:cBhvr additive="base">
+                                        <p:cTn id="7" dur="500" fill="hold"/>
+                                        <p:tgtEl>
+                                          <p:spTgt spid="2">
+                                            <p:txEl>
+                                              <p:pRg st="0" end="0"/>
+                                            </p:txEl>
+                                          </p:spTgt>
+                                        </p:tgtEl>
+                                        <p:attrNameLst>
+                                          <p:attrName>ppt_x</p:attrName>
+                                        </p:attrNameLst>
+                                      </p:cBhvr>
+                                      <p:tavLst>
+                                        <p:tav tm="0">
+                                          <p:val>
+                                            <p:strVal val="#ppt_x"/>
+                                          </p:val>
+                                        </p:tav>
+                                        <p:tav tm="100000">
+                                          <p:val>
+                                            <p:strVal val="#ppt_x"/>
+                                          </p:val>
+                                        </p:tav>
+                                      </p:tavLst>
+                                    </p:anim>
+                                    <p:anim calcmode="lin" valueType="num">
+                                      <p:cBhvr additive="base">
+                                        <p:cTn id="8" dur="500" fill="hold"/>
+                                        <p:tgtEl>
+                                          <p:spTgt spid="2">
+                                            <p:txEl>
+                                              <p:pRg st="0" end="0"/>
+                                            </p:txEl>
+                                          </p:spTgt>
+                                        </p:tgtEl>
+                                        <p:attrNameLst>
+                                          <p:attrName>ppt_y</p:attrName>
+                                        </p:attrNameLst>
+                                      </p:cBhvr>
+                                      <p:tavLst>
+                                        <p:tav tm="0">
+                                          <p:val>
+                                            <p:strVal val="1+#ppt_h/2"/>
+                                          </p:val>
+                                        </p:tav>
+                                        <p:tav tm="100000">
+                                          <p:val>
+                                            <p:strVal val="#ppt_y"/>
+                                          </p:val>
+                                        </p:tav>
+                                      </p:tavLst>
+                                    </p:anim>
+                                  </p:childTnLst>
+                                </p:cTn>
+                              </p:par>
+                            </p:childTnLst>
+                          </p:cTn>
+                        </p:par>
+                      </p:childTnLst>
+                    </p:cTn>
+                  </p:par>
+                  <p:par>
+                    <p:cTn id="9" fill="hold">
+                      <p:stCondLst>
+                        <p:cond delay="indefinite"/>
+                      </p:stCondLst>
+                      <p:childTnLst>
+                        <p:par>
+                          <p:cTn id="10" fill="hold">
+                            <p:stCondLst>
+                              <p:cond delay="0"/>
+                            </p:stCondLst>
+                            <p:childTnLst>
+                              <p:par>
+                                <p:cTn id="11" presetID="2" presetClass="entr" presetSubtype="4" fill="hold" nodeType="clickEffect">
+                                  <p:stCondLst>
+                                    <p:cond delay="0"/>
+                                  </p:stCondLst>
+                                  <p:childTnLst>
+                                    <p:set>
+                                      <p:cBhvr>
+                                        <p:cTn id="12" dur="1" fill="hold">
+                                          <p:stCondLst>
+                                            <p:cond delay="0"/>
+                                          </p:stCondLst>
+                                        </p:cTn>
+                                        <p:tgtEl>
+                                          <p:spTgt spid="7"/>
+                                        </p:tgtEl>
+                                        <p:attrNameLst>
+                                          <p:attrName>style.visibility</p:attrName>
+                                        </p:attrNameLst>
+                                      </p:cBhvr>
+                                      <p:to>
+                                        <p:strVal val="visible"/>
+                                      </p:to>
+                                    </p:set>
+                                    <p:anim calcmode="lin" valueType="num">
+                                      <p:cBhvr additive="base">
+                                        <p:cTn id="13" dur="500" fill="hold"/>
+                                        <p:tgtEl>
+                                          <p:spTgt spid="7"/>
+                                        </p:tgtEl>
+                                        <p:attrNameLst>
+                                          <p:attrName>ppt_x</p:attrName>
+                                        </p:attrNameLst>
+                                      </p:cBhvr>
+                                      <p:tavLst>
+                                        <p:tav tm="0">
+                                          <p:val>
+                                            <p:strVal val="#ppt_x"/>
+                                          </p:val>
+                                        </p:tav>
+                                        <p:tav tm="100000">
+                                          <p:val>
+                                            <p:strVal val="#ppt_x"/>
+                                          </p:val>
+                                        </p:tav>
+                                      </p:tavLst>
+                                    </p:anim>
+                                    <p:anim calcmode="lin" valueType="num">
+                                      <p:cBhvr additive="base">
+                                        <p:cTn id="14" dur="500" fill="hold"/>
+                                        <p:tgtEl>
+                                          <p:spTgt spid="7"/>
+                                        </p:tgtEl>
+                                        <p:attrNameLst>
+                                          <p:attrName>ppt_y</p:attrName>
+                                        </p:attrNameLst>
+                                      </p:cBhvr>
+                                      <p:tavLst>
+                                        <p:tav tm="0">
+                                          <p:val>
+                                            <p:strVal val="1+#ppt_h/2"/>
+                                          </p:val>
+                                        </p:tav>
+                                        <p:tav tm="100000">
+                                          <p:val>
+                                            <p:strVal val="#ppt_y"/>
+                                          </p:val>
+                                        </p:tav>
+                                      </p:tavLst>
+                                    </p:anim>
+                                  </p:childTnLst>
+                                </p:cTn>
+                              </p:par>
+                            </p:childTnLst>
+                          </p:cTn>
+                        </p:par>
+                      </p:childTnLst>
+                    </p:cTn>
+                  </p:par>
+                  <p:par>
+                    <p:cTn id="15" fill="hold">
+                      <p:stCondLst>
+                        <p:cond delay="indefinite"/>
+                      </p:stCondLst>
+                      <p:childTnLst>
+                        <p:par>
+                          <p:cTn id="16" fill="hold">
+                            <p:stCondLst>
+                              <p:cond delay="0"/>
+                            </p:stCondLst>
+                            <p:childTnLst>
+                              <p:par>
+                                <p:cTn id="17" presetID="2" presetClass="entr" presetSubtype="4" fill="hold" grpId="0" nodeType="clickEffect">
+                                  <p:stCondLst>
+                                    <p:cond delay="0"/>
+                                  </p:stCondLst>
+                                  <p:childTnLst>
+                                    <p:set>
+                                      <p:cBhvr>
+                                        <p:cTn id="18" dur="1" fill="hold">
+                                          <p:stCondLst>
+                                            <p:cond delay="0"/>
+                                          </p:stCondLst>
+                                        </p:cTn>
+                                        <p:tgtEl>
+                                          <p:spTgt spid="8"/>
+                                        </p:tgtEl>
+                                        <p:attrNameLst>
+                                          <p:attrName>style.visibility</p:attrName>
+                                        </p:attrNameLst>
+                                      </p:cBhvr>
+                                      <p:to>
+                                        <p:strVal val="visible"/>
+                                      </p:to>
+                                    </p:set>
+                                    <p:anim calcmode="lin" valueType="num">
+                                      <p:cBhvr additive="base">
+                                        <p:cTn id="19" dur="500" fill="hold"/>
+                                        <p:tgtEl>
+                                          <p:spTgt spid="8"/>
+                                        </p:tgtEl>
+                                        <p:attrNameLst>
+                                          <p:attrName>ppt_x</p:attrName>
+                                        </p:attrNameLst>
+                                      </p:cBhvr>
+                                      <p:tavLst>
+                                        <p:tav tm="0">
+                                          <p:val>
+                                            <p:strVal val="#ppt_x"/>
+                                          </p:val>
+                                        </p:tav>
+                                        <p:tav tm="100000">
+                                          <p:val>
+                                            <p:strVal val="#ppt_x"/>
+                                          </p:val>
+                                        </p:tav>
+                                      </p:tavLst>
+                                    </p:anim>
+                                    <p:anim calcmode="lin" valueType="num">
+                                      <p:cBhvr additive="base">
+                                        <p:cTn id="20" dur="500" fill="hold"/>
+                                        <p:tgtEl>
+                                          <p:spTgt spid="8"/>
+                                        </p:tgtEl>
+                                        <p:attrNameLst>
+                                          <p:attrName>ppt_y</p:attrName>
+                                        </p:attrNameLst>
+                                      </p:cBhvr>
+                                      <p:tavLst>
+                                        <p:tav tm="0">
+                                          <p:val>
+                                            <p:strVal val="1+#ppt_h/2"/>
+                                          </p:val>
+                                        </p:tav>
+                                        <p:tav tm="100000">
+                                          <p:val>
+                                            <p:strVal val="#ppt_y"/>
+                                          </p:val>
+                                        </p:tav>
+                                      </p:tavLst>
+                                    </p:anim>
+                                  </p:childTnLst>
+                                </p:cTn>
+                              </p:par>
+                            </p:childTnLst>
+                          </p:cTn>
+                        </p:par>
+                        <p:par>
+                          <p:cTn id="21" fill="hold">
+                            <p:stCondLst>
+                              <p:cond delay="500"/>
+                            </p:stCondLst>
+                            <p:childTnLst>
+                              <p:par>
+                                <p:cTn id="22" presetID="2" presetClass="entr" presetSubtype="4" fill="hold" grpId="0" nodeType="afterEffect">
+                                  <p:stCondLst>
+                                    <p:cond delay="0"/>
+                                  </p:stCondLst>
+                                  <p:childTnLst>
+                                    <p:set>
+                                      <p:cBhvr>
+                                        <p:cTn id="23" dur="1" fill="hold">
+                                          <p:stCondLst>
+                                            <p:cond delay="0"/>
+                                          </p:stCondLst>
+                                        </p:cTn>
+                                        <p:tgtEl>
+                                          <p:spTgt spid="4"/>
+                                        </p:tgtEl>
+                                        <p:attrNameLst>
+                                          <p:attrName>style.visibility</p:attrName>
+                                        </p:attrNameLst>
+                                      </p:cBhvr>
+                                      <p:to>
+                                        <p:strVal val="visible"/>
+                                      </p:to>
+                                    </p:set>
+                                    <p:anim calcmode="lin" valueType="num">
+                                      <p:cBhvr additive="base">
+                                        <p:cTn id="24" dur="500" fill="hold"/>
+                                        <p:tgtEl>
+                                          <p:spTgt spid="4"/>
+                                        </p:tgtEl>
+                                        <p:attrNameLst>
+                                          <p:attrName>ppt_x</p:attrName>
+                                        </p:attrNameLst>
+                                      </p:cBhvr>
+                                      <p:tavLst>
+                                        <p:tav tm="0">
+                                          <p:val>
+                                            <p:strVal val="#ppt_x"/>
+                                          </p:val>
+                                        </p:tav>
+                                        <p:tav tm="100000">
+                                          <p:val>
+                                            <p:strVal val="#ppt_x"/>
+                                          </p:val>
+                                        </p:tav>
+                                      </p:tavLst>
+                                    </p:anim>
+                                    <p:anim calcmode="lin" valueType="num">
+                                      <p:cBhvr additive="base">
+                                        <p:cTn id="25" dur="500" fill="hold"/>
+                                        <p:tgtEl>
+                                          <p:spTgt spid="4"/>
+                                        </p:tgtEl>
+                                        <p:attrNameLst>
+                                          <p:attrName>ppt_y</p:attrName>
+                                        </p:attrNameLst>
+                                      </p:cBhvr>
+                                      <p:tavLst>
+                                        <p:tav tm="0">
+                                          <p:val>
+                                            <p:strVal val="1+#ppt_h/2"/>
+                                          </p:val>
+                                        </p:tav>
+                                        <p:tav tm="100000">
+                                          <p:val>
+                                            <p:strVal val="#ppt_y"/>
+                                          </p:val>
+                                        </p:tav>
+                                      </p:tavLst>
+                                    </p:anim>
+                                  </p:childTnLst>
+                                </p:cTn>
+                              </p:par>
+                            </p:childTnLst>
+                          </p:cTn>
+                        </p:par>
+                      </p:childTnLst>
+                    </p:cTn>
+                  </p:par>
+                </p:childTnLst>
+              </p:cTn>
+              <p:prevCondLst>
+                <p:cond evt="onPrev" delay="0">
+                  <p:tgtEl>
+                    <p:sldTgt/>
+                  </p:tgtEl>
+                </p:cond>
+              </p:prevCondLst>
+              <p:nextCondLst>
+                <p:cond evt="onNext" delay="0">
+                  <p:tgtEl>
+                    <p:sldTgt/>
+                  </p:tgtEl>
+                </p:cond>
+              </p:nextCondLst>
+            </p:seq>
+          </p:childTnLst>
+        </p:cTn>
+      </p:par>
+    </p:tnLst>
+    <p:bldLst>
+      <p:bldP spid="8" grpId="0"/>
+      <p:bldP spid="4" grpId="0"/>
+    </p:bldLst>
+  </p:timing>
+</p:sld>
+</file>
+
+<file path=ppt/slides/slide6.xml><?xml version="1.0" encoding="utf-8"?>
+<p:sld xmlns:a="http://schemas.openxmlformats.org/drawingml/2006/main" xmlns:r="http://schemas.openxmlformats.org/officeDocument/2006/relationships" xmlns:p="http://schemas.openxmlformats.org/presentationml/2006/main">
+  <p:cSld>
+    <p:spTree>
+      <p:nvGrpSpPr>
+        <p:cNvPr id="1" name=""/>
+        <p:cNvGrpSpPr/>
+        <p:nvPr/>
+      </p:nvGrpSpPr>
+      <p:grpSpPr>
+        <a:xfrm>
+          <a:off x="0" y="0"/>
+          <a:ext cx="0" cy="0"/>
+          <a:chOff x="0" y="0"/>
+          <a:chExt cx="0" cy="0"/>
+        </a:xfrm>
+      </p:grpSpPr>
+      <p:sp>
+        <p:nvSpPr>
+          <p:cNvPr id="2" name="内容占位符 1"/>
+          <p:cNvSpPr>
+            <a:spLocks noGrp="1"/>
+          </p:cNvSpPr>
+          <p:nvPr>
+            <p:ph sz="quarter" idx="10"/>
+          </p:nvPr>
+        </p:nvSpPr>
+        <p:spPr>
+          <a:xfrm>
+            <a:off x="927735" y="783590"/>
+            <a:ext cx="11105515" cy="5843905"/>
+          </a:xfrm>
+        </p:spPr>
+        <p:txBody>
+          <a:bodyPr/>
+          <a:lstStyle/>
+          <a:p>
+            <a:pPr>
+              <a:lnSpc>
+                <a:spcPct val="140000"/>
+              </a:lnSpc>
+            </a:pPr>
+            <a:r>
+              <a:rPr lang="zh-CN" altLang="en-US" sz="3200" dirty="0">
+                <a:solidFill>
+                  <a:schemeClr val="tx1"/>
+                </a:solidFill>
+              </a:rPr>
+              <a:t>思考：下述代码都输出什么，并解释原因</a:t>
+            </a:r>
+            <a:endParaRPr kumimoji="0" lang="zh-CN" altLang="en-US" sz="2000" dirty="0" smtClean="0">
+              <a:solidFill>
+                <a:schemeClr val="tx1"/>
+              </a:solidFill>
+              <a:sym typeface="+mn-ea"/>
+            </a:endParaRPr>
+          </a:p>
+          <a:p>
+            <a:pPr marL="168275" lvl="1" indent="0">
+              <a:lnSpc>
+                <a:spcPct val="150000"/>
+              </a:lnSpc>
+              <a:buNone/>
+            </a:pPr>
+            <a:endParaRPr lang="zh-CN" altLang="en-US" sz="2200" dirty="0">
+              <a:sym typeface="+mn-ea"/>
+            </a:endParaRPr>
+          </a:p>
+          <a:p>
+            <a:pPr marL="168275" lvl="1" indent="0">
+              <a:lnSpc>
+                <a:spcPct val="150000"/>
+              </a:lnSpc>
+              <a:buNone/>
+            </a:pPr>
+            <a:endParaRPr lang="en-US" altLang="zh-CN" sz="3200" dirty="0">
+              <a:solidFill>
+                <a:srgbClr val="006F53"/>
+              </a:solidFill>
+              <a:cs typeface="+mn-cs"/>
+            </a:endParaRPr>
+          </a:p>
+        </p:txBody>
+      </p:sp>
+      <p:sp>
+        <p:nvSpPr>
+          <p:cNvPr id="3" name="内容占位符 2"/>
+          <p:cNvSpPr>
+            <a:spLocks noGrp="1"/>
+          </p:cNvSpPr>
+          <p:nvPr>
+            <p:ph sz="quarter" idx="11"/>
+          </p:nvPr>
+        </p:nvSpPr>
+        <p:spPr>
+          <a:xfrm>
+            <a:off x="947420" y="236855"/>
+            <a:ext cx="10059670" cy="490220"/>
+          </a:xfrm>
+        </p:spPr>
+        <p:txBody>
+          <a:bodyPr/>
+          <a:lstStyle/>
+          <a:p>
+            <a:r>
+              <a:rPr lang="en-US" dirty="0" smtClean="0"/>
+              <a:t>JS</a:t>
+            </a:r>
+            <a:r>
+              <a:rPr lang="zh-CN" altLang="en-US" dirty="0" smtClean="0"/>
+              <a:t>对象简介</a:t>
+            </a:r>
+            <a:endParaRPr lang="zh-CN" altLang="en-US" dirty="0" smtClean="0">
+              <a:sym typeface="+mn-ea"/>
+            </a:endParaRPr>
+          </a:p>
+        </p:txBody>
+      </p:sp>
+      <p:pic>
+        <p:nvPicPr>
+          <p:cNvPr id="5" name="图片 4"/>
+          <p:cNvPicPr>
+            <a:picLocks noChangeAspect="1"/>
+          </p:cNvPicPr>
+          <p:nvPr/>
+        </p:nvPicPr>
+        <p:blipFill>
+          <a:blip r:embed="rId1"/>
+          <a:stretch>
+            <a:fillRect/>
+          </a:stretch>
+        </p:blipFill>
+        <p:spPr>
+          <a:xfrm>
+            <a:off x="1090930" y="1591310"/>
+            <a:ext cx="7400925" cy="4442460"/>
+          </a:xfrm>
+          <a:prstGeom prst="rect">
+            <a:avLst/>
+          </a:prstGeom>
+        </p:spPr>
+      </p:pic>
     </p:spTree>
   </p:cSld>
   <p:clrMapOvr>
@@ -17015,7 +18338,7 @@
 </p:sld>
 </file>
 
-<file path=ppt/slides/slide6.xml><?xml version="1.0" encoding="utf-8"?>
+<file path=ppt/slides/slide7.xml><?xml version="1.0" encoding="utf-8"?>
 <p:sld xmlns:a="http://schemas.openxmlformats.org/drawingml/2006/main" xmlns:r="http://schemas.openxmlformats.org/officeDocument/2006/relationships" xmlns:p="http://schemas.openxmlformats.org/presentationml/2006/main">
   <p:cSld>
     <p:spTree>
@@ -17524,7 +18847,7 @@
 </p:sld>
 </file>
 
-<file path=ppt/slides/slide7.xml><?xml version="1.0" encoding="utf-8"?>
+<file path=ppt/slides/slide8.xml><?xml version="1.0" encoding="utf-8"?>
 <p:sld xmlns:a="http://schemas.openxmlformats.org/drawingml/2006/main" xmlns:r="http://schemas.openxmlformats.org/officeDocument/2006/relationships" xmlns:p="http://schemas.openxmlformats.org/presentationml/2006/main">
   <p:cSld>
     <p:spTree>
@@ -17850,7 +19173,7 @@
 </p:sld>
 </file>
 
-<file path=ppt/slides/slide8.xml><?xml version="1.0" encoding="utf-8"?>
+<file path=ppt/slides/slide9.xml><?xml version="1.0" encoding="utf-8"?>
 <p:sld xmlns:a="http://schemas.openxmlformats.org/drawingml/2006/main" xmlns:r="http://schemas.openxmlformats.org/officeDocument/2006/relationships" xmlns:p="http://schemas.openxmlformats.org/presentationml/2006/main">
   <p:cSld>
     <p:spTree>
@@ -18352,308 +19675,6 @@
               <a:t>内容提纲</a:t>
             </a:r>
             <a:endParaRPr lang="zh-CN" altLang="en-US" kern="0" dirty="0"/>
-          </a:p>
-        </p:txBody>
-      </p:sp>
-    </p:spTree>
-  </p:cSld>
-  <p:clrMapOvr>
-    <a:masterClrMapping/>
-  </p:clrMapOvr>
-  <p:timing>
-    <p:tnLst>
-      <p:par>
-        <p:cTn id="1" dur="indefinite" restart="never" nodeType="tmRoot"/>
-      </p:par>
-    </p:tnLst>
-  </p:timing>
-</p:sld>
-</file>
-
-<file path=ppt/slides/slide9.xml><?xml version="1.0" encoding="utf-8"?>
-<p:sld xmlns:a="http://schemas.openxmlformats.org/drawingml/2006/main" xmlns:r="http://schemas.openxmlformats.org/officeDocument/2006/relationships" xmlns:p="http://schemas.openxmlformats.org/presentationml/2006/main">
-  <p:cSld>
-    <p:spTree>
-      <p:nvGrpSpPr>
-        <p:cNvPr id="1" name=""/>
-        <p:cNvGrpSpPr/>
-        <p:nvPr/>
-      </p:nvGrpSpPr>
-      <p:grpSpPr>
-        <a:xfrm>
-          <a:off x="0" y="0"/>
-          <a:ext cx="0" cy="0"/>
-          <a:chOff x="0" y="0"/>
-          <a:chExt cx="0" cy="0"/>
-        </a:xfrm>
-      </p:grpSpPr>
-      <p:sp>
-        <p:nvSpPr>
-          <p:cNvPr id="2" name="内容占位符 1"/>
-          <p:cNvSpPr>
-            <a:spLocks noGrp="1"/>
-          </p:cNvSpPr>
-          <p:nvPr>
-            <p:ph sz="quarter" idx="10"/>
-          </p:nvPr>
-        </p:nvSpPr>
-        <p:spPr>
-          <a:xfrm>
-            <a:off x="927735" y="783590"/>
-            <a:ext cx="10396220" cy="5253990"/>
-          </a:xfrm>
-        </p:spPr>
-        <p:txBody>
-          <a:bodyPr/>
-          <a:lstStyle/>
-          <a:p>
-            <a:pPr>
-              <a:lnSpc>
-                <a:spcPct val="140000"/>
-              </a:lnSpc>
-            </a:pPr>
-            <a:r>
-              <a:rPr lang="zh-CN" sz="3200" dirty="0">
-                <a:solidFill>
-                  <a:schemeClr val="tx1"/>
-                </a:solidFill>
-              </a:rPr>
-              <a:t>创建</a:t>
-            </a:r>
-            <a:r>
-              <a:rPr lang="en-US" altLang="zh-CN" sz="3200" dirty="0">
-                <a:solidFill>
-                  <a:schemeClr val="tx1"/>
-                </a:solidFill>
-              </a:rPr>
-              <a:t>JS</a:t>
-            </a:r>
-            <a:r>
-              <a:rPr lang="zh-CN" altLang="en-US" sz="3200" dirty="0">
-                <a:solidFill>
-                  <a:schemeClr val="tx1"/>
-                </a:solidFill>
-              </a:rPr>
-              <a:t>对象的方式</a:t>
-            </a:r>
-            <a:br>
-              <a:rPr lang="zh-CN" altLang="en-US" sz="3200" dirty="0">
-                <a:solidFill>
-                  <a:schemeClr val="tx1"/>
-                </a:solidFill>
-              </a:rPr>
-            </a:br>
-            <a:r>
-              <a:rPr lang="en-US" altLang="zh-CN" sz="2000" dirty="0">
-                <a:solidFill>
-                  <a:schemeClr val="tx1"/>
-                </a:solidFill>
-              </a:rPr>
-              <a:t>- </a:t>
-            </a:r>
-            <a:r>
-              <a:rPr lang="zh-CN" altLang="en-US" sz="2000" dirty="0">
-                <a:solidFill>
-                  <a:schemeClr val="tx1"/>
-                </a:solidFill>
-              </a:rPr>
-              <a:t>通过对象字面量的方式直接创建</a:t>
-            </a:r>
-            <a:br>
-              <a:rPr lang="zh-CN" altLang="en-US" sz="2000" dirty="0">
-                <a:solidFill>
-                  <a:schemeClr val="tx1"/>
-                </a:solidFill>
-              </a:rPr>
-            </a:br>
-            <a:r>
-              <a:rPr lang="en-US" altLang="zh-CN" sz="2000" dirty="0">
-                <a:solidFill>
-                  <a:schemeClr val="tx1"/>
-                </a:solidFill>
-              </a:rPr>
-              <a:t>- </a:t>
-            </a:r>
-            <a:r>
-              <a:rPr lang="zh-CN" altLang="en-US" sz="2000" dirty="0">
-                <a:solidFill>
-                  <a:schemeClr val="tx1"/>
-                </a:solidFill>
-              </a:rPr>
-              <a:t>通过</a:t>
-            </a:r>
-            <a:r>
-              <a:rPr lang="en-US" altLang="zh-CN" sz="2000" dirty="0">
-                <a:solidFill>
-                  <a:schemeClr val="tx1"/>
-                </a:solidFill>
-              </a:rPr>
-              <a:t>Object</a:t>
-            </a:r>
-            <a:r>
-              <a:rPr lang="zh-CN" altLang="en-US" sz="2000" dirty="0">
-                <a:solidFill>
-                  <a:schemeClr val="tx1"/>
-                </a:solidFill>
-              </a:rPr>
-              <a:t>函数对象的</a:t>
-            </a:r>
-            <a:r>
-              <a:rPr lang="en-US" altLang="zh-CN" sz="2000" dirty="0">
-                <a:solidFill>
-                  <a:schemeClr val="tx1"/>
-                </a:solidFill>
-              </a:rPr>
-              <a:t>create</a:t>
-            </a:r>
-            <a:r>
-              <a:rPr lang="zh-CN" altLang="en-US" sz="2000" dirty="0">
-                <a:solidFill>
-                  <a:schemeClr val="tx1"/>
-                </a:solidFill>
-              </a:rPr>
-              <a:t>工场方法创建</a:t>
-            </a:r>
-            <a:br>
-              <a:rPr lang="zh-CN" altLang="en-US" sz="2000" dirty="0">
-                <a:solidFill>
-                  <a:schemeClr val="tx1"/>
-                </a:solidFill>
-              </a:rPr>
-            </a:br>
-            <a:r>
-              <a:rPr lang="en-US" altLang="zh-CN" sz="2000" dirty="0">
-                <a:solidFill>
-                  <a:schemeClr val="tx1"/>
-                </a:solidFill>
-              </a:rPr>
-              <a:t>- </a:t>
-            </a:r>
-            <a:r>
-              <a:rPr lang="zh-CN" altLang="en-US" sz="2000" dirty="0">
-                <a:solidFill>
-                  <a:schemeClr val="tx1"/>
-                </a:solidFill>
-              </a:rPr>
-              <a:t>通过构造函数的方式创建</a:t>
-            </a:r>
-            <a:endParaRPr lang="zh-CN" altLang="en-US" sz="2000" dirty="0">
-              <a:solidFill>
-                <a:schemeClr val="tx1"/>
-              </a:solidFill>
-              <a:sym typeface="+mn-ea"/>
-            </a:endParaRPr>
-          </a:p>
-          <a:p>
-            <a:pPr marL="168275" lvl="1" indent="0">
-              <a:lnSpc>
-                <a:spcPct val="150000"/>
-              </a:lnSpc>
-              <a:buNone/>
-            </a:pPr>
-            <a:endParaRPr lang="zh-CN" altLang="en-US" sz="2200" dirty="0">
-              <a:sym typeface="+mn-ea"/>
-            </a:endParaRPr>
-          </a:p>
-          <a:p>
-            <a:pPr marL="168275" lvl="1" indent="0">
-              <a:lnSpc>
-                <a:spcPct val="150000"/>
-              </a:lnSpc>
-              <a:buNone/>
-            </a:pPr>
-            <a:endParaRPr lang="en-US" altLang="zh-CN" sz="3200" dirty="0">
-              <a:solidFill>
-                <a:srgbClr val="006F53"/>
-              </a:solidFill>
-              <a:cs typeface="+mn-cs"/>
-            </a:endParaRPr>
-          </a:p>
-        </p:txBody>
-      </p:sp>
-      <p:sp>
-        <p:nvSpPr>
-          <p:cNvPr id="3" name="内容占位符 2"/>
-          <p:cNvSpPr>
-            <a:spLocks noGrp="1"/>
-          </p:cNvSpPr>
-          <p:nvPr>
-            <p:ph sz="quarter" idx="11"/>
-          </p:nvPr>
-        </p:nvSpPr>
-        <p:spPr>
-          <a:xfrm>
-            <a:off x="947420" y="236855"/>
-            <a:ext cx="10059670" cy="490220"/>
-          </a:xfrm>
-        </p:spPr>
-        <p:txBody>
-          <a:bodyPr/>
-          <a:lstStyle/>
-          <a:p>
-            <a:r>
-              <a:rPr lang="en-US" dirty="0" smtClean="0"/>
-              <a:t>JS</a:t>
-            </a:r>
-            <a:r>
-              <a:rPr lang="zh-CN" altLang="en-US" dirty="0" smtClean="0"/>
-              <a:t>对象简介</a:t>
-            </a:r>
-            <a:endParaRPr lang="zh-CN" altLang="en-US" dirty="0" smtClean="0">
-              <a:sym typeface="+mn-ea"/>
-            </a:endParaRPr>
-          </a:p>
-        </p:txBody>
-      </p:sp>
-      <p:sp>
-        <p:nvSpPr>
-          <p:cNvPr id="4" name="文本框 3"/>
-          <p:cNvSpPr txBox="1"/>
-          <p:nvPr/>
-        </p:nvSpPr>
-        <p:spPr>
-          <a:xfrm>
-            <a:off x="6658610" y="1014095"/>
-            <a:ext cx="2483485" cy="429895"/>
-          </a:xfrm>
-          <a:prstGeom prst="rect">
-            <a:avLst/>
-          </a:prstGeom>
-          <a:noFill/>
-        </p:spPr>
-        <p:txBody>
-          <a:bodyPr wrap="square" rtlCol="0">
-            <a:spAutoFit/>
-          </a:bodyPr>
-          <a:p>
-            <a:pPr algn="l"/>
-            <a:r>
-              <a:rPr lang="zh-CN" altLang="en-US" sz="2200">
-                <a:solidFill>
-                  <a:srgbClr val="FF0000"/>
-                </a:solidFill>
-                <a:latin typeface="+mn-ea"/>
-                <a:ea typeface="+mn-ea"/>
-              </a:rPr>
-              <a:t>参见实例</a:t>
-            </a:r>
-            <a:r>
-              <a:rPr lang="en-US" altLang="zh-CN" sz="2200">
-                <a:solidFill>
-                  <a:srgbClr val="FF0000"/>
-                </a:solidFill>
-                <a:latin typeface="+mn-ea"/>
-                <a:ea typeface="+mn-ea"/>
-              </a:rPr>
-              <a:t>demo04</a:t>
-            </a:r>
-            <a:endParaRPr lang="en-US" altLang="zh-CN" sz="2200">
-              <a:solidFill>
-                <a:srgbClr val="FF0000"/>
-              </a:solidFill>
-              <a:latin typeface="+mn-ea"/>
-              <a:ea typeface="+mn-ea"/>
-            </a:endParaRPr>
           </a:p>
         </p:txBody>
       </p:sp>

--- a/课程PPT/06.JavaScript对象.pptx
+++ b/课程PPT/06.JavaScript对象.pptx
@@ -16382,22 +16382,14 @@
               </a:rPr>
               <a:t>无序属性的集合</a:t>
             </a:r>
-            <a:br>
+            <a:r>
               <a:rPr kumimoji="0" lang="zh-CN" altLang="en-US" sz="2000" dirty="0" smtClean="0">
                 <a:solidFill>
-                  <a:schemeClr val="accent3"/>
-                </a:solidFill>
-                <a:sym typeface="+mn-ea"/>
-              </a:rPr>
-            </a:br>
-            <a:r>
-              <a:rPr kumimoji="0" lang="en-US" altLang="zh-CN" sz="2000" dirty="0" smtClean="0">
-                <a:solidFill>
-                  <a:schemeClr val="tx1"/>
-                </a:solidFill>
-                <a:sym typeface="+mn-ea"/>
-              </a:rPr>
-              <a:t>- </a:t>
+                  <a:schemeClr val="tx1"/>
+                </a:solidFill>
+                <a:sym typeface="+mn-ea"/>
+              </a:rPr>
+              <a:t>，</a:t>
             </a:r>
             <a:r>
               <a:rPr kumimoji="0" lang="zh-CN" altLang="en-US" sz="2000" dirty="0" smtClean="0">
@@ -16579,7 +16571,7 @@
         </p:blipFill>
         <p:spPr>
           <a:xfrm>
-            <a:off x="6851650" y="3498215"/>
+            <a:off x="6851650" y="3139440"/>
             <a:ext cx="3771900" cy="2191385"/>
           </a:xfrm>
           <a:prstGeom prst="rect">
@@ -16603,7 +16595,7 @@
         </p:blipFill>
         <p:spPr>
           <a:xfrm>
-            <a:off x="1259840" y="3401060"/>
+            <a:off x="1259840" y="3114040"/>
             <a:ext cx="5004435" cy="2386330"/>
           </a:xfrm>
           <a:prstGeom prst="rect">

--- a/课程PPT/06.JavaScript对象.pptx
+++ b/课程PPT/06.JavaScript对象.pptx
@@ -36,7 +36,9 @@
     <p:sldId id="1368" r:id="rId29"/>
     <p:sldId id="1218" r:id="rId30"/>
     <p:sldId id="1392" r:id="rId31"/>
-    <p:sldId id="1104" r:id="rId32"/>
+    <p:sldId id="1399" r:id="rId32"/>
+    <p:sldId id="1398" r:id="rId33"/>
+    <p:sldId id="1104" r:id="rId34"/>
   </p:sldIdLst>
   <p:sldSz cx="12192000" cy="6858000"/>
   <p:notesSz cx="6797675" cy="9928225"/>
@@ -1943,6 +1945,116 @@
 </p:notes>
 </file>
 
+<file path=ppt/notesSlides/notesSlide19.xml><?xml version="1.0" encoding="utf-8"?>
+<p:notes xmlns:a="http://schemas.openxmlformats.org/drawingml/2006/main" xmlns:r="http://schemas.openxmlformats.org/officeDocument/2006/relationships" xmlns:p="http://schemas.openxmlformats.org/presentationml/2006/main">
+  <p:cSld>
+    <p:spTree>
+      <p:nvGrpSpPr>
+        <p:cNvPr id="1" name=""/>
+        <p:cNvGrpSpPr/>
+        <p:nvPr/>
+      </p:nvGrpSpPr>
+      <p:grpSpPr>
+        <a:xfrm>
+          <a:off x="0" y="0"/>
+          <a:ext cx="0" cy="0"/>
+          <a:chOff x="0" y="0"/>
+          <a:chExt cx="0" cy="0"/>
+        </a:xfrm>
+      </p:grpSpPr>
+      <p:sp>
+        <p:nvSpPr>
+          <p:cNvPr id="2" name="幻灯片图像占位符 1"/>
+          <p:cNvSpPr>
+            <a:spLocks noGrp="1" noRot="1" noChangeAspect="1"/>
+          </p:cNvSpPr>
+          <p:nvPr>
+            <p:ph type="sldImg"/>
+          </p:nvPr>
+        </p:nvSpPr>
+        <p:spPr/>
+      </p:sp>
+      <p:sp>
+        <p:nvSpPr>
+          <p:cNvPr id="3" name="备注占位符 2"/>
+          <p:cNvSpPr>
+            <a:spLocks noGrp="1"/>
+          </p:cNvSpPr>
+          <p:nvPr>
+            <p:ph type="body" idx="1"/>
+          </p:nvPr>
+        </p:nvSpPr>
+        <p:spPr/>
+        <p:txBody>
+          <a:bodyPr/>
+          <a:lstStyle/>
+          <a:p>
+            <a:r>
+              <a:rPr kumimoji="0" lang="zh-CN" altLang="en-US" dirty="0" smtClean="0">
+                <a:sym typeface="+mn-ea"/>
+              </a:rPr>
+              <a:t>最常见的</a:t>
+            </a:r>
+            <a:r>
+              <a:rPr kumimoji="0" lang="en-US" altLang="zh-CN" dirty="0" smtClean="0">
+                <a:sym typeface="+mn-ea"/>
+              </a:rPr>
+              <a:t>jQuery</a:t>
+            </a:r>
+            <a:r>
+              <a:rPr kumimoji="0" lang="zh-CN" altLang="en-US" dirty="0" smtClean="0">
+                <a:sym typeface="+mn-ea"/>
+              </a:rPr>
+              <a:t>中的</a:t>
+            </a:r>
+            <a:r>
+              <a:rPr kumimoji="0" lang="en-US" altLang="zh-CN" dirty="0" smtClean="0">
+                <a:sym typeface="+mn-ea"/>
+              </a:rPr>
+              <a:t>$</a:t>
+            </a:r>
+            <a:r>
+              <a:rPr kumimoji="0" lang="zh-CN" altLang="en-US" dirty="0" smtClean="0">
+                <a:sym typeface="+mn-ea"/>
+              </a:rPr>
+              <a:t>就是一个函数对象。</a:t>
+            </a:r>
+            <a:endParaRPr kumimoji="0" lang="zh-CN" altLang="en-US" dirty="0" smtClean="0">
+              <a:sym typeface="+mn-ea"/>
+            </a:endParaRPr>
+          </a:p>
+        </p:txBody>
+      </p:sp>
+      <p:sp>
+        <p:nvSpPr>
+          <p:cNvPr id="4" name="灯片编号占位符 3"/>
+          <p:cNvSpPr>
+            <a:spLocks noGrp="1"/>
+          </p:cNvSpPr>
+          <p:nvPr>
+            <p:ph type="sldNum" sz="quarter" idx="10"/>
+          </p:nvPr>
+        </p:nvSpPr>
+        <p:spPr/>
+        <p:txBody>
+          <a:bodyPr/>
+          <a:lstStyle/>
+          <a:p>
+            <a:fld id="{D9AFD278-84AA-4CAA-9049-809825956FE0}" type="slidenum">
+              <a:rPr lang="en-US" altLang="zh-CN" smtClean="0"/>
+            </a:fld>
+            <a:endParaRPr lang="zh-CN" altLang="zh-CN"/>
+          </a:p>
+        </p:txBody>
+      </p:sp>
+    </p:spTree>
+  </p:cSld>
+  <p:clrMapOvr>
+    <a:masterClrMapping/>
+  </p:clrMapOvr>
+</p:notes>
+</file>
+
 <file path=ppt/notesSlides/notesSlide2.xml><?xml version="1.0" encoding="utf-8"?>
 <p:notes xmlns:a="http://schemas.openxmlformats.org/drawingml/2006/main" xmlns:r="http://schemas.openxmlformats.org/officeDocument/2006/relationships" xmlns:p="http://schemas.openxmlformats.org/presentationml/2006/main">
   <p:cSld>
@@ -2014,6 +2126,116 @@
             </a:pPr>
             <a:fld id="{50FA7BE5-9B7D-4F20-881C-9A0B90E6FF72}" type="slidenum">
               <a:rPr lang="zh-CN" altLang="zh-CN" smtClean="0"/>
+            </a:fld>
+            <a:endParaRPr lang="zh-CN" altLang="zh-CN"/>
+          </a:p>
+        </p:txBody>
+      </p:sp>
+    </p:spTree>
+  </p:cSld>
+  <p:clrMapOvr>
+    <a:masterClrMapping/>
+  </p:clrMapOvr>
+</p:notes>
+</file>
+
+<file path=ppt/notesSlides/notesSlide20.xml><?xml version="1.0" encoding="utf-8"?>
+<p:notes xmlns:a="http://schemas.openxmlformats.org/drawingml/2006/main" xmlns:r="http://schemas.openxmlformats.org/officeDocument/2006/relationships" xmlns:p="http://schemas.openxmlformats.org/presentationml/2006/main">
+  <p:cSld>
+    <p:spTree>
+      <p:nvGrpSpPr>
+        <p:cNvPr id="1" name=""/>
+        <p:cNvGrpSpPr/>
+        <p:nvPr/>
+      </p:nvGrpSpPr>
+      <p:grpSpPr>
+        <a:xfrm>
+          <a:off x="0" y="0"/>
+          <a:ext cx="0" cy="0"/>
+          <a:chOff x="0" y="0"/>
+          <a:chExt cx="0" cy="0"/>
+        </a:xfrm>
+      </p:grpSpPr>
+      <p:sp>
+        <p:nvSpPr>
+          <p:cNvPr id="2" name="幻灯片图像占位符 1"/>
+          <p:cNvSpPr>
+            <a:spLocks noGrp="1" noRot="1" noChangeAspect="1"/>
+          </p:cNvSpPr>
+          <p:nvPr>
+            <p:ph type="sldImg"/>
+          </p:nvPr>
+        </p:nvSpPr>
+        <p:spPr/>
+      </p:sp>
+      <p:sp>
+        <p:nvSpPr>
+          <p:cNvPr id="3" name="备注占位符 2"/>
+          <p:cNvSpPr>
+            <a:spLocks noGrp="1"/>
+          </p:cNvSpPr>
+          <p:nvPr>
+            <p:ph type="body" idx="1"/>
+          </p:nvPr>
+        </p:nvSpPr>
+        <p:spPr/>
+        <p:txBody>
+          <a:bodyPr/>
+          <a:lstStyle/>
+          <a:p>
+            <a:r>
+              <a:rPr kumimoji="0" lang="zh-CN" altLang="en-US" dirty="0" smtClean="0">
+                <a:sym typeface="+mn-ea"/>
+              </a:rPr>
+              <a:t>最常见的</a:t>
+            </a:r>
+            <a:r>
+              <a:rPr kumimoji="0" lang="en-US" altLang="zh-CN" dirty="0" smtClean="0">
+                <a:sym typeface="+mn-ea"/>
+              </a:rPr>
+              <a:t>jQuery</a:t>
+            </a:r>
+            <a:r>
+              <a:rPr kumimoji="0" lang="zh-CN" altLang="en-US" dirty="0" smtClean="0">
+                <a:sym typeface="+mn-ea"/>
+              </a:rPr>
+              <a:t>中的</a:t>
+            </a:r>
+            <a:r>
+              <a:rPr kumimoji="0" lang="en-US" altLang="zh-CN" dirty="0" smtClean="0">
+                <a:sym typeface="+mn-ea"/>
+              </a:rPr>
+              <a:t>$</a:t>
+            </a:r>
+            <a:r>
+              <a:rPr kumimoji="0" lang="zh-CN" altLang="en-US" dirty="0" smtClean="0">
+                <a:sym typeface="+mn-ea"/>
+              </a:rPr>
+              <a:t>就是一个函数对象。</a:t>
+            </a:r>
+            <a:endParaRPr kumimoji="0" lang="zh-CN" altLang="en-US" dirty="0" smtClean="0">
+              <a:sym typeface="+mn-ea"/>
+            </a:endParaRPr>
+          </a:p>
+        </p:txBody>
+      </p:sp>
+      <p:sp>
+        <p:nvSpPr>
+          <p:cNvPr id="4" name="灯片编号占位符 3"/>
+          <p:cNvSpPr>
+            <a:spLocks noGrp="1"/>
+          </p:cNvSpPr>
+          <p:nvPr>
+            <p:ph type="sldNum" sz="quarter" idx="10"/>
+          </p:nvPr>
+        </p:nvSpPr>
+        <p:spPr/>
+        <p:txBody>
+          <a:bodyPr/>
+          <a:lstStyle/>
+          <a:p>
+            <a:fld id="{D9AFD278-84AA-4CAA-9049-809825956FE0}" type="slidenum">
+              <a:rPr lang="en-US" altLang="zh-CN" smtClean="0"/>
             </a:fld>
             <a:endParaRPr lang="zh-CN" altLang="zh-CN"/>
           </a:p>
@@ -6637,7 +6859,7 @@
                   <a:schemeClr val="tx1"/>
                 </a:solidFill>
               </a:rPr>
-              <a:t>属性（注意严格模式和非严格模式的区别）</a:t>
+              <a:t>属性</a:t>
             </a:r>
             <a:br>
               <a:rPr lang="zh-CN" altLang="en-US" sz="2000" dirty="0">
@@ -10747,13 +10969,7 @@
               <a:rPr lang="zh-CN" altLang="en-US" sz="2800" b="1">
                 <a:sym typeface="+mn-ea"/>
               </a:rPr>
-              <a:t>属性特性描述符</a:t>
-            </a:r>
-            <a:r>
-              <a:rPr lang="zh-CN" altLang="en-US" sz="2800" b="1">
-                <a:sym typeface="+mn-ea"/>
-              </a:rPr>
-              <a:t>及属性特性补充部分</a:t>
+              <a:t>属性特性描述符及属性特性补充部分</a:t>
             </a:r>
             <a:endParaRPr lang="en-US" altLang="zh-CN" sz="2800" b="1"/>
           </a:p>
@@ -13610,7 +13826,7 @@
                 <a:latin typeface="+mn-ea"/>
                 <a:ea typeface="+mn-ea"/>
               </a:rPr>
-              <a:t>demo09</a:t>
+              <a:t>demo09 Part1</a:t>
             </a:r>
             <a:r>
               <a:rPr lang="zh-CN" altLang="en-US" sz="2200">
@@ -13620,7 +13836,7 @@
                 <a:latin typeface="+mn-ea"/>
                 <a:ea typeface="+mn-ea"/>
               </a:rPr>
-              <a:t>前半部分 直接添加属性</a:t>
+              <a:t> 直接添加属性</a:t>
             </a:r>
             <a:endParaRPr lang="zh-CN" altLang="en-US" sz="2200">
               <a:solidFill>
@@ -14313,18 +14529,7 @@
                 <a:ea typeface="+mn-ea"/>
                 <a:sym typeface="+mn-ea"/>
               </a:rPr>
-              <a:t>demo09</a:t>
-            </a:r>
-            <a:r>
-              <a:rPr lang="zh-CN" altLang="en-US" sz="2200">
-                <a:solidFill>
-                  <a:srgbClr val="FF0000"/>
-                </a:solidFill>
-                <a:latin typeface="+mn-ea"/>
-                <a:ea typeface="+mn-ea"/>
-                <a:sym typeface="+mn-ea"/>
-              </a:rPr>
-              <a:t>后半部分</a:t>
+              <a:t>demo09 Part2</a:t>
             </a:r>
             <a:r>
               <a:rPr lang="en-US" altLang="zh-CN" sz="2200">
@@ -15771,8 +15976,8 @@
         </p:nvSpPr>
         <p:spPr>
           <a:xfrm>
-            <a:off x="6287135" y="6139815"/>
-            <a:ext cx="5551805" cy="429895"/>
+            <a:off x="6000115" y="6211570"/>
+            <a:ext cx="5049520" cy="429895"/>
           </a:xfrm>
           <a:prstGeom prst="rect">
             <a:avLst/>
@@ -15857,8 +16062,8 @@
         </p:nvSpPr>
         <p:spPr>
           <a:xfrm>
-            <a:off x="5840095" y="5118735"/>
-            <a:ext cx="5551805" cy="768350"/>
+            <a:off x="5341620" y="5046980"/>
+            <a:ext cx="6449695" cy="1106805"/>
           </a:xfrm>
           <a:prstGeom prst="rect">
             <a:avLst/>
@@ -15899,27 +16104,27 @@
                 <a:latin typeface="+mn-ea"/>
                 <a:ea typeface="+mn-ea"/>
               </a:rPr>
-              <a:t>来添加和设置</a:t>
-            </a:r>
-            <a:endParaRPr lang="zh-CN" altLang="en-US" sz="2200">
-              <a:solidFill>
-                <a:schemeClr val="tx1"/>
-              </a:solidFill>
-              <a:latin typeface="+mn-ea"/>
-              <a:ea typeface="+mn-ea"/>
-            </a:endParaRPr>
-          </a:p>
-          <a:p>
-            <a:pPr algn="l"/>
-            <a:r>
-              <a:rPr lang="zh-CN" altLang="en-US" sz="2200">
+              <a:t>来添加和设置访问器属性特性，注意：通过字面量添加访问器和通过</a:t>
+            </a:r>
+            <a:r>
+              <a:rPr lang="en-US" altLang="zh-CN" sz="2200">
                 <a:solidFill>
                   <a:schemeClr val="tx1"/>
                 </a:solidFill>
                 <a:latin typeface="+mn-ea"/>
                 <a:ea typeface="+mn-ea"/>
               </a:rPr>
-              <a:t>访问器属性特性</a:t>
+              <a:t>Object.defineProperty</a:t>
+            </a:r>
+            <a:r>
+              <a:rPr lang="zh-CN" altLang="en-US" sz="2200">
+                <a:solidFill>
+                  <a:schemeClr val="tx1"/>
+                </a:solidFill>
+                <a:latin typeface="+mn-ea"/>
+                <a:ea typeface="+mn-ea"/>
+              </a:rPr>
+              <a:t>方法添加的写法的区别</a:t>
             </a:r>
             <a:endParaRPr lang="zh-CN" altLang="en-US" sz="2200">
               <a:solidFill>
@@ -16217,30 +16422,21 @@
                             </p:childTnLst>
                           </p:cTn>
                         </p:par>
-                      </p:childTnLst>
-                    </p:cTn>
-                  </p:par>
-                  <p:par>
-                    <p:cTn id="20" fill="hold">
-                      <p:stCondLst>
-                        <p:cond delay="indefinite"/>
-                      </p:stCondLst>
-                      <p:childTnLst>
                         <p:par>
-                          <p:cTn id="21" fill="hold">
+                          <p:cTn id="20" fill="hold">
                             <p:stCondLst>
-                              <p:cond delay="0"/>
+                              <p:cond delay="1000"/>
                             </p:stCondLst>
                             <p:childTnLst>
                               <p:par>
-                                <p:cTn id="22" presetID="2" presetClass="entr" presetSubtype="4" fill="hold" grpId="0" nodeType="clickEffect">
+                                <p:cTn id="21" presetID="2" presetClass="entr" presetSubtype="4" fill="hold" grpId="0" nodeType="afterEffect">
                                   <p:stCondLst>
                                     <p:cond delay="0"/>
                                   </p:stCondLst>
                                   <p:childTnLst>
                                     <p:set>
                                       <p:cBhvr>
-                                        <p:cTn id="23" dur="1" fill="hold">
+                                        <p:cTn id="22" dur="1" fill="hold">
                                           <p:stCondLst>
                                             <p:cond delay="0"/>
                                           </p:stCondLst>
@@ -16258,7 +16454,7 @@
                                     </p:set>
                                     <p:anim calcmode="lin" valueType="num">
                                       <p:cBhvr additive="base">
-                                        <p:cTn id="24" dur="500" fill="hold"/>
+                                        <p:cTn id="23" dur="500" fill="hold"/>
                                         <p:tgtEl>
                                           <p:spTgt spid="6"/>
                                         </p:tgtEl>
@@ -16281,7 +16477,7 @@
                                     </p:anim>
                                     <p:anim calcmode="lin" valueType="num">
                                       <p:cBhvr additive="base">
-                                        <p:cTn id="25" dur="500" fill="hold"/>
+                                        <p:cTn id="24" dur="500" fill="hold"/>
                                         <p:tgtEl>
                                           <p:spTgt spid="6"/>
                                         </p:tgtEl>
@@ -16759,30 +16955,21 @@
                             </p:childTnLst>
                           </p:cTn>
                         </p:par>
-                      </p:childTnLst>
-                    </p:cTn>
-                  </p:par>
-                  <p:par>
-                    <p:cTn id="9" fill="hold">
-                      <p:stCondLst>
-                        <p:cond delay="indefinite"/>
-                      </p:stCondLst>
-                      <p:childTnLst>
                         <p:par>
-                          <p:cTn id="10" fill="hold">
+                          <p:cTn id="9" fill="hold">
                             <p:stCondLst>
-                              <p:cond delay="0"/>
+                              <p:cond delay="500"/>
                             </p:stCondLst>
                             <p:childTnLst>
                               <p:par>
-                                <p:cTn id="11" presetID="2" presetClass="entr" presetSubtype="4" fill="hold" nodeType="clickEffect">
+                                <p:cTn id="10" presetID="2" presetClass="entr" presetSubtype="4" fill="hold" nodeType="afterEffect">
                                   <p:stCondLst>
                                     <p:cond delay="0"/>
                                   </p:stCondLst>
                                   <p:childTnLst>
                                     <p:set>
                                       <p:cBhvr>
-                                        <p:cTn id="12" dur="1" fill="hold">
+                                        <p:cTn id="11" dur="1" fill="hold">
                                           <p:stCondLst>
                                             <p:cond delay="0"/>
                                           </p:stCondLst>
@@ -16800,7 +16987,7 @@
                                     </p:set>
                                     <p:anim calcmode="lin" valueType="num">
                                       <p:cBhvr additive="base">
-                                        <p:cTn id="13" dur="500" fill="hold"/>
+                                        <p:cTn id="12" dur="500" fill="hold"/>
                                         <p:tgtEl>
                                           <p:spTgt spid="3"/>
                                         </p:tgtEl>
@@ -16823,7 +17010,7 @@
                                     </p:anim>
                                     <p:anim calcmode="lin" valueType="num">
                                       <p:cBhvr additive="base">
-                                        <p:cTn id="14" dur="500" fill="hold"/>
+                                        <p:cTn id="13" dur="500" fill="hold"/>
                                         <p:tgtEl>
                                           <p:spTgt spid="3"/>
                                         </p:tgtEl>
@@ -16851,20 +17038,20 @@
                           </p:cTn>
                         </p:par>
                         <p:par>
-                          <p:cTn id="15" fill="hold">
+                          <p:cTn id="14" fill="hold">
                             <p:stCondLst>
-                              <p:cond delay="500"/>
+                              <p:cond delay="1000"/>
                             </p:stCondLst>
                             <p:childTnLst>
                               <p:par>
-                                <p:cTn id="16" presetID="2" presetClass="entr" presetSubtype="4" fill="hold" grpId="0" nodeType="afterEffect">
+                                <p:cTn id="15" presetID="2" presetClass="entr" presetSubtype="4" fill="hold" grpId="0" nodeType="afterEffect">
                                   <p:stCondLst>
                                     <p:cond delay="0"/>
                                   </p:stCondLst>
                                   <p:childTnLst>
                                     <p:set>
                                       <p:cBhvr>
-                                        <p:cTn id="17" dur="1" fill="hold">
+                                        <p:cTn id="16" dur="1" fill="hold">
                                           <p:stCondLst>
                                             <p:cond delay="0"/>
                                           </p:stCondLst>
@@ -16882,7 +17069,7 @@
                                     </p:set>
                                     <p:anim calcmode="lin" valueType="num">
                                       <p:cBhvr additive="base">
-                                        <p:cTn id="18" dur="500" fill="hold"/>
+                                        <p:cTn id="17" dur="500" fill="hold"/>
                                         <p:tgtEl>
                                           <p:spTgt spid="6"/>
                                         </p:tgtEl>
@@ -16905,7 +17092,7 @@
                                     </p:anim>
                                     <p:anim calcmode="lin" valueType="num">
                                       <p:cBhvr additive="base">
-                                        <p:cTn id="19" dur="500" fill="hold"/>
+                                        <p:cTn id="18" dur="500" fill="hold"/>
                                         <p:tgtEl>
                                           <p:spTgt spid="6"/>
                                         </p:tgtEl>
@@ -17244,16 +17431,7 @@
                 </a:solidFill>
                 <a:sym typeface="+mn-ea"/>
               </a:rPr>
-              <a:t>属性特性描述符</a:t>
-            </a:r>
-            <a:r>
-              <a:rPr lang="zh-CN" altLang="en-US" sz="2800" b="1">
-                <a:solidFill>
-                  <a:srgbClr val="FF0000"/>
-                </a:solidFill>
-                <a:sym typeface="+mn-ea"/>
-              </a:rPr>
-              <a:t>及属性特性补充部分</a:t>
+              <a:t>属性特性描述符及属性特性补充部分</a:t>
             </a:r>
             <a:endParaRPr lang="zh-CN" altLang="en-US" sz="2800" b="1">
               <a:solidFill>
@@ -18336,440 +18514,6 @@
               </a:rPr>
               <a:t>给多个属性设置特性的方法（Object.defineProperties）</a:t>
             </a:r>
-            <a:endParaRPr kumimoji="0" lang="en-US" altLang="zh-CN" sz="2000" dirty="0" smtClean="0">
-              <a:solidFill>
-                <a:schemeClr val="tx1"/>
-              </a:solidFill>
-              <a:sym typeface="+mn-ea"/>
-            </a:endParaRPr>
-          </a:p>
-          <a:p>
-            <a:pPr>
-              <a:lnSpc>
-                <a:spcPct val="130000"/>
-              </a:lnSpc>
-            </a:pPr>
-            <a:r>
-              <a:rPr kumimoji="0" lang="en-US" altLang="zh-CN" sz="3200" dirty="0" smtClean="0">
-                <a:solidFill>
-                  <a:schemeClr val="tx1"/>
-                </a:solidFill>
-                <a:sym typeface="+mn-ea"/>
-              </a:rPr>
-              <a:t>JS</a:t>
-            </a:r>
-            <a:r>
-              <a:rPr kumimoji="0" lang="zh-CN" altLang="en-US" sz="3200" dirty="0" smtClean="0">
-                <a:solidFill>
-                  <a:schemeClr val="tx1"/>
-                </a:solidFill>
-                <a:sym typeface="+mn-ea"/>
-              </a:rPr>
-              <a:t>对象</a:t>
-            </a:r>
-            <a:r>
-              <a:rPr kumimoji="0" lang="zh-CN" altLang="en-US" sz="3200" dirty="0" smtClean="0">
-                <a:solidFill>
-                  <a:schemeClr val="accent3"/>
-                </a:solidFill>
-                <a:sym typeface="+mn-ea"/>
-              </a:rPr>
-              <a:t>访问器属性</a:t>
-            </a:r>
-            <a:r>
-              <a:rPr kumimoji="0" lang="zh-CN" altLang="en-US" sz="3200" dirty="0" smtClean="0">
-                <a:solidFill>
-                  <a:schemeClr val="tx1"/>
-                </a:solidFill>
-                <a:sym typeface="+mn-ea"/>
-              </a:rPr>
-              <a:t>的特性（set和get向下影响）</a:t>
-            </a:r>
-            <a:br>
-              <a:rPr kumimoji="0" lang="zh-CN" altLang="en-US" sz="2000" dirty="0" smtClean="0">
-                <a:solidFill>
-                  <a:schemeClr val="tx1"/>
-                </a:solidFill>
-                <a:sym typeface="+mn-ea"/>
-              </a:rPr>
-            </a:br>
-            <a:r>
-              <a:rPr kumimoji="0" lang="en-US" altLang="zh-CN" sz="2000" dirty="0" smtClean="0">
-                <a:solidFill>
-                  <a:schemeClr val="tx1"/>
-                </a:solidFill>
-                <a:sym typeface="+mn-ea"/>
-              </a:rPr>
-              <a:t>- </a:t>
-            </a:r>
-            <a:r>
-              <a:rPr kumimoji="0" lang="zh-CN" altLang="en-US" sz="2000" dirty="0" smtClean="0">
-                <a:solidFill>
-                  <a:schemeClr val="tx1"/>
-                </a:solidFill>
-                <a:sym typeface="+mn-ea"/>
-              </a:rPr>
-              <a:t>可配置特性（</a:t>
-            </a:r>
-            <a:r>
-              <a:rPr kumimoji="0" lang="en-US" altLang="zh-CN" sz="2000" dirty="0" smtClean="0">
-                <a:solidFill>
-                  <a:schemeClr val="tx1"/>
-                </a:solidFill>
-                <a:sym typeface="+mn-ea"/>
-              </a:rPr>
-              <a:t>[[configable]]</a:t>
-            </a:r>
-            <a:r>
-              <a:rPr kumimoji="0" lang="zh-CN" altLang="en-US" sz="2000" dirty="0" smtClean="0">
-                <a:solidFill>
-                  <a:schemeClr val="tx1"/>
-                </a:solidFill>
-                <a:sym typeface="+mn-ea"/>
-              </a:rPr>
-              <a:t>）</a:t>
-            </a:r>
-            <a:br>
-              <a:rPr kumimoji="0" lang="zh-CN" altLang="en-US" sz="2000" dirty="0" smtClean="0">
-                <a:solidFill>
-                  <a:schemeClr val="tx1"/>
-                </a:solidFill>
-                <a:sym typeface="+mn-ea"/>
-              </a:rPr>
-            </a:br>
-            <a:r>
-              <a:rPr kumimoji="0" lang="en-US" altLang="zh-CN" sz="2000" dirty="0" smtClean="0">
-                <a:solidFill>
-                  <a:schemeClr val="tx1"/>
-                </a:solidFill>
-                <a:sym typeface="+mn-ea"/>
-              </a:rPr>
-              <a:t>- </a:t>
-            </a:r>
-            <a:r>
-              <a:rPr kumimoji="0" lang="zh-CN" altLang="en-US" sz="2000" dirty="0" smtClean="0">
-                <a:solidFill>
-                  <a:schemeClr val="tx1"/>
-                </a:solidFill>
-                <a:sym typeface="+mn-ea"/>
-              </a:rPr>
-              <a:t>可枚举特性（</a:t>
-            </a:r>
-            <a:r>
-              <a:rPr kumimoji="0" lang="en-US" altLang="zh-CN" sz="2000" dirty="0" smtClean="0">
-                <a:solidFill>
-                  <a:schemeClr val="tx1"/>
-                </a:solidFill>
-                <a:sym typeface="+mn-ea"/>
-              </a:rPr>
-              <a:t>[[e</a:t>
-            </a:r>
-            <a:r>
-              <a:rPr kumimoji="0" lang="zh-CN" altLang="en-US" sz="2000" dirty="0" smtClean="0">
-                <a:solidFill>
-                  <a:schemeClr val="tx1"/>
-                </a:solidFill>
-                <a:sym typeface="+mn-ea"/>
-              </a:rPr>
-              <a:t>numerable</a:t>
-            </a:r>
-            <a:r>
-              <a:rPr kumimoji="0" lang="en-US" altLang="zh-CN" sz="2000" dirty="0" smtClean="0">
-                <a:solidFill>
-                  <a:schemeClr val="tx1"/>
-                </a:solidFill>
-                <a:sym typeface="+mn-ea"/>
-              </a:rPr>
-              <a:t>]]</a:t>
-            </a:r>
-            <a:r>
-              <a:rPr kumimoji="0" lang="zh-CN" altLang="en-US" sz="2000" dirty="0" smtClean="0">
-                <a:solidFill>
-                  <a:schemeClr val="tx1"/>
-                </a:solidFill>
-                <a:sym typeface="+mn-ea"/>
-              </a:rPr>
-              <a:t>）</a:t>
-            </a:r>
-            <a:br>
-              <a:rPr kumimoji="0" lang="zh-CN" altLang="en-US" sz="2000" dirty="0" smtClean="0">
-                <a:solidFill>
-                  <a:schemeClr val="tx1"/>
-                </a:solidFill>
-                <a:sym typeface="+mn-ea"/>
-              </a:rPr>
-            </a:br>
-            <a:r>
-              <a:rPr kumimoji="0" lang="en-US" altLang="zh-CN" sz="2000" dirty="0" smtClean="0">
-                <a:solidFill>
-                  <a:schemeClr val="tx1"/>
-                </a:solidFill>
-                <a:sym typeface="+mn-ea"/>
-              </a:rPr>
-              <a:t>- get</a:t>
-            </a:r>
-            <a:r>
-              <a:rPr kumimoji="0" lang="zh-CN" altLang="en-US" sz="2000" dirty="0" smtClean="0">
-                <a:solidFill>
-                  <a:schemeClr val="tx1"/>
-                </a:solidFill>
-                <a:sym typeface="+mn-ea"/>
-              </a:rPr>
-              <a:t>特性（</a:t>
-            </a:r>
-            <a:r>
-              <a:rPr kumimoji="0" lang="en-US" altLang="zh-CN" sz="2000" dirty="0" smtClean="0">
-                <a:solidFill>
-                  <a:schemeClr val="tx1"/>
-                </a:solidFill>
-                <a:sym typeface="+mn-ea"/>
-              </a:rPr>
-              <a:t>[[get]]</a:t>
-            </a:r>
-            <a:r>
-              <a:rPr kumimoji="0" lang="zh-CN" altLang="en-US" sz="2000" dirty="0" smtClean="0">
-                <a:solidFill>
-                  <a:schemeClr val="tx1"/>
-                </a:solidFill>
-                <a:sym typeface="+mn-ea"/>
-              </a:rPr>
-              <a:t>）</a:t>
-            </a:r>
-            <a:br>
-              <a:rPr kumimoji="0" lang="zh-CN" altLang="en-US" sz="2000" dirty="0" smtClean="0">
-                <a:solidFill>
-                  <a:schemeClr val="tx1"/>
-                </a:solidFill>
-                <a:sym typeface="+mn-ea"/>
-              </a:rPr>
-            </a:br>
-            <a:r>
-              <a:rPr kumimoji="0" lang="en-US" altLang="zh-CN" sz="2000" dirty="0" smtClean="0">
-                <a:solidFill>
-                  <a:schemeClr val="tx1"/>
-                </a:solidFill>
-                <a:sym typeface="+mn-ea"/>
-              </a:rPr>
-              <a:t>- set</a:t>
-            </a:r>
-            <a:r>
-              <a:rPr kumimoji="0" lang="zh-CN" altLang="en-US" sz="2000" dirty="0" smtClean="0">
-                <a:solidFill>
-                  <a:schemeClr val="tx1"/>
-                </a:solidFill>
-                <a:sym typeface="+mn-ea"/>
-              </a:rPr>
-              <a:t>特性（</a:t>
-            </a:r>
-            <a:r>
-              <a:rPr kumimoji="0" lang="en-US" altLang="zh-CN" sz="2000" dirty="0" smtClean="0">
-                <a:solidFill>
-                  <a:schemeClr val="tx1"/>
-                </a:solidFill>
-                <a:sym typeface="+mn-ea"/>
-              </a:rPr>
-              <a:t>[[set]]</a:t>
-            </a:r>
-            <a:r>
-              <a:rPr kumimoji="0" lang="zh-CN" altLang="en-US" sz="2000" dirty="0" smtClean="0">
-                <a:solidFill>
-                  <a:schemeClr val="tx1"/>
-                </a:solidFill>
-                <a:sym typeface="+mn-ea"/>
-              </a:rPr>
-              <a:t>）</a:t>
-            </a:r>
-            <a:br>
-              <a:rPr kumimoji="0" lang="zh-CN" altLang="en-US" sz="2000" dirty="0" smtClean="0">
-                <a:solidFill>
-                  <a:schemeClr val="tx1"/>
-                </a:solidFill>
-                <a:sym typeface="+mn-ea"/>
-              </a:rPr>
-            </a:br>
-            <a:r>
-              <a:rPr kumimoji="0" lang="en-US" altLang="zh-CN" sz="2000" dirty="0" smtClean="0">
-                <a:solidFill>
-                  <a:schemeClr val="tx1"/>
-                </a:solidFill>
-                <a:sym typeface="+mn-ea"/>
-              </a:rPr>
-              <a:t>- </a:t>
-            </a:r>
-            <a:r>
-              <a:rPr kumimoji="0" lang="en-US" altLang="zh-CN" sz="2000" dirty="0" smtClean="0">
-                <a:solidFill>
-                  <a:schemeClr val="accent3"/>
-                </a:solidFill>
-                <a:sym typeface="+mn-ea"/>
-              </a:rPr>
-              <a:t>set</a:t>
-            </a:r>
-            <a:r>
-              <a:rPr kumimoji="0" lang="zh-CN" altLang="en-US" sz="2000" dirty="0" smtClean="0">
-                <a:solidFill>
-                  <a:schemeClr val="accent3"/>
-                </a:solidFill>
-                <a:sym typeface="+mn-ea"/>
-              </a:rPr>
-              <a:t>和</a:t>
-            </a:r>
-            <a:r>
-              <a:rPr kumimoji="0" lang="en-US" altLang="zh-CN" sz="2000" dirty="0" smtClean="0">
-                <a:solidFill>
-                  <a:schemeClr val="accent3"/>
-                </a:solidFill>
-                <a:sym typeface="+mn-ea"/>
-              </a:rPr>
-              <a:t>get</a:t>
-            </a:r>
-            <a:r>
-              <a:rPr kumimoji="0" lang="zh-CN" altLang="en-US" sz="2000" dirty="0" smtClean="0">
-                <a:solidFill>
-                  <a:schemeClr val="accent3"/>
-                </a:solidFill>
-                <a:sym typeface="+mn-ea"/>
-              </a:rPr>
-              <a:t>向下影响</a:t>
-            </a:r>
-            <a:endParaRPr kumimoji="0" lang="zh-CN" altLang="en-US" sz="2000" dirty="0" smtClean="0">
-              <a:solidFill>
-                <a:schemeClr val="accent3"/>
-              </a:solidFill>
-              <a:sym typeface="+mn-ea"/>
-            </a:endParaRPr>
-          </a:p>
-          <a:p>
-            <a:pPr>
-              <a:lnSpc>
-                <a:spcPct val="130000"/>
-              </a:lnSpc>
-            </a:pPr>
-            <a:r>
-              <a:rPr kumimoji="0" lang="en-US" sz="3200" dirty="0" smtClean="0">
-                <a:solidFill>
-                  <a:schemeClr val="tx1"/>
-                </a:solidFill>
-                <a:sym typeface="+mn-ea"/>
-              </a:rPr>
-              <a:t>Object</a:t>
-            </a:r>
-            <a:r>
-              <a:rPr kumimoji="0" lang="zh-CN" altLang="en-US" sz="3200" dirty="0" smtClean="0">
-                <a:solidFill>
-                  <a:schemeClr val="tx1"/>
-                </a:solidFill>
-                <a:sym typeface="+mn-ea"/>
-              </a:rPr>
-              <a:t>相关方法</a:t>
-            </a:r>
-            <a:br>
-              <a:rPr kumimoji="0" lang="zh-CN" altLang="en-US" sz="2000" dirty="0" smtClean="0">
-                <a:solidFill>
-                  <a:schemeClr val="tx1"/>
-                </a:solidFill>
-                <a:sym typeface="+mn-ea"/>
-              </a:rPr>
-            </a:br>
-            <a:r>
-              <a:rPr kumimoji="0" lang="en-US" altLang="zh-CN" sz="2000" dirty="0" smtClean="0">
-                <a:solidFill>
-                  <a:schemeClr val="tx1"/>
-                </a:solidFill>
-                <a:sym typeface="+mn-ea"/>
-              </a:rPr>
-              <a:t>- seal</a:t>
-            </a:r>
-            <a:r>
-              <a:rPr kumimoji="0" lang="zh-CN" altLang="en-US" sz="2000" dirty="0" smtClean="0">
-                <a:solidFill>
-                  <a:schemeClr val="tx1"/>
-                </a:solidFill>
-                <a:sym typeface="+mn-ea"/>
-              </a:rPr>
-              <a:t>、</a:t>
-            </a:r>
-            <a:r>
-              <a:rPr kumimoji="0" lang="en-US" altLang="zh-CN" sz="2000" dirty="0" smtClean="0">
-                <a:solidFill>
-                  <a:schemeClr val="tx1"/>
-                </a:solidFill>
-                <a:sym typeface="+mn-ea"/>
-              </a:rPr>
-              <a:t>freeze</a:t>
-            </a:r>
-            <a:r>
-              <a:rPr kumimoji="0" lang="zh-CN" altLang="en-US" sz="2000" dirty="0" smtClean="0">
-                <a:solidFill>
-                  <a:schemeClr val="tx1"/>
-                </a:solidFill>
-                <a:sym typeface="+mn-ea"/>
-              </a:rPr>
-              <a:t>、</a:t>
-            </a:r>
-            <a:r>
-              <a:rPr kumimoji="0" lang="en-US" altLang="zh-CN" sz="2000" dirty="0" smtClean="0">
-                <a:solidFill>
-                  <a:schemeClr val="tx1"/>
-                </a:solidFill>
-                <a:sym typeface="+mn-ea"/>
-              </a:rPr>
-              <a:t>extend</a:t>
-            </a:r>
-            <a:r>
-              <a:rPr kumimoji="0" lang="zh-CN" altLang="en-US" sz="2000" dirty="0" smtClean="0">
-                <a:solidFill>
-                  <a:schemeClr val="tx1"/>
-                </a:solidFill>
-                <a:sym typeface="+mn-ea"/>
-              </a:rPr>
-              <a:t>、</a:t>
-            </a:r>
-            <a:r>
-              <a:rPr kumimoji="0" lang="en-US" altLang="zh-CN" sz="2000" dirty="0" smtClean="0">
-                <a:solidFill>
-                  <a:schemeClr val="tx1"/>
-                </a:solidFill>
-                <a:sym typeface="+mn-ea"/>
-              </a:rPr>
-              <a:t>keys</a:t>
-            </a:r>
-            <a:r>
-              <a:rPr kumimoji="0" lang="zh-CN" altLang="en-US" sz="2000" dirty="0" smtClean="0">
-                <a:solidFill>
-                  <a:schemeClr val="tx1"/>
-                </a:solidFill>
-                <a:sym typeface="+mn-ea"/>
-              </a:rPr>
-              <a:t>、hasOwnProperty、</a:t>
-            </a:r>
-            <a:r>
-              <a:rPr kumimoji="0" lang="en-US" altLang="zh-CN" sz="2000" dirty="0" smtClean="0">
-                <a:solidFill>
-                  <a:schemeClr val="tx1"/>
-                </a:solidFill>
-                <a:sym typeface="+mn-ea"/>
-              </a:rPr>
-              <a:t>in</a:t>
-            </a:r>
-            <a:r>
-              <a:rPr kumimoji="0" lang="zh-CN" altLang="en-US" sz="2000" dirty="0" smtClean="0">
-                <a:solidFill>
-                  <a:schemeClr val="tx1"/>
-                </a:solidFill>
-                <a:sym typeface="+mn-ea"/>
-              </a:rPr>
-              <a:t>、</a:t>
-            </a:r>
-            <a:r>
-              <a:rPr kumimoji="0" lang="en-US" altLang="zh-CN" sz="2000" dirty="0" smtClean="0">
-                <a:solidFill>
-                  <a:schemeClr val="tx1"/>
-                </a:solidFill>
-                <a:sym typeface="+mn-ea"/>
-              </a:rPr>
-              <a:t>for...in</a:t>
-            </a:r>
             <a:br>
               <a:rPr kumimoji="0" lang="zh-CN" altLang="en-US" sz="2000" dirty="0" smtClean="0">
                 <a:solidFill>
@@ -18837,6 +18581,1437 @@
           </a:p>
         </p:txBody>
       </p:sp>
+      <p:pic>
+        <p:nvPicPr>
+          <p:cNvPr id="3" name="图片 2"/>
+          <p:cNvPicPr>
+            <a:picLocks noChangeAspect="1"/>
+          </p:cNvPicPr>
+          <p:nvPr/>
+        </p:nvPicPr>
+        <p:blipFill>
+          <a:blip r:embed="rId1"/>
+          <a:stretch>
+            <a:fillRect/>
+          </a:stretch>
+        </p:blipFill>
+        <p:spPr>
+          <a:xfrm>
+            <a:off x="1140460" y="1790700"/>
+            <a:ext cx="8070215" cy="4034790"/>
+          </a:xfrm>
+          <a:prstGeom prst="rect">
+            <a:avLst/>
+          </a:prstGeom>
+        </p:spPr>
+      </p:pic>
+      <p:sp>
+        <p:nvSpPr>
+          <p:cNvPr id="6" name="文本框 5"/>
+          <p:cNvSpPr txBox="1"/>
+          <p:nvPr/>
+        </p:nvSpPr>
+        <p:spPr>
+          <a:xfrm>
+            <a:off x="5928360" y="6068060"/>
+            <a:ext cx="5271135" cy="429895"/>
+          </a:xfrm>
+          <a:prstGeom prst="rect">
+            <a:avLst/>
+          </a:prstGeom>
+          <a:noFill/>
+        </p:spPr>
+        <p:txBody>
+          <a:bodyPr wrap="square" rtlCol="0">
+            <a:spAutoFit/>
+          </a:bodyPr>
+          <a:p>
+            <a:pPr algn="l"/>
+            <a:r>
+              <a:rPr lang="zh-CN" altLang="en-US" sz="2200">
+                <a:solidFill>
+                  <a:srgbClr val="FF0000"/>
+                </a:solidFill>
+                <a:latin typeface="+mn-ea"/>
+                <a:ea typeface="+mn-ea"/>
+                <a:sym typeface="+mn-ea"/>
+              </a:rPr>
+              <a:t>参见实例</a:t>
+            </a:r>
+            <a:r>
+              <a:rPr lang="en-US" altLang="zh-CN" sz="2200">
+                <a:solidFill>
+                  <a:srgbClr val="FF0000"/>
+                </a:solidFill>
+                <a:latin typeface="+mn-ea"/>
+                <a:ea typeface="+mn-ea"/>
+                <a:sym typeface="+mn-ea"/>
+              </a:rPr>
+              <a:t>demo13</a:t>
+            </a:r>
+            <a:r>
+              <a:rPr lang="en-US" altLang="zh-CN" sz="2200">
+                <a:solidFill>
+                  <a:srgbClr val="FF0000"/>
+                </a:solidFill>
+                <a:latin typeface="+mn-ea"/>
+                <a:ea typeface="+mn-ea"/>
+              </a:rPr>
+              <a:t> </a:t>
+            </a:r>
+            <a:r>
+              <a:rPr lang="zh-CN" altLang="en-US" sz="2200" dirty="0" smtClean="0">
+                <a:solidFill>
+                  <a:srgbClr val="FF0000"/>
+                </a:solidFill>
+                <a:sym typeface="+mn-ea"/>
+              </a:rPr>
+              <a:t>给多个属性设置特性</a:t>
+            </a:r>
+            <a:endParaRPr lang="zh-CN" altLang="en-US" sz="2200" dirty="0" smtClean="0">
+              <a:solidFill>
+                <a:srgbClr val="FF0000"/>
+              </a:solidFill>
+              <a:latin typeface="+mn-ea"/>
+              <a:ea typeface="+mn-ea"/>
+              <a:sym typeface="+mn-ea"/>
+            </a:endParaRPr>
+          </a:p>
+        </p:txBody>
+      </p:sp>
+    </p:spTree>
+  </p:cSld>
+  <p:clrMapOvr>
+    <a:masterClrMapping/>
+  </p:clrMapOvr>
+  <p:timing>
+    <p:tnLst>
+      <p:par>
+        <p:cTn id="1" dur="indefinite" restart="never" fill="hold" nodeType="tmRoot">
+          <p:childTnLst>
+            <p:seq concurrent="1" nextAc="seek">
+              <p:cTn id="2" dur="indefinite" fill="hold" nodeType="mainSeq">
+                <p:childTnLst>
+                  <p:par>
+                    <p:cTn id="3" fill="hold">
+                      <p:stCondLst>
+                        <p:cond delay="indefinite"/>
+                      </p:stCondLst>
+                      <p:childTnLst>
+                        <p:par>
+                          <p:cTn id="4" fill="hold">
+                            <p:stCondLst>
+                              <p:cond delay="0"/>
+                            </p:stCondLst>
+                            <p:childTnLst>
+                              <p:par>
+                                <p:cTn id="5" presetID="2" presetClass="entr" presetSubtype="4" fill="hold" nodeType="clickEffect">
+                                  <p:stCondLst>
+                                    <p:cond delay="0"/>
+                                  </p:stCondLst>
+                                  <p:childTnLst>
+                                    <p:set>
+                                      <p:cBhvr>
+                                        <p:cTn id="6" dur="1" fill="hold">
+                                          <p:stCondLst>
+                                            <p:cond delay="0"/>
+                                          </p:stCondLst>
+                                        </p:cTn>
+                                        <p:tgtEl>
+                                          <p:spTgt spid="11266">
+                                            <p:txEl>
+                                              <p:pRg st="0" end="0"/>
+                                            </p:txEl>
+                                          </p:spTgt>
+                                        </p:tgtEl>
+                                        <p:attrNameLst>
+                                          <p:attrName>style.visibility</p:attrName>
+                                        </p:attrNameLst>
+                                      </p:cBhvr>
+                                      <p:to>
+                                        <p:strVal val="visible"/>
+                                      </p:to>
+                                    </p:set>
+                                    <p:anim calcmode="lin" valueType="num">
+                                      <p:cBhvr additive="base">
+                                        <p:cTn id="7" dur="500" fill="hold"/>
+                                        <p:tgtEl>
+                                          <p:spTgt spid="11266">
+                                            <p:txEl>
+                                              <p:pRg st="0" end="0"/>
+                                            </p:txEl>
+                                          </p:spTgt>
+                                        </p:tgtEl>
+                                        <p:attrNameLst>
+                                          <p:attrName>ppt_x</p:attrName>
+                                        </p:attrNameLst>
+                                      </p:cBhvr>
+                                      <p:tavLst>
+                                        <p:tav tm="0">
+                                          <p:val>
+                                            <p:strVal val="#ppt_x"/>
+                                          </p:val>
+                                        </p:tav>
+                                        <p:tav tm="100000">
+                                          <p:val>
+                                            <p:strVal val="#ppt_x"/>
+                                          </p:val>
+                                        </p:tav>
+                                      </p:tavLst>
+                                    </p:anim>
+                                    <p:anim calcmode="lin" valueType="num">
+                                      <p:cBhvr additive="base">
+                                        <p:cTn id="8" dur="500" fill="hold"/>
+                                        <p:tgtEl>
+                                          <p:spTgt spid="11266">
+                                            <p:txEl>
+                                              <p:pRg st="0" end="0"/>
+                                            </p:txEl>
+                                          </p:spTgt>
+                                        </p:tgtEl>
+                                        <p:attrNameLst>
+                                          <p:attrName>ppt_y</p:attrName>
+                                        </p:attrNameLst>
+                                      </p:cBhvr>
+                                      <p:tavLst>
+                                        <p:tav tm="0">
+                                          <p:val>
+                                            <p:strVal val="1+#ppt_h/2"/>
+                                          </p:val>
+                                        </p:tav>
+                                        <p:tav tm="100000">
+                                          <p:val>
+                                            <p:strVal val="#ppt_y"/>
+                                          </p:val>
+                                        </p:tav>
+                                      </p:tavLst>
+                                    </p:anim>
+                                  </p:childTnLst>
+                                </p:cTn>
+                              </p:par>
+                            </p:childTnLst>
+                          </p:cTn>
+                        </p:par>
+                        <p:par>
+                          <p:cTn id="9" fill="hold">
+                            <p:stCondLst>
+                              <p:cond delay="500"/>
+                            </p:stCondLst>
+                            <p:childTnLst>
+                              <p:par>
+                                <p:cTn id="10" presetID="2" presetClass="entr" presetSubtype="4" fill="hold" nodeType="afterEffect">
+                                  <p:stCondLst>
+                                    <p:cond delay="0"/>
+                                  </p:stCondLst>
+                                  <p:childTnLst>
+                                    <p:set>
+                                      <p:cBhvr>
+                                        <p:cTn id="11" dur="1" fill="hold">
+                                          <p:stCondLst>
+                                            <p:cond delay="0"/>
+                                          </p:stCondLst>
+                                        </p:cTn>
+                                        <p:tgtEl>
+                                          <p:spTgt spid="3"/>
+                                        </p:tgtEl>
+                                        <p:attrNameLst>
+                                          <p:attrName>style.visibility</p:attrName>
+                                        </p:attrNameLst>
+                                      </p:cBhvr>
+                                      <p:to>
+                                        <p:strVal val="visible"/>
+                                      </p:to>
+                                    </p:set>
+                                    <p:anim calcmode="lin" valueType="num">
+                                      <p:cBhvr additive="base">
+                                        <p:cTn id="12" dur="500" fill="hold"/>
+                                        <p:tgtEl>
+                                          <p:spTgt spid="3"/>
+                                        </p:tgtEl>
+                                        <p:attrNameLst>
+                                          <p:attrName>ppt_x</p:attrName>
+                                        </p:attrNameLst>
+                                      </p:cBhvr>
+                                      <p:tavLst>
+                                        <p:tav tm="0">
+                                          <p:val>
+                                            <p:strVal val="#ppt_x"/>
+                                          </p:val>
+                                        </p:tav>
+                                        <p:tav tm="100000">
+                                          <p:val>
+                                            <p:strVal val="#ppt_x"/>
+                                          </p:val>
+                                        </p:tav>
+                                      </p:tavLst>
+                                    </p:anim>
+                                    <p:anim calcmode="lin" valueType="num">
+                                      <p:cBhvr additive="base">
+                                        <p:cTn id="13" dur="500" fill="hold"/>
+                                        <p:tgtEl>
+                                          <p:spTgt spid="3"/>
+                                        </p:tgtEl>
+                                        <p:attrNameLst>
+                                          <p:attrName>ppt_y</p:attrName>
+                                        </p:attrNameLst>
+                                      </p:cBhvr>
+                                      <p:tavLst>
+                                        <p:tav tm="0">
+                                          <p:val>
+                                            <p:strVal val="1+#ppt_h/2"/>
+                                          </p:val>
+                                        </p:tav>
+                                        <p:tav tm="100000">
+                                          <p:val>
+                                            <p:strVal val="#ppt_y"/>
+                                          </p:val>
+                                        </p:tav>
+                                      </p:tavLst>
+                                    </p:anim>
+                                  </p:childTnLst>
+                                </p:cTn>
+                              </p:par>
+                            </p:childTnLst>
+                          </p:cTn>
+                        </p:par>
+                        <p:par>
+                          <p:cTn id="14" fill="hold">
+                            <p:stCondLst>
+                              <p:cond delay="1000"/>
+                            </p:stCondLst>
+                            <p:childTnLst>
+                              <p:par>
+                                <p:cTn id="15" presetID="2" presetClass="entr" presetSubtype="4" fill="hold" grpId="0" nodeType="afterEffect">
+                                  <p:stCondLst>
+                                    <p:cond delay="0"/>
+                                  </p:stCondLst>
+                                  <p:childTnLst>
+                                    <p:set>
+                                      <p:cBhvr>
+                                        <p:cTn id="16" dur="1" fill="hold">
+                                          <p:stCondLst>
+                                            <p:cond delay="0"/>
+                                          </p:stCondLst>
+                                        </p:cTn>
+                                        <p:tgtEl>
+                                          <p:spTgt spid="6"/>
+                                        </p:tgtEl>
+                                        <p:attrNameLst>
+                                          <p:attrName>style.visibility</p:attrName>
+                                        </p:attrNameLst>
+                                      </p:cBhvr>
+                                      <p:to>
+                                        <p:strVal val="visible"/>
+                                      </p:to>
+                                    </p:set>
+                                    <p:anim calcmode="lin" valueType="num">
+                                      <p:cBhvr additive="base">
+                                        <p:cTn id="17" dur="500" fill="hold"/>
+                                        <p:tgtEl>
+                                          <p:spTgt spid="6"/>
+                                        </p:tgtEl>
+                                        <p:attrNameLst>
+                                          <p:attrName>ppt_x</p:attrName>
+                                        </p:attrNameLst>
+                                      </p:cBhvr>
+                                      <p:tavLst>
+                                        <p:tav tm="0">
+                                          <p:val>
+                                            <p:strVal val="#ppt_x"/>
+                                          </p:val>
+                                        </p:tav>
+                                        <p:tav tm="100000">
+                                          <p:val>
+                                            <p:strVal val="#ppt_x"/>
+                                          </p:val>
+                                        </p:tav>
+                                      </p:tavLst>
+                                    </p:anim>
+                                    <p:anim calcmode="lin" valueType="num">
+                                      <p:cBhvr additive="base">
+                                        <p:cTn id="18" dur="500" fill="hold"/>
+                                        <p:tgtEl>
+                                          <p:spTgt spid="6"/>
+                                        </p:tgtEl>
+                                        <p:attrNameLst>
+                                          <p:attrName>ppt_y</p:attrName>
+                                        </p:attrNameLst>
+                                      </p:cBhvr>
+                                      <p:tavLst>
+                                        <p:tav tm="0">
+                                          <p:val>
+                                            <p:strVal val="1+#ppt_h/2"/>
+                                          </p:val>
+                                        </p:tav>
+                                        <p:tav tm="100000">
+                                          <p:val>
+                                            <p:strVal val="#ppt_y"/>
+                                          </p:val>
+                                        </p:tav>
+                                      </p:tavLst>
+                                    </p:anim>
+                                  </p:childTnLst>
+                                </p:cTn>
+                              </p:par>
+                            </p:childTnLst>
+                          </p:cTn>
+                        </p:par>
+                      </p:childTnLst>
+                    </p:cTn>
+                  </p:par>
+                </p:childTnLst>
+              </p:cTn>
+              <p:prevCondLst>
+                <p:cond evt="onPrev" delay="0">
+                  <p:tgtEl>
+                    <p:sldTgt/>
+                  </p:tgtEl>
+                </p:cond>
+              </p:prevCondLst>
+              <p:nextCondLst>
+                <p:cond evt="onNext" delay="0">
+                  <p:tgtEl>
+                    <p:sldTgt/>
+                  </p:tgtEl>
+                </p:cond>
+              </p:nextCondLst>
+            </p:seq>
+          </p:childTnLst>
+        </p:cTn>
+      </p:par>
+    </p:tnLst>
+    <p:bldLst>
+      <p:bldP spid="6" grpId="0"/>
+    </p:bldLst>
+  </p:timing>
+</p:sld>
+</file>
+
+<file path=ppt/slides/slide29.xml><?xml version="1.0" encoding="utf-8"?>
+<p:sld xmlns:a="http://schemas.openxmlformats.org/drawingml/2006/main" xmlns:r="http://schemas.openxmlformats.org/officeDocument/2006/relationships" xmlns:p="http://schemas.openxmlformats.org/presentationml/2006/main">
+  <p:cSld>
+    <p:spTree>
+      <p:nvGrpSpPr>
+        <p:cNvPr id="1" name=""/>
+        <p:cNvGrpSpPr/>
+        <p:nvPr/>
+      </p:nvGrpSpPr>
+      <p:grpSpPr>
+        <a:xfrm>
+          <a:off x="0" y="0"/>
+          <a:ext cx="0" cy="0"/>
+          <a:chOff x="0" y="0"/>
+          <a:chExt cx="0" cy="0"/>
+        </a:xfrm>
+      </p:grpSpPr>
+      <p:sp>
+        <p:nvSpPr>
+          <p:cNvPr id="11266" name="内容占位符 1"/>
+          <p:cNvSpPr>
+            <a:spLocks noGrp="1"/>
+          </p:cNvSpPr>
+          <p:nvPr>
+            <p:ph sz="quarter" idx="10"/>
+          </p:nvPr>
+        </p:nvSpPr>
+        <p:spPr bwMode="auto">
+          <a:xfrm>
+            <a:off x="947420" y="940435"/>
+            <a:ext cx="10828020" cy="5115560"/>
+          </a:xfrm>
+          <a:noFill/>
+          <a:extLst>
+            <a:ext uri="{909E8E84-426E-40DD-AFC4-6F175D3DCCD1}">
+              <a14:hiddenFill xmlns:a14="http://schemas.microsoft.com/office/drawing/2010/main">
+                <a:solidFill>
+                  <a:srgbClr val="FFFFFF"/>
+                </a:solidFill>
+              </a14:hiddenFill>
+            </a:ext>
+            <a:ext uri="{91240B29-F687-4F45-9708-019B960494DF}">
+              <a14:hiddenLine xmlns:a14="http://schemas.microsoft.com/office/drawing/2010/main" w="9525">
+                <a:solidFill>
+                  <a:srgbClr val="000000"/>
+                </a:solidFill>
+                <a:miter lim="800000"/>
+                <a:headEnd/>
+                <a:tailEnd/>
+              </a14:hiddenLine>
+            </a:ext>
+          </a:extLst>
+        </p:spPr>
+        <p:txBody>
+          <a:bodyPr vert="horz" wrap="square" lIns="91440" tIns="45720" rIns="91440" bIns="45720" numCol="1" anchor="t" anchorCtr="0" compatLnSpc="1"/>
+          <a:lstStyle/>
+          <a:p>
+            <a:pPr>
+              <a:lnSpc>
+                <a:spcPct val="130000"/>
+              </a:lnSpc>
+            </a:pPr>
+            <a:r>
+              <a:rPr kumimoji="0" lang="zh-CN" altLang="en-US" sz="3200" dirty="0" smtClean="0">
+                <a:solidFill>
+                  <a:schemeClr val="tx1"/>
+                </a:solidFill>
+                <a:sym typeface="+mn-ea"/>
+              </a:rPr>
+              <a:t>关于属性特性的继承</a:t>
+            </a:r>
+            <a:br>
+              <a:rPr kumimoji="0" lang="zh-CN" altLang="en-US" sz="2000" dirty="0" smtClean="0">
+                <a:solidFill>
+                  <a:schemeClr val="tx1"/>
+                </a:solidFill>
+              </a:rPr>
+            </a:br>
+            <a:endParaRPr kumimoji="0" lang="zh-CN" altLang="en-US" sz="3200" dirty="0" smtClean="0">
+              <a:solidFill>
+                <a:schemeClr val="tx1"/>
+              </a:solidFill>
+            </a:endParaRPr>
+          </a:p>
+          <a:p>
+            <a:pPr eaLnBrk="1" hangingPunct="1">
+              <a:lnSpc>
+                <a:spcPct val="150000"/>
+              </a:lnSpc>
+            </a:pPr>
+            <a:endParaRPr kumimoji="0" lang="en-US" altLang="zh-CN" sz="3600" dirty="0" smtClean="0">
+              <a:solidFill>
+                <a:schemeClr val="tx1"/>
+              </a:solidFill>
+            </a:endParaRPr>
+          </a:p>
+          <a:p>
+            <a:pPr eaLnBrk="1" hangingPunct="1">
+              <a:lnSpc>
+                <a:spcPct val="150000"/>
+              </a:lnSpc>
+            </a:pPr>
+            <a:endParaRPr kumimoji="0" lang="zh-CN" altLang="en-US" dirty="0" smtClean="0">
+              <a:solidFill>
+                <a:schemeClr val="tx1"/>
+              </a:solidFill>
+            </a:endParaRPr>
+          </a:p>
+        </p:txBody>
+      </p:sp>
+      <p:sp>
+        <p:nvSpPr>
+          <p:cNvPr id="2" name="内容占位符 1"/>
+          <p:cNvSpPr>
+            <a:spLocks noGrp="1"/>
+          </p:cNvSpPr>
+          <p:nvPr>
+            <p:ph sz="quarter" idx="11"/>
+          </p:nvPr>
+        </p:nvSpPr>
+        <p:spPr>
+          <a:xfrm>
+            <a:off x="947204" y="308698"/>
+            <a:ext cx="8191557" cy="490476"/>
+          </a:xfrm>
+        </p:spPr>
+        <p:txBody>
+          <a:bodyPr/>
+          <a:lstStyle/>
+          <a:p>
+            <a:r>
+              <a:rPr kumimoji="0" lang="zh-CN" altLang="en-US" dirty="0"/>
+              <a:t>对象属性特性（补充部分）</a:t>
+            </a:r>
+            <a:endParaRPr kumimoji="0" lang="zh-CN" altLang="en-US" dirty="0"/>
+          </a:p>
+        </p:txBody>
+      </p:sp>
+      <p:pic>
+        <p:nvPicPr>
+          <p:cNvPr id="3" name="图片 2"/>
+          <p:cNvPicPr>
+            <a:picLocks noChangeAspect="1"/>
+          </p:cNvPicPr>
+          <p:nvPr/>
+        </p:nvPicPr>
+        <p:blipFill>
+          <a:blip r:embed="rId1"/>
+          <a:stretch>
+            <a:fillRect/>
+          </a:stretch>
+        </p:blipFill>
+        <p:spPr>
+          <a:xfrm>
+            <a:off x="1074420" y="1702435"/>
+            <a:ext cx="9933305" cy="3985895"/>
+          </a:xfrm>
+          <a:prstGeom prst="rect">
+            <a:avLst/>
+          </a:prstGeom>
+        </p:spPr>
+      </p:pic>
+      <p:sp>
+        <p:nvSpPr>
+          <p:cNvPr id="6" name="文本框 5"/>
+          <p:cNvSpPr txBox="1"/>
+          <p:nvPr/>
+        </p:nvSpPr>
+        <p:spPr>
+          <a:xfrm>
+            <a:off x="5928360" y="6068060"/>
+            <a:ext cx="5271135" cy="429895"/>
+          </a:xfrm>
+          <a:prstGeom prst="rect">
+            <a:avLst/>
+          </a:prstGeom>
+          <a:noFill/>
+        </p:spPr>
+        <p:txBody>
+          <a:bodyPr wrap="square" rtlCol="0">
+            <a:spAutoFit/>
+          </a:bodyPr>
+          <a:p>
+            <a:pPr algn="l"/>
+            <a:r>
+              <a:rPr lang="zh-CN" altLang="en-US" sz="2200">
+                <a:solidFill>
+                  <a:srgbClr val="FF0000"/>
+                </a:solidFill>
+                <a:latin typeface="+mn-ea"/>
+                <a:ea typeface="+mn-ea"/>
+                <a:sym typeface="+mn-ea"/>
+              </a:rPr>
+              <a:t>参见实例</a:t>
+            </a:r>
+            <a:r>
+              <a:rPr lang="en-US" altLang="zh-CN" sz="2200">
+                <a:solidFill>
+                  <a:srgbClr val="FF0000"/>
+                </a:solidFill>
+                <a:latin typeface="+mn-ea"/>
+                <a:ea typeface="+mn-ea"/>
+                <a:sym typeface="+mn-ea"/>
+              </a:rPr>
+              <a:t>demo14</a:t>
+            </a:r>
+            <a:r>
+              <a:rPr lang="en-US" altLang="zh-CN" sz="2200">
+                <a:solidFill>
+                  <a:srgbClr val="FF0000"/>
+                </a:solidFill>
+                <a:latin typeface="+mn-ea"/>
+                <a:ea typeface="+mn-ea"/>
+              </a:rPr>
+              <a:t> </a:t>
+            </a:r>
+            <a:r>
+              <a:rPr lang="zh-CN" altLang="en-US" sz="2200" dirty="0" smtClean="0">
+                <a:solidFill>
+                  <a:srgbClr val="FF0000"/>
+                </a:solidFill>
+                <a:sym typeface="+mn-ea"/>
+              </a:rPr>
+              <a:t>关于属性特性的继承</a:t>
+            </a:r>
+            <a:endParaRPr lang="zh-CN" altLang="en-US" sz="2200" dirty="0" smtClean="0">
+              <a:solidFill>
+                <a:srgbClr val="FF0000"/>
+              </a:solidFill>
+              <a:latin typeface="+mn-ea"/>
+              <a:ea typeface="+mn-ea"/>
+              <a:sym typeface="+mn-ea"/>
+            </a:endParaRPr>
+          </a:p>
+        </p:txBody>
+      </p:sp>
+    </p:spTree>
+  </p:cSld>
+  <p:clrMapOvr>
+    <a:masterClrMapping/>
+  </p:clrMapOvr>
+  <p:timing>
+    <p:tnLst>
+      <p:par>
+        <p:cTn id="1" dur="indefinite" restart="never" fill="hold" nodeType="tmRoot">
+          <p:childTnLst>
+            <p:seq concurrent="1" nextAc="seek">
+              <p:cTn id="2" dur="indefinite" fill="hold" nodeType="mainSeq">
+                <p:childTnLst>
+                  <p:par>
+                    <p:cTn id="3" fill="hold">
+                      <p:stCondLst>
+                        <p:cond delay="indefinite"/>
+                      </p:stCondLst>
+                      <p:childTnLst>
+                        <p:par>
+                          <p:cTn id="4" fill="hold">
+                            <p:stCondLst>
+                              <p:cond delay="0"/>
+                            </p:stCondLst>
+                            <p:childTnLst>
+                              <p:par>
+                                <p:cTn id="5" presetID="2" presetClass="entr" presetSubtype="4" fill="hold" nodeType="clickEffect">
+                                  <p:stCondLst>
+                                    <p:cond delay="0"/>
+                                  </p:stCondLst>
+                                  <p:childTnLst>
+                                    <p:set>
+                                      <p:cBhvr>
+                                        <p:cTn id="6" dur="1" fill="hold">
+                                          <p:stCondLst>
+                                            <p:cond delay="0"/>
+                                          </p:stCondLst>
+                                        </p:cTn>
+                                        <p:tgtEl>
+                                          <p:spTgt spid="11266">
+                                            <p:txEl>
+                                              <p:pRg st="0" end="0"/>
+                                            </p:txEl>
+                                          </p:spTgt>
+                                        </p:tgtEl>
+                                        <p:attrNameLst>
+                                          <p:attrName>style.visibility</p:attrName>
+                                        </p:attrNameLst>
+                                      </p:cBhvr>
+                                      <p:to>
+                                        <p:strVal val="visible"/>
+                                      </p:to>
+                                    </p:set>
+                                    <p:anim calcmode="lin" valueType="num">
+                                      <p:cBhvr additive="base">
+                                        <p:cTn id="7" dur="500" fill="hold"/>
+                                        <p:tgtEl>
+                                          <p:spTgt spid="11266">
+                                            <p:txEl>
+                                              <p:pRg st="0" end="0"/>
+                                            </p:txEl>
+                                          </p:spTgt>
+                                        </p:tgtEl>
+                                        <p:attrNameLst>
+                                          <p:attrName>ppt_x</p:attrName>
+                                        </p:attrNameLst>
+                                      </p:cBhvr>
+                                      <p:tavLst>
+                                        <p:tav tm="0">
+                                          <p:val>
+                                            <p:strVal val="#ppt_x"/>
+                                          </p:val>
+                                        </p:tav>
+                                        <p:tav tm="100000">
+                                          <p:val>
+                                            <p:strVal val="#ppt_x"/>
+                                          </p:val>
+                                        </p:tav>
+                                      </p:tavLst>
+                                    </p:anim>
+                                    <p:anim calcmode="lin" valueType="num">
+                                      <p:cBhvr additive="base">
+                                        <p:cTn id="8" dur="500" fill="hold"/>
+                                        <p:tgtEl>
+                                          <p:spTgt spid="11266">
+                                            <p:txEl>
+                                              <p:pRg st="0" end="0"/>
+                                            </p:txEl>
+                                          </p:spTgt>
+                                        </p:tgtEl>
+                                        <p:attrNameLst>
+                                          <p:attrName>ppt_y</p:attrName>
+                                        </p:attrNameLst>
+                                      </p:cBhvr>
+                                      <p:tavLst>
+                                        <p:tav tm="0">
+                                          <p:val>
+                                            <p:strVal val="1+#ppt_h/2"/>
+                                          </p:val>
+                                        </p:tav>
+                                        <p:tav tm="100000">
+                                          <p:val>
+                                            <p:strVal val="#ppt_y"/>
+                                          </p:val>
+                                        </p:tav>
+                                      </p:tavLst>
+                                    </p:anim>
+                                  </p:childTnLst>
+                                </p:cTn>
+                              </p:par>
+                            </p:childTnLst>
+                          </p:cTn>
+                        </p:par>
+                        <p:par>
+                          <p:cTn id="9" fill="hold">
+                            <p:stCondLst>
+                              <p:cond delay="500"/>
+                            </p:stCondLst>
+                            <p:childTnLst>
+                              <p:par>
+                                <p:cTn id="10" presetID="2" presetClass="entr" presetSubtype="4" fill="hold" nodeType="afterEffect">
+                                  <p:stCondLst>
+                                    <p:cond delay="0"/>
+                                  </p:stCondLst>
+                                  <p:childTnLst>
+                                    <p:set>
+                                      <p:cBhvr>
+                                        <p:cTn id="11" dur="1" fill="hold">
+                                          <p:stCondLst>
+                                            <p:cond delay="0"/>
+                                          </p:stCondLst>
+                                        </p:cTn>
+                                        <p:tgtEl>
+                                          <p:spTgt spid="3"/>
+                                        </p:tgtEl>
+                                        <p:attrNameLst>
+                                          <p:attrName>style.visibility</p:attrName>
+                                        </p:attrNameLst>
+                                      </p:cBhvr>
+                                      <p:to>
+                                        <p:strVal val="visible"/>
+                                      </p:to>
+                                    </p:set>
+                                    <p:anim calcmode="lin" valueType="num">
+                                      <p:cBhvr additive="base">
+                                        <p:cTn id="12" dur="500" fill="hold"/>
+                                        <p:tgtEl>
+                                          <p:spTgt spid="3"/>
+                                        </p:tgtEl>
+                                        <p:attrNameLst>
+                                          <p:attrName>ppt_x</p:attrName>
+                                        </p:attrNameLst>
+                                      </p:cBhvr>
+                                      <p:tavLst>
+                                        <p:tav tm="0">
+                                          <p:val>
+                                            <p:strVal val="#ppt_x"/>
+                                          </p:val>
+                                        </p:tav>
+                                        <p:tav tm="100000">
+                                          <p:val>
+                                            <p:strVal val="#ppt_x"/>
+                                          </p:val>
+                                        </p:tav>
+                                      </p:tavLst>
+                                    </p:anim>
+                                    <p:anim calcmode="lin" valueType="num">
+                                      <p:cBhvr additive="base">
+                                        <p:cTn id="13" dur="500" fill="hold"/>
+                                        <p:tgtEl>
+                                          <p:spTgt spid="3"/>
+                                        </p:tgtEl>
+                                        <p:attrNameLst>
+                                          <p:attrName>ppt_y</p:attrName>
+                                        </p:attrNameLst>
+                                      </p:cBhvr>
+                                      <p:tavLst>
+                                        <p:tav tm="0">
+                                          <p:val>
+                                            <p:strVal val="1+#ppt_h/2"/>
+                                          </p:val>
+                                        </p:tav>
+                                        <p:tav tm="100000">
+                                          <p:val>
+                                            <p:strVal val="#ppt_y"/>
+                                          </p:val>
+                                        </p:tav>
+                                      </p:tavLst>
+                                    </p:anim>
+                                  </p:childTnLst>
+                                </p:cTn>
+                              </p:par>
+                            </p:childTnLst>
+                          </p:cTn>
+                        </p:par>
+                        <p:par>
+                          <p:cTn id="14" fill="hold">
+                            <p:stCondLst>
+                              <p:cond delay="1000"/>
+                            </p:stCondLst>
+                            <p:childTnLst>
+                              <p:par>
+                                <p:cTn id="15" presetID="2" presetClass="entr" presetSubtype="4" fill="hold" grpId="0" nodeType="afterEffect">
+                                  <p:stCondLst>
+                                    <p:cond delay="0"/>
+                                  </p:stCondLst>
+                                  <p:childTnLst>
+                                    <p:set>
+                                      <p:cBhvr>
+                                        <p:cTn id="16" dur="1" fill="hold">
+                                          <p:stCondLst>
+                                            <p:cond delay="0"/>
+                                          </p:stCondLst>
+                                        </p:cTn>
+                                        <p:tgtEl>
+                                          <p:spTgt spid="6"/>
+                                        </p:tgtEl>
+                                        <p:attrNameLst>
+                                          <p:attrName>style.visibility</p:attrName>
+                                        </p:attrNameLst>
+                                      </p:cBhvr>
+                                      <p:to>
+                                        <p:strVal val="visible"/>
+                                      </p:to>
+                                    </p:set>
+                                    <p:anim calcmode="lin" valueType="num">
+                                      <p:cBhvr additive="base">
+                                        <p:cTn id="17" dur="500" fill="hold"/>
+                                        <p:tgtEl>
+                                          <p:spTgt spid="6"/>
+                                        </p:tgtEl>
+                                        <p:attrNameLst>
+                                          <p:attrName>ppt_x</p:attrName>
+                                        </p:attrNameLst>
+                                      </p:cBhvr>
+                                      <p:tavLst>
+                                        <p:tav tm="0">
+                                          <p:val>
+                                            <p:strVal val="#ppt_x"/>
+                                          </p:val>
+                                        </p:tav>
+                                        <p:tav tm="100000">
+                                          <p:val>
+                                            <p:strVal val="#ppt_x"/>
+                                          </p:val>
+                                        </p:tav>
+                                      </p:tavLst>
+                                    </p:anim>
+                                    <p:anim calcmode="lin" valueType="num">
+                                      <p:cBhvr additive="base">
+                                        <p:cTn id="18" dur="500" fill="hold"/>
+                                        <p:tgtEl>
+                                          <p:spTgt spid="6"/>
+                                        </p:tgtEl>
+                                        <p:attrNameLst>
+                                          <p:attrName>ppt_y</p:attrName>
+                                        </p:attrNameLst>
+                                      </p:cBhvr>
+                                      <p:tavLst>
+                                        <p:tav tm="0">
+                                          <p:val>
+                                            <p:strVal val="1+#ppt_h/2"/>
+                                          </p:val>
+                                        </p:tav>
+                                        <p:tav tm="100000">
+                                          <p:val>
+                                            <p:strVal val="#ppt_y"/>
+                                          </p:val>
+                                        </p:tav>
+                                      </p:tavLst>
+                                    </p:anim>
+                                  </p:childTnLst>
+                                </p:cTn>
+                              </p:par>
+                            </p:childTnLst>
+                          </p:cTn>
+                        </p:par>
+                      </p:childTnLst>
+                    </p:cTn>
+                  </p:par>
+                </p:childTnLst>
+              </p:cTn>
+              <p:prevCondLst>
+                <p:cond evt="onPrev" delay="0">
+                  <p:tgtEl>
+                    <p:sldTgt/>
+                  </p:tgtEl>
+                </p:cond>
+              </p:prevCondLst>
+              <p:nextCondLst>
+                <p:cond evt="onNext" delay="0">
+                  <p:tgtEl>
+                    <p:sldTgt/>
+                  </p:tgtEl>
+                </p:cond>
+              </p:nextCondLst>
+            </p:seq>
+          </p:childTnLst>
+        </p:cTn>
+      </p:par>
+    </p:tnLst>
+    <p:bldLst>
+      <p:bldP spid="6" grpId="0"/>
+    </p:bldLst>
+  </p:timing>
+</p:sld>
+</file>
+
+<file path=ppt/slides/slide3.xml><?xml version="1.0" encoding="utf-8"?>
+<p:sld xmlns:a="http://schemas.openxmlformats.org/drawingml/2006/main" xmlns:r="http://schemas.openxmlformats.org/officeDocument/2006/relationships" xmlns:p="http://schemas.openxmlformats.org/presentationml/2006/main">
+  <p:cSld>
+    <p:spTree>
+      <p:nvGrpSpPr>
+        <p:cNvPr id="1" name=""/>
+        <p:cNvGrpSpPr/>
+        <p:nvPr/>
+      </p:nvGrpSpPr>
+      <p:grpSpPr>
+        <a:xfrm>
+          <a:off x="0" y="0"/>
+          <a:ext cx="0" cy="0"/>
+          <a:chOff x="0" y="0"/>
+          <a:chExt cx="0" cy="0"/>
+        </a:xfrm>
+      </p:grpSpPr>
+      <p:sp>
+        <p:nvSpPr>
+          <p:cNvPr id="5123" name="AutoShape 6"/>
+          <p:cNvSpPr>
+            <a:spLocks noChangeArrowheads="1"/>
+          </p:cNvSpPr>
+          <p:nvPr/>
+        </p:nvSpPr>
+        <p:spPr bwMode="auto">
+          <a:xfrm>
+            <a:off x="2566988" y="1339851"/>
+            <a:ext cx="6711950" cy="4214813"/>
+          </a:xfrm>
+          <a:prstGeom prst="roundRect">
+            <a:avLst>
+              <a:gd name="adj" fmla="val 16667"/>
+            </a:avLst>
+          </a:prstGeom>
+          <a:noFill/>
+          <a:ln w="28575">
+            <a:solidFill>
+              <a:srgbClr val="C0C0C0"/>
+            </a:solidFill>
+            <a:prstDash val="sysDot"/>
+            <a:round/>
+          </a:ln>
+          <a:extLst>
+            <a:ext uri="{909E8E84-426E-40DD-AFC4-6F175D3DCCD1}">
+              <a14:hiddenFill xmlns:a14="http://schemas.microsoft.com/office/drawing/2010/main">
+                <a:solidFill>
+                  <a:srgbClr val="FFFFFF"/>
+                </a:solidFill>
+              </a14:hiddenFill>
+            </a:ext>
+          </a:extLst>
+        </p:spPr>
+        <p:txBody>
+          <a:bodyPr wrap="none" anchor="ctr"/>
+          <a:lstStyle>
+            <a:lvl1pPr marL="457200" indent="-457200">
+              <a:defRPr sz="3200">
+                <a:solidFill>
+                  <a:schemeClr val="tx1"/>
+                </a:solidFill>
+                <a:latin typeface="Arial" panose="020B0604020202020204" pitchFamily="34" charset="0"/>
+                <a:ea typeface="微软雅黑" panose="020B0503020204020204" pitchFamily="34" charset="-122"/>
+              </a:defRPr>
+            </a:lvl1pPr>
+            <a:lvl2pPr marL="742950" indent="-285750">
+              <a:defRPr sz="3200">
+                <a:solidFill>
+                  <a:schemeClr val="tx1"/>
+                </a:solidFill>
+                <a:latin typeface="Arial" panose="020B0604020202020204" pitchFamily="34" charset="0"/>
+                <a:ea typeface="微软雅黑" panose="020B0503020204020204" pitchFamily="34" charset="-122"/>
+              </a:defRPr>
+            </a:lvl2pPr>
+            <a:lvl3pPr marL="1143000" indent="-228600">
+              <a:defRPr sz="3200">
+                <a:solidFill>
+                  <a:schemeClr val="tx1"/>
+                </a:solidFill>
+                <a:latin typeface="Arial" panose="020B0604020202020204" pitchFamily="34" charset="0"/>
+                <a:ea typeface="微软雅黑" panose="020B0503020204020204" pitchFamily="34" charset="-122"/>
+              </a:defRPr>
+            </a:lvl3pPr>
+            <a:lvl4pPr marL="1600200" indent="-228600">
+              <a:defRPr sz="3200">
+                <a:solidFill>
+                  <a:schemeClr val="tx1"/>
+                </a:solidFill>
+                <a:latin typeface="Arial" panose="020B0604020202020204" pitchFamily="34" charset="0"/>
+                <a:ea typeface="微软雅黑" panose="020B0503020204020204" pitchFamily="34" charset="-122"/>
+              </a:defRPr>
+            </a:lvl4pPr>
+            <a:lvl5pPr marL="2057400" indent="-228600">
+              <a:defRPr sz="3200">
+                <a:solidFill>
+                  <a:schemeClr val="tx1"/>
+                </a:solidFill>
+                <a:latin typeface="Arial" panose="020B0604020202020204" pitchFamily="34" charset="0"/>
+                <a:ea typeface="微软雅黑" panose="020B0503020204020204" pitchFamily="34" charset="-122"/>
+              </a:defRPr>
+            </a:lvl5pPr>
+            <a:lvl6pPr marL="2514600" indent="-228600" eaLnBrk="0" fontAlgn="base" hangingPunct="0">
+              <a:spcBef>
+                <a:spcPct val="0"/>
+              </a:spcBef>
+              <a:spcAft>
+                <a:spcPct val="0"/>
+              </a:spcAft>
+              <a:defRPr sz="3200">
+                <a:solidFill>
+                  <a:schemeClr val="tx1"/>
+                </a:solidFill>
+                <a:latin typeface="Arial" panose="020B0604020202020204" pitchFamily="34" charset="0"/>
+                <a:ea typeface="微软雅黑" panose="020B0503020204020204" pitchFamily="34" charset="-122"/>
+              </a:defRPr>
+            </a:lvl6pPr>
+            <a:lvl7pPr marL="2971800" indent="-228600" eaLnBrk="0" fontAlgn="base" hangingPunct="0">
+              <a:spcBef>
+                <a:spcPct val="0"/>
+              </a:spcBef>
+              <a:spcAft>
+                <a:spcPct val="0"/>
+              </a:spcAft>
+              <a:defRPr sz="3200">
+                <a:solidFill>
+                  <a:schemeClr val="tx1"/>
+                </a:solidFill>
+                <a:latin typeface="Arial" panose="020B0604020202020204" pitchFamily="34" charset="0"/>
+                <a:ea typeface="微软雅黑" panose="020B0503020204020204" pitchFamily="34" charset="-122"/>
+              </a:defRPr>
+            </a:lvl7pPr>
+            <a:lvl8pPr marL="3429000" indent="-228600" eaLnBrk="0" fontAlgn="base" hangingPunct="0">
+              <a:spcBef>
+                <a:spcPct val="0"/>
+              </a:spcBef>
+              <a:spcAft>
+                <a:spcPct val="0"/>
+              </a:spcAft>
+              <a:defRPr sz="3200">
+                <a:solidFill>
+                  <a:schemeClr val="tx1"/>
+                </a:solidFill>
+                <a:latin typeface="Arial" panose="020B0604020202020204" pitchFamily="34" charset="0"/>
+                <a:ea typeface="微软雅黑" panose="020B0503020204020204" pitchFamily="34" charset="-122"/>
+              </a:defRPr>
+            </a:lvl8pPr>
+            <a:lvl9pPr marL="3886200" indent="-228600" eaLnBrk="0" fontAlgn="base" hangingPunct="0">
+              <a:spcBef>
+                <a:spcPct val="0"/>
+              </a:spcBef>
+              <a:spcAft>
+                <a:spcPct val="0"/>
+              </a:spcAft>
+              <a:defRPr sz="3200">
+                <a:solidFill>
+                  <a:schemeClr val="tx1"/>
+                </a:solidFill>
+                <a:latin typeface="Arial" panose="020B0604020202020204" pitchFamily="34" charset="0"/>
+                <a:ea typeface="微软雅黑" panose="020B0503020204020204" pitchFamily="34" charset="-122"/>
+              </a:defRPr>
+            </a:lvl9pPr>
+          </a:lstStyle>
+          <a:p>
+            <a:pPr algn="l">
+              <a:lnSpc>
+                <a:spcPct val="150000"/>
+              </a:lnSpc>
+              <a:spcBef>
+                <a:spcPts val="1200"/>
+              </a:spcBef>
+              <a:spcAft>
+                <a:spcPts val="1200"/>
+              </a:spcAft>
+              <a:buClr>
+                <a:srgbClr val="92D050"/>
+              </a:buClr>
+              <a:buFont typeface="Wingdings" panose="05000000000000000000" pitchFamily="2" charset="2"/>
+              <a:buChar char="Ø"/>
+            </a:pPr>
+            <a:r>
+              <a:rPr lang="en-US" altLang="zh-CN" sz="2800" b="1">
+                <a:solidFill>
+                  <a:srgbClr val="FF0000"/>
+                </a:solidFill>
+              </a:rPr>
+              <a:t>JS</a:t>
+            </a:r>
+            <a:r>
+              <a:rPr lang="zh-CN" altLang="en-US" sz="2800" b="1">
+                <a:solidFill>
+                  <a:srgbClr val="FF0000"/>
+                </a:solidFill>
+              </a:rPr>
+              <a:t>对象简介</a:t>
+            </a:r>
+            <a:endParaRPr lang="zh-CN" altLang="en-US" sz="2800" b="1"/>
+          </a:p>
+          <a:p>
+            <a:pPr algn="l">
+              <a:lnSpc>
+                <a:spcPct val="150000"/>
+              </a:lnSpc>
+              <a:spcBef>
+                <a:spcPts val="1200"/>
+              </a:spcBef>
+              <a:spcAft>
+                <a:spcPts val="1200"/>
+              </a:spcAft>
+              <a:buClr>
+                <a:srgbClr val="92D050"/>
+              </a:buClr>
+              <a:buFont typeface="Wingdings" panose="05000000000000000000" pitchFamily="2" charset="2"/>
+              <a:buChar char="Ø"/>
+            </a:pPr>
+            <a:r>
+              <a:rPr lang="en-US" altLang="zh-CN" sz="2800" b="1">
+                <a:sym typeface="+mn-ea"/>
+              </a:rPr>
+              <a:t>JS</a:t>
+            </a:r>
+            <a:r>
+              <a:rPr lang="zh-CN" altLang="en-US" sz="2800" b="1">
+                <a:sym typeface="+mn-ea"/>
+              </a:rPr>
+              <a:t>对象的属性</a:t>
+            </a:r>
+            <a:endParaRPr lang="zh-CN" altLang="en-US" sz="2800" b="1">
+              <a:sym typeface="+mn-ea"/>
+            </a:endParaRPr>
+          </a:p>
+          <a:p>
+            <a:pPr algn="l">
+              <a:lnSpc>
+                <a:spcPct val="150000"/>
+              </a:lnSpc>
+              <a:spcBef>
+                <a:spcPts val="1200"/>
+              </a:spcBef>
+              <a:spcAft>
+                <a:spcPts val="1200"/>
+              </a:spcAft>
+              <a:buClr>
+                <a:srgbClr val="92D050"/>
+              </a:buClr>
+              <a:buFont typeface="Wingdings" panose="05000000000000000000" pitchFamily="2" charset="2"/>
+              <a:buChar char="Ø"/>
+            </a:pPr>
+            <a:r>
+              <a:rPr lang="en-US" altLang="zh-CN" sz="2800" b="1">
+                <a:sym typeface="+mn-ea"/>
+              </a:rPr>
+              <a:t>JS</a:t>
+            </a:r>
+            <a:r>
+              <a:rPr lang="zh-CN" altLang="en-US" sz="2800" b="1">
+                <a:sym typeface="+mn-ea"/>
+              </a:rPr>
+              <a:t>对象相关操作</a:t>
+            </a:r>
+            <a:endParaRPr lang="en-US" altLang="zh-CN" sz="2800" b="1"/>
+          </a:p>
+        </p:txBody>
+      </p:sp>
+      <p:sp>
+        <p:nvSpPr>
+          <p:cNvPr id="4" name="内容占位符 3"/>
+          <p:cNvSpPr txBox="1"/>
+          <p:nvPr/>
+        </p:nvSpPr>
+        <p:spPr>
+          <a:xfrm>
+            <a:off x="981657" y="236943"/>
+            <a:ext cx="8191557" cy="490476"/>
+          </a:xfrm>
+          <a:prstGeom prst="rect">
+            <a:avLst/>
+          </a:prstGeom>
+        </p:spPr>
+        <p:txBody>
+          <a:bodyPr/>
+          <a:lstStyle>
+            <a:lvl1pPr marL="167005" indent="-167005" algn="l" defTabSz="0" rtl="0" eaLnBrk="0" fontAlgn="base" hangingPunct="0">
+              <a:spcBef>
+                <a:spcPct val="0"/>
+              </a:spcBef>
+              <a:spcAft>
+                <a:spcPct val="15000"/>
+              </a:spcAft>
+              <a:buClr>
+                <a:schemeClr val="tx2"/>
+              </a:buClr>
+              <a:buFont typeface="Arial" panose="020B0604020202020204" pitchFamily="34" charset="0"/>
+              <a:buChar char="•"/>
+              <a:defRPr kumimoji="1" sz="1600">
+                <a:solidFill>
+                  <a:srgbClr val="006F53"/>
+                </a:solidFill>
+                <a:latin typeface="微软雅黑" panose="020B0503020204020204" pitchFamily="34" charset="-122"/>
+                <a:ea typeface="微软雅黑" panose="020B0503020204020204" pitchFamily="34" charset="-122"/>
+                <a:cs typeface="微软雅黑" panose="020B0503020204020204" pitchFamily="34" charset="-122"/>
+              </a:defRPr>
+            </a:lvl1pPr>
+            <a:lvl2pPr marL="398780" indent="-230505" algn="l" defTabSz="0" rtl="0" eaLnBrk="0" fontAlgn="base" hangingPunct="0">
+              <a:spcBef>
+                <a:spcPct val="0"/>
+              </a:spcBef>
+              <a:spcAft>
+                <a:spcPct val="15000"/>
+              </a:spcAft>
+              <a:buClr>
+                <a:schemeClr val="tx2"/>
+              </a:buClr>
+              <a:buFont typeface="Arial" panose="020B0604020202020204" pitchFamily="34" charset="0"/>
+              <a:buChar char="–"/>
+              <a:defRPr kumimoji="1" sz="2800">
+                <a:solidFill>
+                  <a:schemeClr val="bg2"/>
+                </a:solidFill>
+                <a:latin typeface="微软雅黑" panose="020B0503020204020204" pitchFamily="34" charset="-122"/>
+                <a:ea typeface="微软雅黑" panose="020B0503020204020204" pitchFamily="34" charset="-122"/>
+                <a:cs typeface="微软雅黑" panose="020B0503020204020204" pitchFamily="34" charset="-122"/>
+              </a:defRPr>
+            </a:lvl2pPr>
+            <a:lvl3pPr marL="400050" indent="182880" algn="l" defTabSz="0" rtl="0" eaLnBrk="0" fontAlgn="base" hangingPunct="0">
+              <a:spcBef>
+                <a:spcPct val="0"/>
+              </a:spcBef>
+              <a:spcAft>
+                <a:spcPct val="15000"/>
+              </a:spcAft>
+              <a:buClr>
+                <a:schemeClr val="tx2"/>
+              </a:buClr>
+              <a:buFont typeface="Arial" panose="020B0604020202020204" pitchFamily="34" charset="0"/>
+              <a:buChar char="•"/>
+              <a:defRPr kumimoji="1" sz="1600">
+                <a:solidFill>
+                  <a:schemeClr val="bg2"/>
+                </a:solidFill>
+                <a:latin typeface="微软雅黑" panose="020B0503020204020204" pitchFamily="34" charset="-122"/>
+                <a:ea typeface="微软雅黑" panose="020B0503020204020204" pitchFamily="34" charset="-122"/>
+                <a:cs typeface="微软雅黑" panose="020B0503020204020204" pitchFamily="34" charset="-122"/>
+              </a:defRPr>
+            </a:lvl3pPr>
+            <a:lvl4pPr marL="825500" indent="-241300" algn="l" defTabSz="0" rtl="0" eaLnBrk="0" fontAlgn="base" hangingPunct="0">
+              <a:spcBef>
+                <a:spcPct val="0"/>
+              </a:spcBef>
+              <a:spcAft>
+                <a:spcPct val="15000"/>
+              </a:spcAft>
+              <a:buClr>
+                <a:schemeClr val="tx2"/>
+              </a:buClr>
+              <a:buFont typeface="Arial" panose="020B0604020202020204" pitchFamily="34" charset="0"/>
+              <a:buChar char="–"/>
+              <a:defRPr kumimoji="1" sz="1600">
+                <a:solidFill>
+                  <a:schemeClr val="bg2"/>
+                </a:solidFill>
+                <a:latin typeface="微软雅黑" panose="020B0503020204020204" pitchFamily="34" charset="-122"/>
+                <a:ea typeface="微软雅黑" panose="020B0503020204020204" pitchFamily="34" charset="-122"/>
+                <a:cs typeface="微软雅黑" panose="020B0503020204020204" pitchFamily="34" charset="-122"/>
+              </a:defRPr>
+            </a:lvl4pPr>
+            <a:lvl5pPr marL="2057400" indent="-228600" algn="l" defTabSz="0" rtl="0" eaLnBrk="0" fontAlgn="base" hangingPunct="0">
+              <a:spcBef>
+                <a:spcPct val="0"/>
+              </a:spcBef>
+              <a:spcAft>
+                <a:spcPct val="25000"/>
+              </a:spcAft>
+              <a:buClr>
+                <a:schemeClr val="tx2"/>
+              </a:buClr>
+              <a:buFont typeface="Arial" panose="020B0604020202020204" pitchFamily="34" charset="0"/>
+              <a:buChar char="–"/>
+              <a:defRPr kumimoji="1" sz="2000">
+                <a:solidFill>
+                  <a:schemeClr val="tx1"/>
+                </a:solidFill>
+                <a:latin typeface="+mn-lt"/>
+                <a:ea typeface="微软雅黑" panose="020B0503020204020204" pitchFamily="34" charset="-122"/>
+                <a:cs typeface="微软雅黑" panose="020B0503020204020204" pitchFamily="34" charset="-122"/>
+              </a:defRPr>
+            </a:lvl5pPr>
+            <a:lvl6pPr marL="2514600" indent="-228600" algn="l" defTabSz="0" rtl="0" eaLnBrk="0" fontAlgn="base" hangingPunct="0">
+              <a:spcBef>
+                <a:spcPct val="0"/>
+              </a:spcBef>
+              <a:spcAft>
+                <a:spcPct val="25000"/>
+              </a:spcAft>
+              <a:buClr>
+                <a:schemeClr val="tx2"/>
+              </a:buClr>
+              <a:buFont typeface="Arial" panose="020B0604020202020204" pitchFamily="34" charset="0"/>
+              <a:buChar char="–"/>
+              <a:defRPr>
+                <a:solidFill>
+                  <a:schemeClr val="tx1"/>
+                </a:solidFill>
+                <a:latin typeface="+mn-lt"/>
+              </a:defRPr>
+            </a:lvl6pPr>
+            <a:lvl7pPr marL="2971800" indent="-228600" algn="l" defTabSz="0" rtl="0" eaLnBrk="0" fontAlgn="base" hangingPunct="0">
+              <a:spcBef>
+                <a:spcPct val="0"/>
+              </a:spcBef>
+              <a:spcAft>
+                <a:spcPct val="25000"/>
+              </a:spcAft>
+              <a:buClr>
+                <a:schemeClr val="tx2"/>
+              </a:buClr>
+              <a:buFont typeface="Arial" panose="020B0604020202020204" pitchFamily="34" charset="0"/>
+              <a:buChar char="–"/>
+              <a:defRPr>
+                <a:solidFill>
+                  <a:schemeClr val="tx1"/>
+                </a:solidFill>
+                <a:latin typeface="+mn-lt"/>
+              </a:defRPr>
+            </a:lvl7pPr>
+            <a:lvl8pPr marL="3429000" indent="-228600" algn="l" defTabSz="0" rtl="0" eaLnBrk="0" fontAlgn="base" hangingPunct="0">
+              <a:spcBef>
+                <a:spcPct val="0"/>
+              </a:spcBef>
+              <a:spcAft>
+                <a:spcPct val="25000"/>
+              </a:spcAft>
+              <a:buClr>
+                <a:schemeClr val="tx2"/>
+              </a:buClr>
+              <a:buFont typeface="Arial" panose="020B0604020202020204" pitchFamily="34" charset="0"/>
+              <a:buChar char="–"/>
+              <a:defRPr>
+                <a:solidFill>
+                  <a:schemeClr val="tx1"/>
+                </a:solidFill>
+                <a:latin typeface="+mn-lt"/>
+              </a:defRPr>
+            </a:lvl8pPr>
+            <a:lvl9pPr marL="3886200" indent="-228600" algn="l" defTabSz="0" rtl="0" eaLnBrk="0" fontAlgn="base" hangingPunct="0">
+              <a:spcBef>
+                <a:spcPct val="0"/>
+              </a:spcBef>
+              <a:spcAft>
+                <a:spcPct val="25000"/>
+              </a:spcAft>
+              <a:buClr>
+                <a:schemeClr val="tx2"/>
+              </a:buClr>
+              <a:buFont typeface="Arial" panose="020B0604020202020204" pitchFamily="34" charset="0"/>
+              <a:buChar char="–"/>
+              <a:defRPr>
+                <a:solidFill>
+                  <a:schemeClr val="tx1"/>
+                </a:solidFill>
+                <a:latin typeface="+mn-lt"/>
+              </a:defRPr>
+            </a:lvl9pPr>
+          </a:lstStyle>
+          <a:p>
+            <a:pPr marL="0" indent="0">
+              <a:buNone/>
+            </a:pPr>
+            <a:r>
+              <a:rPr lang="zh-CN" altLang="en-US" sz="3200" dirty="0" smtClean="0">
+                <a:solidFill>
+                  <a:srgbClr val="C00000"/>
+                </a:solidFill>
+                <a:cs typeface="+mn-cs"/>
+                <a:sym typeface="+mn-ea"/>
+              </a:rPr>
+              <a:t>内容提纲</a:t>
+            </a:r>
+            <a:endParaRPr lang="zh-CN" altLang="en-US" kern="0" dirty="0"/>
+          </a:p>
+        </p:txBody>
+      </p:sp>
     </p:spTree>
   </p:cSld>
   <p:clrMapOvr>
@@ -18852,7 +20027,1287 @@
 </p:sld>
 </file>
 
-<file path=ppt/slides/slide29.xml><?xml version="1.0" encoding="utf-8"?>
+<file path=ppt/slides/slide30.xml><?xml version="1.0" encoding="utf-8"?>
+<p:sld xmlns:a="http://schemas.openxmlformats.org/drawingml/2006/main" xmlns:r="http://schemas.openxmlformats.org/officeDocument/2006/relationships" xmlns:p="http://schemas.openxmlformats.org/presentationml/2006/main">
+  <p:cSld>
+    <p:spTree>
+      <p:nvGrpSpPr>
+        <p:cNvPr id="1" name=""/>
+        <p:cNvGrpSpPr/>
+        <p:nvPr/>
+      </p:nvGrpSpPr>
+      <p:grpSpPr>
+        <a:xfrm>
+          <a:off x="0" y="0"/>
+          <a:ext cx="0" cy="0"/>
+          <a:chOff x="0" y="0"/>
+          <a:chExt cx="0" cy="0"/>
+        </a:xfrm>
+      </p:grpSpPr>
+      <p:sp>
+        <p:nvSpPr>
+          <p:cNvPr id="11266" name="内容占位符 1"/>
+          <p:cNvSpPr>
+            <a:spLocks noGrp="1"/>
+          </p:cNvSpPr>
+          <p:nvPr>
+            <p:ph sz="quarter" idx="10"/>
+          </p:nvPr>
+        </p:nvSpPr>
+        <p:spPr bwMode="auto">
+          <a:xfrm>
+            <a:off x="732155" y="940435"/>
+            <a:ext cx="11117580" cy="5115560"/>
+          </a:xfrm>
+          <a:noFill/>
+          <a:extLst>
+            <a:ext uri="{909E8E84-426E-40DD-AFC4-6F175D3DCCD1}">
+              <a14:hiddenFill xmlns:a14="http://schemas.microsoft.com/office/drawing/2010/main">
+                <a:solidFill>
+                  <a:srgbClr val="FFFFFF"/>
+                </a:solidFill>
+              </a14:hiddenFill>
+            </a:ext>
+            <a:ext uri="{91240B29-F687-4F45-9708-019B960494DF}">
+              <a14:hiddenLine xmlns:a14="http://schemas.microsoft.com/office/drawing/2010/main" w="9525">
+                <a:solidFill>
+                  <a:srgbClr val="000000"/>
+                </a:solidFill>
+                <a:miter lim="800000"/>
+                <a:headEnd/>
+                <a:tailEnd/>
+              </a14:hiddenLine>
+            </a:ext>
+          </a:extLst>
+        </p:spPr>
+        <p:txBody>
+          <a:bodyPr vert="horz" wrap="square" lIns="91440" tIns="45720" rIns="91440" bIns="45720" numCol="1" anchor="t" anchorCtr="0" compatLnSpc="1"/>
+          <a:lstStyle/>
+          <a:p>
+            <a:pPr>
+              <a:lnSpc>
+                <a:spcPct val="130000"/>
+              </a:lnSpc>
+            </a:pPr>
+            <a:r>
+              <a:rPr kumimoji="0" lang="en-US" sz="3200" dirty="0" smtClean="0">
+                <a:solidFill>
+                  <a:schemeClr val="tx1"/>
+                </a:solidFill>
+                <a:sym typeface="+mn-ea"/>
+              </a:rPr>
+              <a:t>Object</a:t>
+            </a:r>
+            <a:r>
+              <a:rPr kumimoji="0" lang="zh-CN" altLang="en-US" sz="3200" dirty="0" smtClean="0">
+                <a:solidFill>
+                  <a:schemeClr val="tx1"/>
+                </a:solidFill>
+                <a:sym typeface="+mn-ea"/>
+              </a:rPr>
+              <a:t>相关方法</a:t>
+            </a:r>
+            <a:br>
+              <a:rPr kumimoji="0" lang="zh-CN" altLang="en-US" sz="2000" dirty="0" smtClean="0">
+                <a:solidFill>
+                  <a:schemeClr val="tx1"/>
+                </a:solidFill>
+                <a:sym typeface="+mn-ea"/>
+              </a:rPr>
+            </a:br>
+            <a:r>
+              <a:rPr kumimoji="0" lang="en-US" altLang="zh-CN" sz="2000" dirty="0" smtClean="0">
+                <a:solidFill>
+                  <a:schemeClr val="tx1"/>
+                </a:solidFill>
+                <a:sym typeface="+mn-ea"/>
+              </a:rPr>
+              <a:t>- Object.keys</a:t>
+            </a:r>
+            <a:br>
+              <a:rPr kumimoji="0" lang="en-US" altLang="zh-CN" sz="2000" dirty="0" smtClean="0">
+                <a:solidFill>
+                  <a:schemeClr val="tx1"/>
+                </a:solidFill>
+                <a:sym typeface="+mn-ea"/>
+              </a:rPr>
+            </a:br>
+            <a:r>
+              <a:rPr kumimoji="0" lang="en-US" altLang="zh-CN" sz="2000" dirty="0" smtClean="0">
+                <a:solidFill>
+                  <a:schemeClr val="tx1"/>
+                </a:solidFill>
+                <a:sym typeface="+mn-ea"/>
+              </a:rPr>
+              <a:t>- Object.prototype.</a:t>
+            </a:r>
+            <a:r>
+              <a:rPr kumimoji="0" lang="zh-CN" altLang="en-US" sz="2000" dirty="0" smtClean="0">
+                <a:solidFill>
+                  <a:schemeClr val="tx1"/>
+                </a:solidFill>
+                <a:sym typeface="+mn-ea"/>
+              </a:rPr>
+              <a:t>hasOwnProperty</a:t>
+            </a:r>
+            <a:br>
+              <a:rPr kumimoji="0" lang="zh-CN" altLang="en-US" sz="2000" dirty="0" smtClean="0">
+                <a:solidFill>
+                  <a:schemeClr val="tx1"/>
+                </a:solidFill>
+                <a:sym typeface="+mn-ea"/>
+              </a:rPr>
+            </a:br>
+            <a:r>
+              <a:rPr kumimoji="0" lang="en-US" altLang="zh-CN" sz="2000" dirty="0" smtClean="0">
+                <a:solidFill>
+                  <a:schemeClr val="tx1"/>
+                </a:solidFill>
+                <a:sym typeface="+mn-ea"/>
+              </a:rPr>
+              <a:t>- Object.prototype.propertyIsEnumerable</a:t>
+            </a:r>
+            <a:r>
+              <a:rPr kumimoji="0" lang="zh-CN" altLang="en-US" sz="2000" dirty="0" smtClean="0">
+                <a:solidFill>
+                  <a:schemeClr val="tx1"/>
+                </a:solidFill>
+                <a:sym typeface="+mn-ea"/>
+              </a:rPr>
+              <a:t>（</a:t>
+            </a:r>
+            <a:r>
+              <a:rPr kumimoji="0" lang="en-US" altLang="zh-CN" sz="2000" dirty="0" smtClean="0">
+                <a:solidFill>
+                  <a:schemeClr val="tx1"/>
+                </a:solidFill>
+                <a:sym typeface="+mn-ea"/>
+              </a:rPr>
+              <a:t>hasOwnProperty</a:t>
+            </a:r>
+            <a:r>
+              <a:rPr kumimoji="0" lang="zh-CN" altLang="en-US" sz="2000" dirty="0" smtClean="0">
+                <a:solidFill>
+                  <a:schemeClr val="tx1"/>
+                </a:solidFill>
+                <a:sym typeface="+mn-ea"/>
+              </a:rPr>
+              <a:t>的升级版）</a:t>
+            </a:r>
+            <a:br>
+              <a:rPr kumimoji="0" lang="zh-CN" altLang="en-US" sz="2000" dirty="0" smtClean="0">
+                <a:solidFill>
+                  <a:schemeClr val="tx1"/>
+                </a:solidFill>
+                <a:sym typeface="+mn-ea"/>
+              </a:rPr>
+            </a:br>
+            <a:r>
+              <a:rPr kumimoji="0" lang="en-US" altLang="zh-CN" sz="2000" dirty="0" smtClean="0">
+                <a:solidFill>
+                  <a:schemeClr val="tx1"/>
+                </a:solidFill>
+                <a:sym typeface="+mn-ea"/>
+              </a:rPr>
+              <a:t>- in</a:t>
+            </a:r>
+            <a:r>
+              <a:rPr kumimoji="0" lang="zh-CN" altLang="en-US" sz="2000" dirty="0" smtClean="0">
+                <a:solidFill>
+                  <a:schemeClr val="tx1"/>
+                </a:solidFill>
+                <a:sym typeface="+mn-ea"/>
+              </a:rPr>
+              <a:t>、</a:t>
+            </a:r>
+            <a:r>
+              <a:rPr kumimoji="0" lang="en-US" altLang="zh-CN" sz="2000" dirty="0" smtClean="0">
+                <a:solidFill>
+                  <a:schemeClr val="tx1"/>
+                </a:solidFill>
+                <a:sym typeface="+mn-ea"/>
+              </a:rPr>
+              <a:t>for...in (</a:t>
+            </a:r>
+            <a:r>
+              <a:rPr kumimoji="0" lang="zh-CN" altLang="en-US" sz="2000" dirty="0" smtClean="0">
+                <a:solidFill>
+                  <a:schemeClr val="tx1"/>
+                </a:solidFill>
+                <a:sym typeface="+mn-ea"/>
+              </a:rPr>
+              <a:t>两者关于</a:t>
+            </a:r>
+            <a:r>
+              <a:rPr kumimoji="0" lang="en-US" altLang="zh-CN" sz="2000" dirty="0" smtClean="0">
+                <a:solidFill>
+                  <a:schemeClr val="tx1"/>
+                </a:solidFill>
+                <a:sym typeface="+mn-ea"/>
+              </a:rPr>
+              <a:t>enumerable</a:t>
+            </a:r>
+            <a:r>
+              <a:rPr kumimoji="0" lang="zh-CN" altLang="en-US" sz="2000" dirty="0" smtClean="0">
+                <a:solidFill>
+                  <a:schemeClr val="tx1"/>
+                </a:solidFill>
+                <a:sym typeface="+mn-ea"/>
+              </a:rPr>
+              <a:t>的区别）</a:t>
+            </a:r>
+            <a:br>
+              <a:rPr kumimoji="0" lang="zh-CN" altLang="en-US" sz="2000" dirty="0" smtClean="0">
+                <a:solidFill>
+                  <a:schemeClr val="tx1"/>
+                </a:solidFill>
+                <a:sym typeface="+mn-ea"/>
+              </a:rPr>
+            </a:br>
+            <a:endParaRPr kumimoji="0" lang="zh-CN" altLang="en-US" sz="1000" dirty="0" smtClean="0">
+              <a:solidFill>
+                <a:schemeClr val="tx1"/>
+              </a:solidFill>
+              <a:sym typeface="+mn-ea"/>
+            </a:endParaRPr>
+          </a:p>
+          <a:p>
+            <a:pPr>
+              <a:lnSpc>
+                <a:spcPct val="130000"/>
+              </a:lnSpc>
+            </a:pPr>
+            <a:r>
+              <a:rPr kumimoji="0" lang="zh-CN" altLang="en-US" sz="3200" dirty="0" smtClean="0">
+                <a:solidFill>
+                  <a:schemeClr val="tx1"/>
+                </a:solidFill>
+              </a:rPr>
+              <a:t>JS 对象之扩展、密封及冻结三大特性（级别逐渐升高）</a:t>
+            </a:r>
+            <a:br>
+              <a:rPr kumimoji="0" lang="zh-CN" altLang="en-US" sz="3200" dirty="0" smtClean="0">
+                <a:solidFill>
+                  <a:schemeClr val="tx1"/>
+                </a:solidFill>
+              </a:rPr>
+            </a:br>
+            <a:r>
+              <a:rPr kumimoji="0" lang="en-US" altLang="zh-CN" sz="2000" dirty="0" smtClean="0">
+                <a:solidFill>
+                  <a:schemeClr val="tx1"/>
+                </a:solidFill>
+              </a:rPr>
+              <a:t>- </a:t>
+            </a:r>
+            <a:r>
+              <a:rPr kumimoji="0" lang="en-US" altLang="zh-CN" sz="2000" dirty="0" smtClean="0">
+                <a:solidFill>
+                  <a:schemeClr val="tx1"/>
+                </a:solidFill>
+                <a:sym typeface="+mn-ea"/>
+              </a:rPr>
+              <a:t>extend</a:t>
+            </a:r>
+            <a:r>
+              <a:rPr kumimoji="0" lang="zh-CN" altLang="en-US" sz="2000" dirty="0" smtClean="0">
+                <a:solidFill>
+                  <a:schemeClr val="tx1"/>
+                </a:solidFill>
+                <a:sym typeface="+mn-ea"/>
+              </a:rPr>
+              <a:t>（</a:t>
+            </a:r>
+            <a:r>
+              <a:rPr kumimoji="0" lang="en-US" altLang="zh-CN" sz="2000" dirty="0" smtClean="0">
+                <a:solidFill>
+                  <a:schemeClr val="tx1"/>
+                </a:solidFill>
+                <a:sym typeface="+mn-ea"/>
+              </a:rPr>
+              <a:t>Object.isExtensible( )</a:t>
+            </a:r>
+            <a:r>
+              <a:rPr kumimoji="0" lang="zh-CN" altLang="en-US" sz="2000" dirty="0" smtClean="0">
+                <a:solidFill>
+                  <a:schemeClr val="tx1"/>
+                </a:solidFill>
+                <a:sym typeface="+mn-ea"/>
+              </a:rPr>
+              <a:t>、</a:t>
+            </a:r>
+            <a:r>
+              <a:rPr kumimoji="0" lang="en-US" altLang="zh-CN" sz="2000" dirty="0" smtClean="0">
+                <a:solidFill>
+                  <a:schemeClr val="tx1"/>
+                </a:solidFill>
+                <a:sym typeface="+mn-ea"/>
+              </a:rPr>
+              <a:t>Object.preventExtensions( )</a:t>
+            </a:r>
+            <a:r>
+              <a:rPr kumimoji="0" lang="zh-CN" altLang="en-US" sz="2000" dirty="0" smtClean="0">
+                <a:solidFill>
+                  <a:schemeClr val="tx1"/>
+                </a:solidFill>
+                <a:sym typeface="+mn-ea"/>
+              </a:rPr>
+              <a:t>）</a:t>
+            </a:r>
+            <a:r>
+              <a:rPr kumimoji="0" lang="zh-CN" altLang="en-US" sz="2000" dirty="0" smtClean="0">
+                <a:solidFill>
+                  <a:schemeClr val="accent3"/>
+                </a:solidFill>
+                <a:sym typeface="+mn-ea"/>
+              </a:rPr>
+              <a:t>限制添加新属性</a:t>
+            </a:r>
+            <a:br>
+              <a:rPr kumimoji="0" lang="en-US" altLang="zh-CN" sz="2000" dirty="0" smtClean="0">
+                <a:solidFill>
+                  <a:schemeClr val="tx1"/>
+                </a:solidFill>
+                <a:sym typeface="+mn-ea"/>
+              </a:rPr>
+            </a:br>
+            <a:r>
+              <a:rPr kumimoji="0" lang="en-US" altLang="zh-CN" sz="2000" dirty="0" smtClean="0">
+                <a:solidFill>
+                  <a:schemeClr val="tx1"/>
+                </a:solidFill>
+                <a:sym typeface="+mn-ea"/>
+              </a:rPr>
+              <a:t>- seal</a:t>
+            </a:r>
+            <a:r>
+              <a:rPr kumimoji="0" lang="zh-CN" altLang="en-US" sz="2000" dirty="0" smtClean="0">
+                <a:solidFill>
+                  <a:schemeClr val="tx1"/>
+                </a:solidFill>
+                <a:sym typeface="+mn-ea"/>
+              </a:rPr>
+              <a:t>（</a:t>
+            </a:r>
+            <a:r>
+              <a:rPr kumimoji="0" lang="en-US" altLang="zh-CN" sz="2000" dirty="0" smtClean="0">
+                <a:solidFill>
+                  <a:schemeClr val="tx1"/>
+                </a:solidFill>
+                <a:sym typeface="+mn-ea"/>
+              </a:rPr>
+              <a:t>Object.isSealed( )</a:t>
+            </a:r>
+            <a:r>
+              <a:rPr kumimoji="0" lang="zh-CN" altLang="en-US" sz="2000" dirty="0" smtClean="0">
+                <a:solidFill>
+                  <a:schemeClr val="tx1"/>
+                </a:solidFill>
+                <a:sym typeface="+mn-ea"/>
+              </a:rPr>
+              <a:t>、</a:t>
+            </a:r>
+            <a:r>
+              <a:rPr kumimoji="0" lang="en-US" altLang="zh-CN" sz="2000" dirty="0" smtClean="0">
+                <a:solidFill>
+                  <a:schemeClr val="tx1"/>
+                </a:solidFill>
+                <a:sym typeface="+mn-ea"/>
+              </a:rPr>
+              <a:t>Object.seal( )</a:t>
+            </a:r>
+            <a:r>
+              <a:rPr kumimoji="0" lang="zh-CN" altLang="en-US" sz="2000" dirty="0" smtClean="0">
+                <a:solidFill>
+                  <a:schemeClr val="tx1"/>
+                </a:solidFill>
+                <a:sym typeface="+mn-ea"/>
+              </a:rPr>
+              <a:t>）</a:t>
+            </a:r>
+            <a:r>
+              <a:rPr kumimoji="0" lang="zh-CN" altLang="en-US" sz="2000" dirty="0" smtClean="0">
+                <a:solidFill>
+                  <a:schemeClr val="accent3"/>
+                </a:solidFill>
+                <a:sym typeface="+mn-ea"/>
+              </a:rPr>
+              <a:t>在</a:t>
+            </a:r>
+            <a:r>
+              <a:rPr kumimoji="0" lang="en-US" altLang="zh-CN" sz="2000" dirty="0" smtClean="0">
+                <a:solidFill>
+                  <a:schemeClr val="accent3"/>
+                </a:solidFill>
+                <a:sym typeface="+mn-ea"/>
+              </a:rPr>
+              <a:t>extend</a:t>
+            </a:r>
+            <a:r>
+              <a:rPr kumimoji="0" lang="zh-CN" altLang="en-US" sz="2000" dirty="0" smtClean="0">
+                <a:solidFill>
+                  <a:schemeClr val="accent3"/>
+                </a:solidFill>
+                <a:sym typeface="+mn-ea"/>
+              </a:rPr>
+              <a:t>的限制基础上，增加</a:t>
+            </a:r>
+            <a:r>
+              <a:rPr kumimoji="0" lang="zh-CN" altLang="en-US" sz="2000" dirty="0" smtClean="0">
+                <a:solidFill>
+                  <a:srgbClr val="FF0000"/>
+                </a:solidFill>
+                <a:sym typeface="+mn-ea"/>
+              </a:rPr>
+              <a:t>限制可配置属性特性</a:t>
+            </a:r>
+            <a:br>
+              <a:rPr kumimoji="0" lang="en-US" altLang="zh-CN" sz="2000" dirty="0" smtClean="0">
+                <a:solidFill>
+                  <a:srgbClr val="FF0000"/>
+                </a:solidFill>
+                <a:sym typeface="+mn-ea"/>
+              </a:rPr>
+            </a:br>
+            <a:r>
+              <a:rPr kumimoji="0" lang="en-US" altLang="zh-CN" sz="2000" dirty="0" smtClean="0">
+                <a:solidFill>
+                  <a:schemeClr val="tx1"/>
+                </a:solidFill>
+                <a:sym typeface="+mn-ea"/>
+              </a:rPr>
+              <a:t>- freeze</a:t>
+            </a:r>
+            <a:r>
+              <a:rPr kumimoji="0" lang="zh-CN" altLang="en-US" sz="2000" dirty="0" smtClean="0">
+                <a:solidFill>
+                  <a:schemeClr val="tx1"/>
+                </a:solidFill>
+                <a:sym typeface="+mn-ea"/>
+              </a:rPr>
+              <a:t>（</a:t>
+            </a:r>
+            <a:r>
+              <a:rPr kumimoji="0" lang="en-US" altLang="zh-CN" sz="2000" dirty="0" smtClean="0">
+                <a:solidFill>
+                  <a:schemeClr val="tx1"/>
+                </a:solidFill>
+                <a:sym typeface="+mn-ea"/>
+              </a:rPr>
+              <a:t>Object.isFrozen( )</a:t>
+            </a:r>
+            <a:r>
+              <a:rPr kumimoji="0" lang="zh-CN" altLang="en-US" sz="2000" dirty="0" smtClean="0">
+                <a:solidFill>
+                  <a:schemeClr val="tx1"/>
+                </a:solidFill>
+                <a:sym typeface="+mn-ea"/>
+              </a:rPr>
+              <a:t>、</a:t>
+            </a:r>
+            <a:r>
+              <a:rPr kumimoji="0" lang="en-US" altLang="zh-CN" sz="2000" dirty="0" smtClean="0">
+                <a:solidFill>
+                  <a:schemeClr val="tx1"/>
+                </a:solidFill>
+                <a:sym typeface="+mn-ea"/>
+              </a:rPr>
+              <a:t>Object.freeze( )</a:t>
+            </a:r>
+            <a:r>
+              <a:rPr kumimoji="0" lang="zh-CN" altLang="en-US" sz="2000" dirty="0" smtClean="0">
+                <a:solidFill>
+                  <a:schemeClr val="tx1"/>
+                </a:solidFill>
+                <a:sym typeface="+mn-ea"/>
+              </a:rPr>
+              <a:t>）</a:t>
+            </a:r>
+            <a:r>
+              <a:rPr kumimoji="0" lang="zh-CN" altLang="en-US" sz="2000" dirty="0" smtClean="0">
+                <a:solidFill>
+                  <a:schemeClr val="accent3"/>
+                </a:solidFill>
+                <a:sym typeface="+mn-ea"/>
+              </a:rPr>
+              <a:t>在</a:t>
+            </a:r>
+            <a:r>
+              <a:rPr kumimoji="0" lang="en-US" altLang="zh-CN" sz="2000" dirty="0" smtClean="0">
+                <a:solidFill>
+                  <a:srgbClr val="FF0000"/>
+                </a:solidFill>
+                <a:sym typeface="+mn-ea"/>
+              </a:rPr>
+              <a:t>seal</a:t>
+            </a:r>
+            <a:r>
+              <a:rPr kumimoji="0" lang="zh-CN" altLang="en-US" sz="2000" dirty="0" smtClean="0">
+                <a:solidFill>
+                  <a:schemeClr val="accent3"/>
+                </a:solidFill>
+                <a:sym typeface="+mn-ea"/>
+              </a:rPr>
+              <a:t>的限制基础上，增加</a:t>
+            </a:r>
+            <a:r>
+              <a:rPr kumimoji="0" lang="zh-CN" altLang="en-US" sz="2000" dirty="0" smtClean="0">
+                <a:solidFill>
+                  <a:srgbClr val="FF0000"/>
+                </a:solidFill>
+                <a:sym typeface="+mn-ea"/>
+              </a:rPr>
+              <a:t>限制可写属性特性</a:t>
+            </a:r>
+            <a:endParaRPr kumimoji="0" lang="zh-CN" altLang="en-US" sz="2000" dirty="0" smtClean="0">
+              <a:solidFill>
+                <a:schemeClr val="tx1"/>
+              </a:solidFill>
+              <a:sym typeface="+mn-ea"/>
+            </a:endParaRPr>
+          </a:p>
+          <a:p>
+            <a:pPr eaLnBrk="1" hangingPunct="1">
+              <a:lnSpc>
+                <a:spcPct val="150000"/>
+              </a:lnSpc>
+            </a:pPr>
+            <a:endParaRPr kumimoji="0" lang="zh-CN" altLang="en-US" dirty="0" smtClean="0">
+              <a:solidFill>
+                <a:schemeClr val="tx1"/>
+              </a:solidFill>
+            </a:endParaRPr>
+          </a:p>
+        </p:txBody>
+      </p:sp>
+      <p:sp>
+        <p:nvSpPr>
+          <p:cNvPr id="2" name="内容占位符 1"/>
+          <p:cNvSpPr>
+            <a:spLocks noGrp="1"/>
+          </p:cNvSpPr>
+          <p:nvPr>
+            <p:ph sz="quarter" idx="11"/>
+          </p:nvPr>
+        </p:nvSpPr>
+        <p:spPr>
+          <a:xfrm>
+            <a:off x="947204" y="308698"/>
+            <a:ext cx="8191557" cy="490476"/>
+          </a:xfrm>
+        </p:spPr>
+        <p:txBody>
+          <a:bodyPr/>
+          <a:lstStyle/>
+          <a:p>
+            <a:r>
+              <a:rPr kumimoji="0" lang="zh-CN" altLang="en-US" dirty="0"/>
+              <a:t>对象属性特性（补充部分）</a:t>
+            </a:r>
+            <a:endParaRPr kumimoji="0" lang="zh-CN" altLang="en-US" dirty="0"/>
+          </a:p>
+        </p:txBody>
+      </p:sp>
+      <p:sp>
+        <p:nvSpPr>
+          <p:cNvPr id="6" name="文本框 5"/>
+          <p:cNvSpPr txBox="1"/>
+          <p:nvPr/>
+        </p:nvSpPr>
+        <p:spPr>
+          <a:xfrm>
+            <a:off x="6518275" y="2852420"/>
+            <a:ext cx="4603750" cy="429895"/>
+          </a:xfrm>
+          <a:prstGeom prst="rect">
+            <a:avLst/>
+          </a:prstGeom>
+          <a:noFill/>
+        </p:spPr>
+        <p:txBody>
+          <a:bodyPr wrap="square" rtlCol="0">
+            <a:spAutoFit/>
+          </a:bodyPr>
+          <a:p>
+            <a:pPr algn="l"/>
+            <a:r>
+              <a:rPr lang="zh-CN" altLang="en-US" sz="2200">
+                <a:solidFill>
+                  <a:srgbClr val="FF0000"/>
+                </a:solidFill>
+                <a:latin typeface="+mn-ea"/>
+                <a:ea typeface="+mn-ea"/>
+                <a:sym typeface="+mn-ea"/>
+              </a:rPr>
+              <a:t>参见实例</a:t>
+            </a:r>
+            <a:r>
+              <a:rPr lang="en-US" altLang="zh-CN" sz="2200">
+                <a:solidFill>
+                  <a:srgbClr val="FF0000"/>
+                </a:solidFill>
+                <a:latin typeface="+mn-ea"/>
+                <a:ea typeface="+mn-ea"/>
+                <a:sym typeface="+mn-ea"/>
+              </a:rPr>
+              <a:t>demo15</a:t>
+            </a:r>
+            <a:r>
+              <a:rPr lang="en-US" altLang="zh-CN" sz="2200">
+                <a:solidFill>
+                  <a:srgbClr val="FF0000"/>
+                </a:solidFill>
+                <a:latin typeface="+mn-ea"/>
+                <a:ea typeface="+mn-ea"/>
+              </a:rPr>
+              <a:t> Object</a:t>
+            </a:r>
+            <a:r>
+              <a:rPr lang="zh-CN" altLang="en-US" sz="2200">
+                <a:solidFill>
+                  <a:srgbClr val="FF0000"/>
+                </a:solidFill>
+                <a:latin typeface="+mn-ea"/>
+                <a:ea typeface="+mn-ea"/>
+              </a:rPr>
+              <a:t>相关方法</a:t>
+            </a:r>
+            <a:endParaRPr lang="zh-CN" altLang="en-US" sz="2200" dirty="0" smtClean="0">
+              <a:solidFill>
+                <a:srgbClr val="FF0000"/>
+              </a:solidFill>
+              <a:latin typeface="+mn-ea"/>
+              <a:ea typeface="+mn-ea"/>
+              <a:sym typeface="+mn-ea"/>
+            </a:endParaRPr>
+          </a:p>
+        </p:txBody>
+      </p:sp>
+      <p:sp>
+        <p:nvSpPr>
+          <p:cNvPr id="3" name="文本框 2"/>
+          <p:cNvSpPr txBox="1"/>
+          <p:nvPr/>
+        </p:nvSpPr>
+        <p:spPr>
+          <a:xfrm>
+            <a:off x="1369060" y="5477510"/>
+            <a:ext cx="9876155" cy="429895"/>
+          </a:xfrm>
+          <a:prstGeom prst="rect">
+            <a:avLst/>
+          </a:prstGeom>
+          <a:noFill/>
+        </p:spPr>
+        <p:txBody>
+          <a:bodyPr wrap="square" rtlCol="0">
+            <a:spAutoFit/>
+          </a:bodyPr>
+          <a:p>
+            <a:pPr algn="l"/>
+            <a:r>
+              <a:rPr lang="zh-CN" sz="2200" dirty="0" smtClean="0">
+                <a:solidFill>
+                  <a:schemeClr val="tx1"/>
+                </a:solidFill>
+                <a:latin typeface="+mn-ea"/>
+                <a:ea typeface="+mn-ea"/>
+                <a:sym typeface="+mn-ea"/>
+              </a:rPr>
+              <a:t>三个特性参考链接：https://segmentfault.com/a/1190000003894119</a:t>
+            </a:r>
+            <a:endParaRPr lang="zh-CN" sz="2200" dirty="0" smtClean="0">
+              <a:solidFill>
+                <a:schemeClr val="tx1"/>
+              </a:solidFill>
+              <a:latin typeface="+mn-ea"/>
+              <a:ea typeface="+mn-ea"/>
+              <a:sym typeface="+mn-ea"/>
+            </a:endParaRPr>
+          </a:p>
+        </p:txBody>
+      </p:sp>
+      <p:sp>
+        <p:nvSpPr>
+          <p:cNvPr id="4" name="文本框 3"/>
+          <p:cNvSpPr txBox="1"/>
+          <p:nvPr/>
+        </p:nvSpPr>
+        <p:spPr>
+          <a:xfrm>
+            <a:off x="4901565" y="6068060"/>
+            <a:ext cx="5944870" cy="429895"/>
+          </a:xfrm>
+          <a:prstGeom prst="rect">
+            <a:avLst/>
+          </a:prstGeom>
+          <a:noFill/>
+        </p:spPr>
+        <p:txBody>
+          <a:bodyPr wrap="square" rtlCol="0">
+            <a:spAutoFit/>
+          </a:bodyPr>
+          <a:p>
+            <a:pPr algn="l"/>
+            <a:r>
+              <a:rPr lang="zh-CN" altLang="en-US" sz="2200">
+                <a:solidFill>
+                  <a:srgbClr val="FF0000"/>
+                </a:solidFill>
+                <a:latin typeface="+mn-ea"/>
+                <a:ea typeface="+mn-ea"/>
+                <a:sym typeface="+mn-ea"/>
+              </a:rPr>
+              <a:t>参见实例</a:t>
+            </a:r>
+            <a:r>
+              <a:rPr lang="en-US" altLang="zh-CN" sz="2200">
+                <a:solidFill>
+                  <a:srgbClr val="FF0000"/>
+                </a:solidFill>
+                <a:latin typeface="+mn-ea"/>
+                <a:ea typeface="+mn-ea"/>
+                <a:sym typeface="+mn-ea"/>
+              </a:rPr>
+              <a:t>demo16</a:t>
+            </a:r>
+            <a:r>
+              <a:rPr lang="en-US" altLang="zh-CN" sz="2200">
+                <a:solidFill>
+                  <a:srgbClr val="FF0000"/>
+                </a:solidFill>
+                <a:latin typeface="+mn-ea"/>
+                <a:ea typeface="+mn-ea"/>
+              </a:rPr>
+              <a:t> JS</a:t>
+            </a:r>
+            <a:r>
+              <a:rPr lang="zh-CN" altLang="en-US" sz="2200">
+                <a:solidFill>
+                  <a:srgbClr val="FF0000"/>
+                </a:solidFill>
+                <a:latin typeface="+mn-ea"/>
+                <a:ea typeface="+mn-ea"/>
+              </a:rPr>
+              <a:t>对象的</a:t>
+            </a:r>
+            <a:r>
+              <a:rPr lang="zh-CN" altLang="en-US" sz="2200">
+                <a:solidFill>
+                  <a:srgbClr val="FF0000"/>
+                </a:solidFill>
+                <a:latin typeface="+mn-ea"/>
+                <a:ea typeface="+mn-ea"/>
+              </a:rPr>
+              <a:t>扩展、封装及冻结</a:t>
+            </a:r>
+            <a:endParaRPr lang="zh-CN" altLang="en-US" sz="2200" dirty="0" smtClean="0">
+              <a:solidFill>
+                <a:srgbClr val="FF0000"/>
+              </a:solidFill>
+              <a:latin typeface="+mn-ea"/>
+              <a:ea typeface="+mn-ea"/>
+              <a:sym typeface="+mn-ea"/>
+            </a:endParaRPr>
+          </a:p>
+        </p:txBody>
+      </p:sp>
+    </p:spTree>
+  </p:cSld>
+  <p:clrMapOvr>
+    <a:masterClrMapping/>
+  </p:clrMapOvr>
+  <p:timing>
+    <p:tnLst>
+      <p:par>
+        <p:cTn id="1" dur="indefinite" restart="never" fill="hold" nodeType="tmRoot">
+          <p:childTnLst>
+            <p:seq concurrent="1" nextAc="seek">
+              <p:cTn id="2" dur="indefinite" nodeType="mainSeq">
+                <p:childTnLst>
+                  <p:par>
+                    <p:cTn id="3" fill="hold">
+                      <p:stCondLst>
+                        <p:cond delay="indefinite"/>
+                      </p:stCondLst>
+                      <p:childTnLst>
+                        <p:par>
+                          <p:cTn id="4" fill="hold">
+                            <p:stCondLst>
+                              <p:cond delay="0"/>
+                            </p:stCondLst>
+                            <p:childTnLst>
+                              <p:par>
+                                <p:cTn id="5" presetID="2" presetClass="entr" presetSubtype="4" fill="hold" nodeType="clickEffect">
+                                  <p:stCondLst>
+                                    <p:cond delay="0"/>
+                                  </p:stCondLst>
+                                  <p:childTnLst>
+                                    <p:set>
+                                      <p:cBhvr>
+                                        <p:cTn id="6" dur="1" fill="hold">
+                                          <p:stCondLst>
+                                            <p:cond delay="0"/>
+                                          </p:stCondLst>
+                                        </p:cTn>
+                                        <p:tgtEl>
+                                          <p:spTgt spid="11266">
+                                            <p:txEl>
+                                              <p:pRg st="0" end="0"/>
+                                            </p:txEl>
+                                          </p:spTgt>
+                                        </p:tgtEl>
+                                        <p:attrNameLst>
+                                          <p:attrName>style.visibility</p:attrName>
+                                        </p:attrNameLst>
+                                      </p:cBhvr>
+                                      <p:to>
+                                        <p:strVal val="visible"/>
+                                      </p:to>
+                                    </p:set>
+                                    <p:anim calcmode="lin" valueType="num">
+                                      <p:cBhvr additive="base">
+                                        <p:cTn id="7" dur="500" fill="hold"/>
+                                        <p:tgtEl>
+                                          <p:spTgt spid="11266">
+                                            <p:txEl>
+                                              <p:pRg st="0" end="0"/>
+                                            </p:txEl>
+                                          </p:spTgt>
+                                        </p:tgtEl>
+                                        <p:attrNameLst>
+                                          <p:attrName>ppt_x</p:attrName>
+                                        </p:attrNameLst>
+                                      </p:cBhvr>
+                                      <p:tavLst>
+                                        <p:tav tm="0">
+                                          <p:val>
+                                            <p:strVal val="#ppt_x"/>
+                                          </p:val>
+                                        </p:tav>
+                                        <p:tav tm="100000">
+                                          <p:val>
+                                            <p:strVal val="#ppt_x"/>
+                                          </p:val>
+                                        </p:tav>
+                                      </p:tavLst>
+                                    </p:anim>
+                                    <p:anim calcmode="lin" valueType="num">
+                                      <p:cBhvr additive="base">
+                                        <p:cTn id="8" dur="500" fill="hold"/>
+                                        <p:tgtEl>
+                                          <p:spTgt spid="11266">
+                                            <p:txEl>
+                                              <p:pRg st="0" end="0"/>
+                                            </p:txEl>
+                                          </p:spTgt>
+                                        </p:tgtEl>
+                                        <p:attrNameLst>
+                                          <p:attrName>ppt_y</p:attrName>
+                                        </p:attrNameLst>
+                                      </p:cBhvr>
+                                      <p:tavLst>
+                                        <p:tav tm="0">
+                                          <p:val>
+                                            <p:strVal val="1+#ppt_h/2"/>
+                                          </p:val>
+                                        </p:tav>
+                                        <p:tav tm="100000">
+                                          <p:val>
+                                            <p:strVal val="#ppt_y"/>
+                                          </p:val>
+                                        </p:tav>
+                                      </p:tavLst>
+                                    </p:anim>
+                                  </p:childTnLst>
+                                </p:cTn>
+                              </p:par>
+                            </p:childTnLst>
+                          </p:cTn>
+                        </p:par>
+                        <p:par>
+                          <p:cTn id="9" fill="hold">
+                            <p:stCondLst>
+                              <p:cond delay="500"/>
+                            </p:stCondLst>
+                            <p:childTnLst>
+                              <p:par>
+                                <p:cTn id="10" presetID="2" presetClass="entr" presetSubtype="4" fill="hold" grpId="0" nodeType="afterEffect">
+                                  <p:stCondLst>
+                                    <p:cond delay="0"/>
+                                  </p:stCondLst>
+                                  <p:childTnLst>
+                                    <p:set>
+                                      <p:cBhvr>
+                                        <p:cTn id="11" dur="1" fill="hold">
+                                          <p:stCondLst>
+                                            <p:cond delay="0"/>
+                                          </p:stCondLst>
+                                        </p:cTn>
+                                        <p:tgtEl>
+                                          <p:spTgt spid="6"/>
+                                        </p:tgtEl>
+                                        <p:attrNameLst>
+                                          <p:attrName>style.visibility</p:attrName>
+                                        </p:attrNameLst>
+                                      </p:cBhvr>
+                                      <p:to>
+                                        <p:strVal val="visible"/>
+                                      </p:to>
+                                    </p:set>
+                                    <p:anim calcmode="lin" valueType="num">
+                                      <p:cBhvr additive="base">
+                                        <p:cTn id="12" dur="500" fill="hold"/>
+                                        <p:tgtEl>
+                                          <p:spTgt spid="6"/>
+                                        </p:tgtEl>
+                                        <p:attrNameLst>
+                                          <p:attrName>ppt_x</p:attrName>
+                                        </p:attrNameLst>
+                                      </p:cBhvr>
+                                      <p:tavLst>
+                                        <p:tav tm="0">
+                                          <p:val>
+                                            <p:strVal val="#ppt_x"/>
+                                          </p:val>
+                                        </p:tav>
+                                        <p:tav tm="100000">
+                                          <p:val>
+                                            <p:strVal val="#ppt_x"/>
+                                          </p:val>
+                                        </p:tav>
+                                      </p:tavLst>
+                                    </p:anim>
+                                    <p:anim calcmode="lin" valueType="num">
+                                      <p:cBhvr additive="base">
+                                        <p:cTn id="13" dur="500" fill="hold"/>
+                                        <p:tgtEl>
+                                          <p:spTgt spid="6"/>
+                                        </p:tgtEl>
+                                        <p:attrNameLst>
+                                          <p:attrName>ppt_y</p:attrName>
+                                        </p:attrNameLst>
+                                      </p:cBhvr>
+                                      <p:tavLst>
+                                        <p:tav tm="0">
+                                          <p:val>
+                                            <p:strVal val="1+#ppt_h/2"/>
+                                          </p:val>
+                                        </p:tav>
+                                        <p:tav tm="100000">
+                                          <p:val>
+                                            <p:strVal val="#ppt_y"/>
+                                          </p:val>
+                                        </p:tav>
+                                      </p:tavLst>
+                                    </p:anim>
+                                  </p:childTnLst>
+                                </p:cTn>
+                              </p:par>
+                            </p:childTnLst>
+                          </p:cTn>
+                        </p:par>
+                      </p:childTnLst>
+                    </p:cTn>
+                  </p:par>
+                  <p:par>
+                    <p:cTn id="14" fill="hold">
+                      <p:stCondLst>
+                        <p:cond delay="indefinite"/>
+                      </p:stCondLst>
+                      <p:childTnLst>
+                        <p:par>
+                          <p:cTn id="15" fill="hold">
+                            <p:stCondLst>
+                              <p:cond delay="0"/>
+                            </p:stCondLst>
+                            <p:childTnLst>
+                              <p:par>
+                                <p:cTn id="16" presetID="2" presetClass="entr" presetSubtype="4" fill="hold" nodeType="clickEffect">
+                                  <p:stCondLst>
+                                    <p:cond delay="0"/>
+                                  </p:stCondLst>
+                                  <p:childTnLst>
+                                    <p:set>
+                                      <p:cBhvr>
+                                        <p:cTn id="17" dur="1" fill="hold">
+                                          <p:stCondLst>
+                                            <p:cond delay="0"/>
+                                          </p:stCondLst>
+                                        </p:cTn>
+                                        <p:tgtEl>
+                                          <p:spTgt spid="11266">
+                                            <p:txEl>
+                                              <p:pRg st="1" end="1"/>
+                                            </p:txEl>
+                                          </p:spTgt>
+                                        </p:tgtEl>
+                                        <p:attrNameLst>
+                                          <p:attrName>style.visibility</p:attrName>
+                                        </p:attrNameLst>
+                                      </p:cBhvr>
+                                      <p:to>
+                                        <p:strVal val="visible"/>
+                                      </p:to>
+                                    </p:set>
+                                    <p:anim calcmode="lin" valueType="num">
+                                      <p:cBhvr additive="base">
+                                        <p:cTn id="18" dur="500" fill="hold"/>
+                                        <p:tgtEl>
+                                          <p:spTgt spid="11266">
+                                            <p:txEl>
+                                              <p:pRg st="1" end="1"/>
+                                            </p:txEl>
+                                          </p:spTgt>
+                                        </p:tgtEl>
+                                        <p:attrNameLst>
+                                          <p:attrName>ppt_x</p:attrName>
+                                        </p:attrNameLst>
+                                      </p:cBhvr>
+                                      <p:tavLst>
+                                        <p:tav tm="0">
+                                          <p:val>
+                                            <p:strVal val="#ppt_x"/>
+                                          </p:val>
+                                        </p:tav>
+                                        <p:tav tm="100000">
+                                          <p:val>
+                                            <p:strVal val="#ppt_x"/>
+                                          </p:val>
+                                        </p:tav>
+                                      </p:tavLst>
+                                    </p:anim>
+                                    <p:anim calcmode="lin" valueType="num">
+                                      <p:cBhvr additive="base">
+                                        <p:cTn id="19" dur="500" fill="hold"/>
+                                        <p:tgtEl>
+                                          <p:spTgt spid="11266">
+                                            <p:txEl>
+                                              <p:pRg st="1" end="1"/>
+                                            </p:txEl>
+                                          </p:spTgt>
+                                        </p:tgtEl>
+                                        <p:attrNameLst>
+                                          <p:attrName>ppt_y</p:attrName>
+                                        </p:attrNameLst>
+                                      </p:cBhvr>
+                                      <p:tavLst>
+                                        <p:tav tm="0">
+                                          <p:val>
+                                            <p:strVal val="1+#ppt_h/2"/>
+                                          </p:val>
+                                        </p:tav>
+                                        <p:tav tm="100000">
+                                          <p:val>
+                                            <p:strVal val="#ppt_y"/>
+                                          </p:val>
+                                        </p:tav>
+                                      </p:tavLst>
+                                    </p:anim>
+                                  </p:childTnLst>
+                                </p:cTn>
+                              </p:par>
+                            </p:childTnLst>
+                          </p:cTn>
+                        </p:par>
+                        <p:par>
+                          <p:cTn id="20" fill="hold">
+                            <p:stCondLst>
+                              <p:cond delay="500"/>
+                            </p:stCondLst>
+                            <p:childTnLst>
+                              <p:par>
+                                <p:cTn id="21" presetID="2" presetClass="entr" presetSubtype="4" fill="hold" grpId="0" nodeType="afterEffect">
+                                  <p:stCondLst>
+                                    <p:cond delay="0"/>
+                                  </p:stCondLst>
+                                  <p:childTnLst>
+                                    <p:set>
+                                      <p:cBhvr>
+                                        <p:cTn id="22" dur="1" fill="hold">
+                                          <p:stCondLst>
+                                            <p:cond delay="0"/>
+                                          </p:stCondLst>
+                                        </p:cTn>
+                                        <p:tgtEl>
+                                          <p:spTgt spid="3"/>
+                                        </p:tgtEl>
+                                        <p:attrNameLst>
+                                          <p:attrName>style.visibility</p:attrName>
+                                        </p:attrNameLst>
+                                      </p:cBhvr>
+                                      <p:to>
+                                        <p:strVal val="visible"/>
+                                      </p:to>
+                                    </p:set>
+                                    <p:anim calcmode="lin" valueType="num">
+                                      <p:cBhvr additive="base">
+                                        <p:cTn id="23" dur="500" fill="hold"/>
+                                        <p:tgtEl>
+                                          <p:spTgt spid="3"/>
+                                        </p:tgtEl>
+                                        <p:attrNameLst>
+                                          <p:attrName>ppt_x</p:attrName>
+                                        </p:attrNameLst>
+                                      </p:cBhvr>
+                                      <p:tavLst>
+                                        <p:tav tm="0">
+                                          <p:val>
+                                            <p:strVal val="#ppt_x"/>
+                                          </p:val>
+                                        </p:tav>
+                                        <p:tav tm="100000">
+                                          <p:val>
+                                            <p:strVal val="#ppt_x"/>
+                                          </p:val>
+                                        </p:tav>
+                                      </p:tavLst>
+                                    </p:anim>
+                                    <p:anim calcmode="lin" valueType="num">
+                                      <p:cBhvr additive="base">
+                                        <p:cTn id="24" dur="500" fill="hold"/>
+                                        <p:tgtEl>
+                                          <p:spTgt spid="3"/>
+                                        </p:tgtEl>
+                                        <p:attrNameLst>
+                                          <p:attrName>ppt_y</p:attrName>
+                                        </p:attrNameLst>
+                                      </p:cBhvr>
+                                      <p:tavLst>
+                                        <p:tav tm="0">
+                                          <p:val>
+                                            <p:strVal val="1+#ppt_h/2"/>
+                                          </p:val>
+                                        </p:tav>
+                                        <p:tav tm="100000">
+                                          <p:val>
+                                            <p:strVal val="#ppt_y"/>
+                                          </p:val>
+                                        </p:tav>
+                                      </p:tavLst>
+                                    </p:anim>
+                                  </p:childTnLst>
+                                </p:cTn>
+                              </p:par>
+                            </p:childTnLst>
+                          </p:cTn>
+                        </p:par>
+                        <p:par>
+                          <p:cTn id="25" fill="hold">
+                            <p:stCondLst>
+                              <p:cond delay="1000"/>
+                            </p:stCondLst>
+                            <p:childTnLst>
+                              <p:par>
+                                <p:cTn id="26" presetID="2" presetClass="entr" presetSubtype="4" fill="hold" grpId="0" nodeType="afterEffect">
+                                  <p:stCondLst>
+                                    <p:cond delay="0"/>
+                                  </p:stCondLst>
+                                  <p:childTnLst>
+                                    <p:set>
+                                      <p:cBhvr>
+                                        <p:cTn id="27" dur="1" fill="hold">
+                                          <p:stCondLst>
+                                            <p:cond delay="0"/>
+                                          </p:stCondLst>
+                                        </p:cTn>
+                                        <p:tgtEl>
+                                          <p:spTgt spid="4"/>
+                                        </p:tgtEl>
+                                        <p:attrNameLst>
+                                          <p:attrName>style.visibility</p:attrName>
+                                        </p:attrNameLst>
+                                      </p:cBhvr>
+                                      <p:to>
+                                        <p:strVal val="visible"/>
+                                      </p:to>
+                                    </p:set>
+                                    <p:anim calcmode="lin" valueType="num">
+                                      <p:cBhvr additive="base">
+                                        <p:cTn id="28" dur="500" fill="hold"/>
+                                        <p:tgtEl>
+                                          <p:spTgt spid="4"/>
+                                        </p:tgtEl>
+                                        <p:attrNameLst>
+                                          <p:attrName>ppt_x</p:attrName>
+                                        </p:attrNameLst>
+                                      </p:cBhvr>
+                                      <p:tavLst>
+                                        <p:tav tm="0">
+                                          <p:val>
+                                            <p:strVal val="#ppt_x"/>
+                                          </p:val>
+                                        </p:tav>
+                                        <p:tav tm="100000">
+                                          <p:val>
+                                            <p:strVal val="#ppt_x"/>
+                                          </p:val>
+                                        </p:tav>
+                                      </p:tavLst>
+                                    </p:anim>
+                                    <p:anim calcmode="lin" valueType="num">
+                                      <p:cBhvr additive="base">
+                                        <p:cTn id="29" dur="500" fill="hold"/>
+                                        <p:tgtEl>
+                                          <p:spTgt spid="4"/>
+                                        </p:tgtEl>
+                                        <p:attrNameLst>
+                                          <p:attrName>ppt_y</p:attrName>
+                                        </p:attrNameLst>
+                                      </p:cBhvr>
+                                      <p:tavLst>
+                                        <p:tav tm="0">
+                                          <p:val>
+                                            <p:strVal val="1+#ppt_h/2"/>
+                                          </p:val>
+                                        </p:tav>
+                                        <p:tav tm="100000">
+                                          <p:val>
+                                            <p:strVal val="#ppt_y"/>
+                                          </p:val>
+                                        </p:tav>
+                                      </p:tavLst>
+                                    </p:anim>
+                                  </p:childTnLst>
+                                </p:cTn>
+                              </p:par>
+                            </p:childTnLst>
+                          </p:cTn>
+                        </p:par>
+                      </p:childTnLst>
+                    </p:cTn>
+                  </p:par>
+                </p:childTnLst>
+              </p:cTn>
+              <p:prevCondLst>
+                <p:cond evt="onPrev" delay="0">
+                  <p:tgtEl>
+                    <p:sldTgt/>
+                  </p:tgtEl>
+                </p:cond>
+              </p:prevCondLst>
+              <p:nextCondLst>
+                <p:cond evt="onNext" delay="0">
+                  <p:tgtEl>
+                    <p:sldTgt/>
+                  </p:tgtEl>
+                </p:cond>
+              </p:nextCondLst>
+            </p:seq>
+          </p:childTnLst>
+        </p:cTn>
+      </p:par>
+    </p:tnLst>
+    <p:bldLst>
+      <p:bldP spid="6" grpId="0"/>
+      <p:bldP spid="3" grpId="0"/>
+      <p:bldP spid="4" grpId="0"/>
+    </p:bldLst>
+  </p:timing>
+</p:sld>
+</file>
+
+<file path=ppt/slides/slide31.xml><?xml version="1.0" encoding="utf-8"?>
 <p:sld xmlns:a="http://schemas.openxmlformats.org/drawingml/2006/main" xmlns:r="http://schemas.openxmlformats.org/officeDocument/2006/relationships" xmlns:p="http://schemas.openxmlformats.org/presentationml/2006/main">
   <p:cSld>
     <p:spTree>
@@ -19056,502 +21511,6 @@
 </p:sld>
 </file>
 
-<file path=ppt/slides/slide3.xml><?xml version="1.0" encoding="utf-8"?>
-<p:sld xmlns:a="http://schemas.openxmlformats.org/drawingml/2006/main" xmlns:r="http://schemas.openxmlformats.org/officeDocument/2006/relationships" xmlns:p="http://schemas.openxmlformats.org/presentationml/2006/main">
-  <p:cSld>
-    <p:spTree>
-      <p:nvGrpSpPr>
-        <p:cNvPr id="1" name=""/>
-        <p:cNvGrpSpPr/>
-        <p:nvPr/>
-      </p:nvGrpSpPr>
-      <p:grpSpPr>
-        <a:xfrm>
-          <a:off x="0" y="0"/>
-          <a:ext cx="0" cy="0"/>
-          <a:chOff x="0" y="0"/>
-          <a:chExt cx="0" cy="0"/>
-        </a:xfrm>
-      </p:grpSpPr>
-      <p:sp>
-        <p:nvSpPr>
-          <p:cNvPr id="5123" name="AutoShape 6"/>
-          <p:cNvSpPr>
-            <a:spLocks noChangeArrowheads="1"/>
-          </p:cNvSpPr>
-          <p:nvPr/>
-        </p:nvSpPr>
-        <p:spPr bwMode="auto">
-          <a:xfrm>
-            <a:off x="2566988" y="1339851"/>
-            <a:ext cx="6711950" cy="4214813"/>
-          </a:xfrm>
-          <a:prstGeom prst="roundRect">
-            <a:avLst>
-              <a:gd name="adj" fmla="val 16667"/>
-            </a:avLst>
-          </a:prstGeom>
-          <a:noFill/>
-          <a:ln w="28575">
-            <a:solidFill>
-              <a:srgbClr val="C0C0C0"/>
-            </a:solidFill>
-            <a:prstDash val="sysDot"/>
-            <a:round/>
-          </a:ln>
-          <a:extLst>
-            <a:ext uri="{909E8E84-426E-40DD-AFC4-6F175D3DCCD1}">
-              <a14:hiddenFill xmlns:a14="http://schemas.microsoft.com/office/drawing/2010/main">
-                <a:solidFill>
-                  <a:srgbClr val="FFFFFF"/>
-                </a:solidFill>
-              </a14:hiddenFill>
-            </a:ext>
-          </a:extLst>
-        </p:spPr>
-        <p:txBody>
-          <a:bodyPr wrap="none" anchor="ctr"/>
-          <a:lstStyle>
-            <a:lvl1pPr marL="457200" indent="-457200">
-              <a:defRPr sz="3200">
-                <a:solidFill>
-                  <a:schemeClr val="tx1"/>
-                </a:solidFill>
-                <a:latin typeface="Arial" panose="020B0604020202020204" pitchFamily="34" charset="0"/>
-                <a:ea typeface="微软雅黑" panose="020B0503020204020204" pitchFamily="34" charset="-122"/>
-              </a:defRPr>
-            </a:lvl1pPr>
-            <a:lvl2pPr marL="742950" indent="-285750">
-              <a:defRPr sz="3200">
-                <a:solidFill>
-                  <a:schemeClr val="tx1"/>
-                </a:solidFill>
-                <a:latin typeface="Arial" panose="020B0604020202020204" pitchFamily="34" charset="0"/>
-                <a:ea typeface="微软雅黑" panose="020B0503020204020204" pitchFamily="34" charset="-122"/>
-              </a:defRPr>
-            </a:lvl2pPr>
-            <a:lvl3pPr marL="1143000" indent="-228600">
-              <a:defRPr sz="3200">
-                <a:solidFill>
-                  <a:schemeClr val="tx1"/>
-                </a:solidFill>
-                <a:latin typeface="Arial" panose="020B0604020202020204" pitchFamily="34" charset="0"/>
-                <a:ea typeface="微软雅黑" panose="020B0503020204020204" pitchFamily="34" charset="-122"/>
-              </a:defRPr>
-            </a:lvl3pPr>
-            <a:lvl4pPr marL="1600200" indent="-228600">
-              <a:defRPr sz="3200">
-                <a:solidFill>
-                  <a:schemeClr val="tx1"/>
-                </a:solidFill>
-                <a:latin typeface="Arial" panose="020B0604020202020204" pitchFamily="34" charset="0"/>
-                <a:ea typeface="微软雅黑" panose="020B0503020204020204" pitchFamily="34" charset="-122"/>
-              </a:defRPr>
-            </a:lvl4pPr>
-            <a:lvl5pPr marL="2057400" indent="-228600">
-              <a:defRPr sz="3200">
-                <a:solidFill>
-                  <a:schemeClr val="tx1"/>
-                </a:solidFill>
-                <a:latin typeface="Arial" panose="020B0604020202020204" pitchFamily="34" charset="0"/>
-                <a:ea typeface="微软雅黑" panose="020B0503020204020204" pitchFamily="34" charset="-122"/>
-              </a:defRPr>
-            </a:lvl5pPr>
-            <a:lvl6pPr marL="2514600" indent="-228600" eaLnBrk="0" fontAlgn="base" hangingPunct="0">
-              <a:spcBef>
-                <a:spcPct val="0"/>
-              </a:spcBef>
-              <a:spcAft>
-                <a:spcPct val="0"/>
-              </a:spcAft>
-              <a:defRPr sz="3200">
-                <a:solidFill>
-                  <a:schemeClr val="tx1"/>
-                </a:solidFill>
-                <a:latin typeface="Arial" panose="020B0604020202020204" pitchFamily="34" charset="0"/>
-                <a:ea typeface="微软雅黑" panose="020B0503020204020204" pitchFamily="34" charset="-122"/>
-              </a:defRPr>
-            </a:lvl6pPr>
-            <a:lvl7pPr marL="2971800" indent="-228600" eaLnBrk="0" fontAlgn="base" hangingPunct="0">
-              <a:spcBef>
-                <a:spcPct val="0"/>
-              </a:spcBef>
-              <a:spcAft>
-                <a:spcPct val="0"/>
-              </a:spcAft>
-              <a:defRPr sz="3200">
-                <a:solidFill>
-                  <a:schemeClr val="tx1"/>
-                </a:solidFill>
-                <a:latin typeface="Arial" panose="020B0604020202020204" pitchFamily="34" charset="0"/>
-                <a:ea typeface="微软雅黑" panose="020B0503020204020204" pitchFamily="34" charset="-122"/>
-              </a:defRPr>
-            </a:lvl7pPr>
-            <a:lvl8pPr marL="3429000" indent="-228600" eaLnBrk="0" fontAlgn="base" hangingPunct="0">
-              <a:spcBef>
-                <a:spcPct val="0"/>
-              </a:spcBef>
-              <a:spcAft>
-                <a:spcPct val="0"/>
-              </a:spcAft>
-              <a:defRPr sz="3200">
-                <a:solidFill>
-                  <a:schemeClr val="tx1"/>
-                </a:solidFill>
-                <a:latin typeface="Arial" panose="020B0604020202020204" pitchFamily="34" charset="0"/>
-                <a:ea typeface="微软雅黑" panose="020B0503020204020204" pitchFamily="34" charset="-122"/>
-              </a:defRPr>
-            </a:lvl8pPr>
-            <a:lvl9pPr marL="3886200" indent="-228600" eaLnBrk="0" fontAlgn="base" hangingPunct="0">
-              <a:spcBef>
-                <a:spcPct val="0"/>
-              </a:spcBef>
-              <a:spcAft>
-                <a:spcPct val="0"/>
-              </a:spcAft>
-              <a:defRPr sz="3200">
-                <a:solidFill>
-                  <a:schemeClr val="tx1"/>
-                </a:solidFill>
-                <a:latin typeface="Arial" panose="020B0604020202020204" pitchFamily="34" charset="0"/>
-                <a:ea typeface="微软雅黑" panose="020B0503020204020204" pitchFamily="34" charset="-122"/>
-              </a:defRPr>
-            </a:lvl9pPr>
-          </a:lstStyle>
-          <a:p>
-            <a:pPr algn="l">
-              <a:lnSpc>
-                <a:spcPct val="150000"/>
-              </a:lnSpc>
-              <a:spcBef>
-                <a:spcPts val="1200"/>
-              </a:spcBef>
-              <a:spcAft>
-                <a:spcPts val="1200"/>
-              </a:spcAft>
-              <a:buClr>
-                <a:srgbClr val="92D050"/>
-              </a:buClr>
-              <a:buFont typeface="Wingdings" panose="05000000000000000000" pitchFamily="2" charset="2"/>
-              <a:buChar char="Ø"/>
-            </a:pPr>
-            <a:r>
-              <a:rPr lang="en-US" altLang="zh-CN" sz="2800" b="1">
-                <a:solidFill>
-                  <a:srgbClr val="FF0000"/>
-                </a:solidFill>
-              </a:rPr>
-              <a:t>JS</a:t>
-            </a:r>
-            <a:r>
-              <a:rPr lang="zh-CN" altLang="en-US" sz="2800" b="1">
-                <a:solidFill>
-                  <a:srgbClr val="FF0000"/>
-                </a:solidFill>
-              </a:rPr>
-              <a:t>对象简介</a:t>
-            </a:r>
-            <a:endParaRPr lang="zh-CN" altLang="en-US" sz="2800" b="1"/>
-          </a:p>
-          <a:p>
-            <a:pPr algn="l">
-              <a:lnSpc>
-                <a:spcPct val="150000"/>
-              </a:lnSpc>
-              <a:spcBef>
-                <a:spcPts val="1200"/>
-              </a:spcBef>
-              <a:spcAft>
-                <a:spcPts val="1200"/>
-              </a:spcAft>
-              <a:buClr>
-                <a:srgbClr val="92D050"/>
-              </a:buClr>
-              <a:buFont typeface="Wingdings" panose="05000000000000000000" pitchFamily="2" charset="2"/>
-              <a:buChar char="Ø"/>
-            </a:pPr>
-            <a:r>
-              <a:rPr lang="en-US" altLang="zh-CN" sz="2800" b="1">
-                <a:sym typeface="+mn-ea"/>
-              </a:rPr>
-              <a:t>JS</a:t>
-            </a:r>
-            <a:r>
-              <a:rPr lang="zh-CN" altLang="en-US" sz="2800" b="1">
-                <a:sym typeface="+mn-ea"/>
-              </a:rPr>
-              <a:t>对象的属性</a:t>
-            </a:r>
-            <a:endParaRPr lang="zh-CN" altLang="en-US" sz="2800" b="1">
-              <a:sym typeface="+mn-ea"/>
-            </a:endParaRPr>
-          </a:p>
-          <a:p>
-            <a:pPr algn="l">
-              <a:lnSpc>
-                <a:spcPct val="150000"/>
-              </a:lnSpc>
-              <a:spcBef>
-                <a:spcPts val="1200"/>
-              </a:spcBef>
-              <a:spcAft>
-                <a:spcPts val="1200"/>
-              </a:spcAft>
-              <a:buClr>
-                <a:srgbClr val="92D050"/>
-              </a:buClr>
-              <a:buFont typeface="Wingdings" panose="05000000000000000000" pitchFamily="2" charset="2"/>
-              <a:buChar char="Ø"/>
-            </a:pPr>
-            <a:r>
-              <a:rPr lang="en-US" altLang="zh-CN" sz="2800" b="1">
-                <a:sym typeface="+mn-ea"/>
-              </a:rPr>
-              <a:t>JS</a:t>
-            </a:r>
-            <a:r>
-              <a:rPr lang="zh-CN" altLang="en-US" sz="2800" b="1">
-                <a:sym typeface="+mn-ea"/>
-              </a:rPr>
-              <a:t>对象相关操作</a:t>
-            </a:r>
-            <a:endParaRPr lang="en-US" altLang="zh-CN" sz="2800" b="1"/>
-          </a:p>
-        </p:txBody>
-      </p:sp>
-      <p:sp>
-        <p:nvSpPr>
-          <p:cNvPr id="4" name="内容占位符 3"/>
-          <p:cNvSpPr txBox="1"/>
-          <p:nvPr/>
-        </p:nvSpPr>
-        <p:spPr>
-          <a:xfrm>
-            <a:off x="981657" y="236943"/>
-            <a:ext cx="8191557" cy="490476"/>
-          </a:xfrm>
-          <a:prstGeom prst="rect">
-            <a:avLst/>
-          </a:prstGeom>
-        </p:spPr>
-        <p:txBody>
-          <a:bodyPr/>
-          <a:lstStyle>
-            <a:lvl1pPr marL="167005" indent="-167005" algn="l" defTabSz="0" rtl="0" eaLnBrk="0" fontAlgn="base" hangingPunct="0">
-              <a:spcBef>
-                <a:spcPct val="0"/>
-              </a:spcBef>
-              <a:spcAft>
-                <a:spcPct val="15000"/>
-              </a:spcAft>
-              <a:buClr>
-                <a:schemeClr val="tx2"/>
-              </a:buClr>
-              <a:buFont typeface="Arial" panose="020B0604020202020204" pitchFamily="34" charset="0"/>
-              <a:buChar char="•"/>
-              <a:defRPr kumimoji="1" sz="1600">
-                <a:solidFill>
-                  <a:srgbClr val="006F53"/>
-                </a:solidFill>
-                <a:latin typeface="微软雅黑" panose="020B0503020204020204" pitchFamily="34" charset="-122"/>
-                <a:ea typeface="微软雅黑" panose="020B0503020204020204" pitchFamily="34" charset="-122"/>
-                <a:cs typeface="微软雅黑" panose="020B0503020204020204" pitchFamily="34" charset="-122"/>
-              </a:defRPr>
-            </a:lvl1pPr>
-            <a:lvl2pPr marL="398780" indent="-230505" algn="l" defTabSz="0" rtl="0" eaLnBrk="0" fontAlgn="base" hangingPunct="0">
-              <a:spcBef>
-                <a:spcPct val="0"/>
-              </a:spcBef>
-              <a:spcAft>
-                <a:spcPct val="15000"/>
-              </a:spcAft>
-              <a:buClr>
-                <a:schemeClr val="tx2"/>
-              </a:buClr>
-              <a:buFont typeface="Arial" panose="020B0604020202020204" pitchFamily="34" charset="0"/>
-              <a:buChar char="–"/>
-              <a:defRPr kumimoji="1" sz="2800">
-                <a:solidFill>
-                  <a:schemeClr val="bg2"/>
-                </a:solidFill>
-                <a:latin typeface="微软雅黑" panose="020B0503020204020204" pitchFamily="34" charset="-122"/>
-                <a:ea typeface="微软雅黑" panose="020B0503020204020204" pitchFamily="34" charset="-122"/>
-                <a:cs typeface="微软雅黑" panose="020B0503020204020204" pitchFamily="34" charset="-122"/>
-              </a:defRPr>
-            </a:lvl2pPr>
-            <a:lvl3pPr marL="400050" indent="182880" algn="l" defTabSz="0" rtl="0" eaLnBrk="0" fontAlgn="base" hangingPunct="0">
-              <a:spcBef>
-                <a:spcPct val="0"/>
-              </a:spcBef>
-              <a:spcAft>
-                <a:spcPct val="15000"/>
-              </a:spcAft>
-              <a:buClr>
-                <a:schemeClr val="tx2"/>
-              </a:buClr>
-              <a:buFont typeface="Arial" panose="020B0604020202020204" pitchFamily="34" charset="0"/>
-              <a:buChar char="•"/>
-              <a:defRPr kumimoji="1" sz="1600">
-                <a:solidFill>
-                  <a:schemeClr val="bg2"/>
-                </a:solidFill>
-                <a:latin typeface="微软雅黑" panose="020B0503020204020204" pitchFamily="34" charset="-122"/>
-                <a:ea typeface="微软雅黑" panose="020B0503020204020204" pitchFamily="34" charset="-122"/>
-                <a:cs typeface="微软雅黑" panose="020B0503020204020204" pitchFamily="34" charset="-122"/>
-              </a:defRPr>
-            </a:lvl3pPr>
-            <a:lvl4pPr marL="825500" indent="-241300" algn="l" defTabSz="0" rtl="0" eaLnBrk="0" fontAlgn="base" hangingPunct="0">
-              <a:spcBef>
-                <a:spcPct val="0"/>
-              </a:spcBef>
-              <a:spcAft>
-                <a:spcPct val="15000"/>
-              </a:spcAft>
-              <a:buClr>
-                <a:schemeClr val="tx2"/>
-              </a:buClr>
-              <a:buFont typeface="Arial" panose="020B0604020202020204" pitchFamily="34" charset="0"/>
-              <a:buChar char="–"/>
-              <a:defRPr kumimoji="1" sz="1600">
-                <a:solidFill>
-                  <a:schemeClr val="bg2"/>
-                </a:solidFill>
-                <a:latin typeface="微软雅黑" panose="020B0503020204020204" pitchFamily="34" charset="-122"/>
-                <a:ea typeface="微软雅黑" panose="020B0503020204020204" pitchFamily="34" charset="-122"/>
-                <a:cs typeface="微软雅黑" panose="020B0503020204020204" pitchFamily="34" charset="-122"/>
-              </a:defRPr>
-            </a:lvl4pPr>
-            <a:lvl5pPr marL="2057400" indent="-228600" algn="l" defTabSz="0" rtl="0" eaLnBrk="0" fontAlgn="base" hangingPunct="0">
-              <a:spcBef>
-                <a:spcPct val="0"/>
-              </a:spcBef>
-              <a:spcAft>
-                <a:spcPct val="25000"/>
-              </a:spcAft>
-              <a:buClr>
-                <a:schemeClr val="tx2"/>
-              </a:buClr>
-              <a:buFont typeface="Arial" panose="020B0604020202020204" pitchFamily="34" charset="0"/>
-              <a:buChar char="–"/>
-              <a:defRPr kumimoji="1" sz="2000">
-                <a:solidFill>
-                  <a:schemeClr val="tx1"/>
-                </a:solidFill>
-                <a:latin typeface="+mn-lt"/>
-                <a:ea typeface="微软雅黑" panose="020B0503020204020204" pitchFamily="34" charset="-122"/>
-                <a:cs typeface="微软雅黑" panose="020B0503020204020204" pitchFamily="34" charset="-122"/>
-              </a:defRPr>
-            </a:lvl5pPr>
-            <a:lvl6pPr marL="2514600" indent="-228600" algn="l" defTabSz="0" rtl="0" eaLnBrk="0" fontAlgn="base" hangingPunct="0">
-              <a:spcBef>
-                <a:spcPct val="0"/>
-              </a:spcBef>
-              <a:spcAft>
-                <a:spcPct val="25000"/>
-              </a:spcAft>
-              <a:buClr>
-                <a:schemeClr val="tx2"/>
-              </a:buClr>
-              <a:buFont typeface="Arial" panose="020B0604020202020204" pitchFamily="34" charset="0"/>
-              <a:buChar char="–"/>
-              <a:defRPr>
-                <a:solidFill>
-                  <a:schemeClr val="tx1"/>
-                </a:solidFill>
-                <a:latin typeface="+mn-lt"/>
-              </a:defRPr>
-            </a:lvl6pPr>
-            <a:lvl7pPr marL="2971800" indent="-228600" algn="l" defTabSz="0" rtl="0" eaLnBrk="0" fontAlgn="base" hangingPunct="0">
-              <a:spcBef>
-                <a:spcPct val="0"/>
-              </a:spcBef>
-              <a:spcAft>
-                <a:spcPct val="25000"/>
-              </a:spcAft>
-              <a:buClr>
-                <a:schemeClr val="tx2"/>
-              </a:buClr>
-              <a:buFont typeface="Arial" panose="020B0604020202020204" pitchFamily="34" charset="0"/>
-              <a:buChar char="–"/>
-              <a:defRPr>
-                <a:solidFill>
-                  <a:schemeClr val="tx1"/>
-                </a:solidFill>
-                <a:latin typeface="+mn-lt"/>
-              </a:defRPr>
-            </a:lvl7pPr>
-            <a:lvl8pPr marL="3429000" indent="-228600" algn="l" defTabSz="0" rtl="0" eaLnBrk="0" fontAlgn="base" hangingPunct="0">
-              <a:spcBef>
-                <a:spcPct val="0"/>
-              </a:spcBef>
-              <a:spcAft>
-                <a:spcPct val="25000"/>
-              </a:spcAft>
-              <a:buClr>
-                <a:schemeClr val="tx2"/>
-              </a:buClr>
-              <a:buFont typeface="Arial" panose="020B0604020202020204" pitchFamily="34" charset="0"/>
-              <a:buChar char="–"/>
-              <a:defRPr>
-                <a:solidFill>
-                  <a:schemeClr val="tx1"/>
-                </a:solidFill>
-                <a:latin typeface="+mn-lt"/>
-              </a:defRPr>
-            </a:lvl8pPr>
-            <a:lvl9pPr marL="3886200" indent="-228600" algn="l" defTabSz="0" rtl="0" eaLnBrk="0" fontAlgn="base" hangingPunct="0">
-              <a:spcBef>
-                <a:spcPct val="0"/>
-              </a:spcBef>
-              <a:spcAft>
-                <a:spcPct val="25000"/>
-              </a:spcAft>
-              <a:buClr>
-                <a:schemeClr val="tx2"/>
-              </a:buClr>
-              <a:buFont typeface="Arial" panose="020B0604020202020204" pitchFamily="34" charset="0"/>
-              <a:buChar char="–"/>
-              <a:defRPr>
-                <a:solidFill>
-                  <a:schemeClr val="tx1"/>
-                </a:solidFill>
-                <a:latin typeface="+mn-lt"/>
-              </a:defRPr>
-            </a:lvl9pPr>
-          </a:lstStyle>
-          <a:p>
-            <a:pPr marL="0" indent="0">
-              <a:buNone/>
-            </a:pPr>
-            <a:r>
-              <a:rPr lang="zh-CN" altLang="en-US" sz="3200" dirty="0" smtClean="0">
-                <a:solidFill>
-                  <a:srgbClr val="C00000"/>
-                </a:solidFill>
-                <a:cs typeface="+mn-cs"/>
-                <a:sym typeface="+mn-ea"/>
-              </a:rPr>
-              <a:t>内容提纲</a:t>
-            </a:r>
-            <a:endParaRPr lang="zh-CN" altLang="en-US" kern="0" dirty="0"/>
-          </a:p>
-        </p:txBody>
-      </p:sp>
-    </p:spTree>
-  </p:cSld>
-  <p:clrMapOvr>
-    <a:masterClrMapping/>
-  </p:clrMapOvr>
-  <p:timing>
-    <p:tnLst>
-      <p:par>
-        <p:cTn id="1" dur="indefinite" restart="never" nodeType="tmRoot"/>
-      </p:par>
-    </p:tnLst>
-  </p:timing>
-</p:sld>
-</file>
-
 <file path=ppt/slides/slide4.xml><?xml version="1.0" encoding="utf-8"?>
 <p:sld xmlns:a="http://schemas.openxmlformats.org/drawingml/2006/main" xmlns:r="http://schemas.openxmlformats.org/officeDocument/2006/relationships" xmlns:p="http://schemas.openxmlformats.org/presentationml/2006/main">
   <p:cSld>
@@ -19844,7 +21803,27 @@
                 <a:latin typeface="+mn-ea"/>
                 <a:ea typeface="+mn-ea"/>
               </a:rPr>
-              <a:t>对象实例</a:t>
+              <a:t>创建</a:t>
+            </a:r>
+            <a:r>
+              <a:rPr lang="en-US" altLang="zh-CN" sz="2200">
+                <a:solidFill>
+                  <a:srgbClr val="FF0000"/>
+                </a:solidFill>
+                <a:latin typeface="+mn-ea"/>
+                <a:ea typeface="+mn-ea"/>
+              </a:rPr>
+              <a:t>JS</a:t>
+            </a:r>
+            <a:r>
+              <a:rPr lang="zh-CN" altLang="en-US" sz="2200">
+                <a:solidFill>
+                  <a:srgbClr val="FF0000"/>
+                </a:solidFill>
+                <a:latin typeface="+mn-ea"/>
+                <a:ea typeface="+mn-ea"/>
+              </a:rPr>
+              <a:t>对象练习</a:t>
             </a:r>
             <a:endParaRPr lang="zh-CN" altLang="en-US" sz="2200">
               <a:solidFill>
@@ -20734,8 +22713,8 @@
         </p:nvSpPr>
         <p:spPr>
           <a:xfrm>
-            <a:off x="7072630" y="2863215"/>
-            <a:ext cx="4170680" cy="3476625"/>
+            <a:off x="7072630" y="3006725"/>
+            <a:ext cx="4170680" cy="3138170"/>
           </a:xfrm>
           <a:prstGeom prst="rect">
             <a:avLst/>
@@ -20758,16 +22737,6 @@
               </a:rPr>
               <a:t>标准内置对象分为两类：</a:t>
             </a:r>
-            <a:endParaRPr lang="zh-CN" sz="2200">
-              <a:solidFill>
-                <a:schemeClr val="tx1"/>
-              </a:solidFill>
-              <a:latin typeface="+mn-ea"/>
-              <a:ea typeface="+mn-ea"/>
-            </a:endParaRPr>
-          </a:p>
-          <a:p>
-            <a:pPr algn="l"/>
             <a:br>
               <a:rPr lang="zh-CN" sz="2200">
                 <a:solidFill>
@@ -22470,7 +24439,7 @@
                   <a:schemeClr val="tx1"/>
                 </a:solidFill>
               </a:rPr>
-              <a:t>，属性）字符串的键到值的映射（包括基本类型数据、对象、函数）</a:t>
+              <a:t>，属性），字符串的键到值的映射（包括基本类型数据、对象、函数）</a:t>
             </a:r>
             <a:br>
               <a:rPr lang="zh-CN" altLang="en-US" sz="2000" dirty="0">
@@ -22507,7 +24476,7 @@
             <a:r>
               <a:rPr lang="zh-CN" altLang="en-US" sz="2000" dirty="0">
                 <a:solidFill>
-                  <a:srgbClr val="FF0000"/>
+                  <a:schemeClr val="tx1"/>
                 </a:solidFill>
               </a:rPr>
               <a:t>（</a:t>
@@ -22515,7 +24484,7 @@
             <a:r>
               <a:rPr lang="en-US" altLang="zh-CN" sz="2000" dirty="0">
                 <a:solidFill>
-                  <a:srgbClr val="FF0000"/>
+                  <a:schemeClr val="tx1"/>
                 </a:solidFill>
               </a:rPr>
               <a:t>accessor</a:t>
@@ -22523,18 +24492,19 @@
             <a:r>
               <a:rPr lang="zh-CN" altLang="en-US" sz="2000" dirty="0">
                 <a:solidFill>
-                  <a:srgbClr val="FF0000"/>
-                </a:solidFill>
-              </a:rPr>
-              <a:t>，或称为访问器）</a:t>
+                  <a:schemeClr val="tx1"/>
+                </a:solidFill>
+              </a:rPr>
+              <a:t>，或称为访问器），访问属性的方法，</a:t>
             </a:r>
             <a:r>
               <a:rPr lang="zh-CN" altLang="en-US" sz="2000" dirty="0">
                 <a:solidFill>
-                  <a:schemeClr val="tx1"/>
-                </a:solidFill>
-              </a:rPr>
-              <a:t>读写数据属性的方法</a:t>
+                  <a:schemeClr val="accent3"/>
+                </a:solidFill>
+                <a:sym typeface="+mn-ea"/>
+              </a:rPr>
+              <a:t>注意：访问和设置时不加括号</a:t>
             </a:r>
             <a:br>
               <a:rPr lang="zh-CN" altLang="en-US" sz="2000" dirty="0">
@@ -22739,8 +24709,8 @@
         </p:nvSpPr>
         <p:spPr>
           <a:xfrm>
-            <a:off x="6732270" y="2863850"/>
-            <a:ext cx="3861435" cy="3476625"/>
+            <a:off x="6517005" y="2863850"/>
+            <a:ext cx="3861435" cy="3138170"/>
           </a:xfrm>
           <a:prstGeom prst="rect">
             <a:avLst/>
@@ -22755,100 +24725,70 @@
             <a:pPr algn="l"/>
             <a:r>
               <a:rPr lang="zh-CN" altLang="en-US" sz="2200">
-                <a:solidFill>
-                  <a:schemeClr val="tx1"/>
-                </a:solidFill>
                 <a:latin typeface="+mn-ea"/>
                 <a:ea typeface="+mn-ea"/>
-              </a:rPr>
-              <a:t>访问器属性和数据属性不同，存取器</a:t>
-            </a:r>
-            <a:r>
-              <a:rPr lang="zh-CN" altLang="en-US" sz="2200">
-                <a:solidFill>
-                  <a:schemeClr val="accent3"/>
-                </a:solidFill>
+                <a:sym typeface="+mn-ea"/>
+              </a:rPr>
+              <a:t>如果只有</a:t>
+            </a:r>
+            <a:r>
+              <a:rPr lang="en-US" altLang="zh-CN" sz="2200">
                 <a:latin typeface="+mn-ea"/>
                 <a:ea typeface="+mn-ea"/>
-              </a:rPr>
-              <a:t>不具有</a:t>
+                <a:sym typeface="+mn-ea"/>
+              </a:rPr>
+              <a:t>getter</a:t>
             </a:r>
             <a:r>
               <a:rPr lang="zh-CN" altLang="en-US" sz="2200">
-                <a:solidFill>
-                  <a:schemeClr val="tx1"/>
-                </a:solidFill>
                 <a:latin typeface="+mn-ea"/>
                 <a:ea typeface="+mn-ea"/>
-              </a:rPr>
-              <a:t>可写的</a:t>
-            </a:r>
-            <a:r>
-              <a:rPr lang="zh-CN" altLang="en-US" sz="2200">
-                <a:solidFill>
-                  <a:srgbClr val="FF0000"/>
-                </a:solidFill>
+                <a:sym typeface="+mn-ea"/>
+              </a:rPr>
+              <a:t>方法那么是只读属性，如果只有</a:t>
+            </a:r>
+            <a:r>
+              <a:rPr lang="en-US" altLang="zh-CN" sz="2200">
                 <a:latin typeface="+mn-ea"/>
                 <a:ea typeface="+mn-ea"/>
-              </a:rPr>
-              <a:t>属性特性</a:t>
+                <a:sym typeface="+mn-ea"/>
+              </a:rPr>
+              <a:t>setter</a:t>
             </a:r>
             <a:r>
               <a:rPr lang="zh-CN" altLang="en-US" sz="2200">
-                <a:solidFill>
-                  <a:schemeClr val="tx1"/>
-                </a:solidFill>
                 <a:latin typeface="+mn-ea"/>
                 <a:ea typeface="+mn-ea"/>
-              </a:rPr>
-              <a:t>（</a:t>
+                <a:sym typeface="+mn-ea"/>
+              </a:rPr>
+              <a:t>方法，则是一个只写属性，读取时返回</a:t>
             </a:r>
             <a:r>
               <a:rPr lang="en-US" altLang="zh-CN" sz="2200">
-                <a:solidFill>
-                  <a:schemeClr val="tx1"/>
-                </a:solidFill>
                 <a:latin typeface="+mn-ea"/>
                 <a:ea typeface="+mn-ea"/>
-              </a:rPr>
-              <a:t>writable attribute</a:t>
-            </a:r>
-            <a:r>
-              <a:rPr lang="zh-CN" altLang="en-US" sz="2200">
-                <a:solidFill>
-                  <a:schemeClr val="tx1"/>
+                <a:sym typeface="+mn-ea"/>
+              </a:rPr>
+              <a:t>undefined</a:t>
+            </a:r>
+            <a:r>
+              <a:rPr lang="en-US" altLang="zh-CN" sz="2200">
+                <a:solidFill>
+                  <a:srgbClr val="FF0000"/>
                 </a:solidFill>
                 <a:latin typeface="+mn-ea"/>
                 <a:ea typeface="+mn-ea"/>
-              </a:rPr>
-              <a:t>）具体参见属性特性部分，也不存具体的数据（</a:t>
-            </a:r>
-            <a:r>
-              <a:rPr lang="en-US" altLang="zh-CN" sz="2200">
-                <a:solidFill>
-                  <a:schemeClr val="tx1"/>
-                </a:solidFill>
-                <a:latin typeface="+mn-ea"/>
-                <a:ea typeface="+mn-ea"/>
-              </a:rPr>
-              <a:t>value</a:t>
-            </a:r>
-            <a:r>
-              <a:rPr lang="zh-CN" altLang="en-US" sz="2200">
-                <a:solidFill>
-                  <a:schemeClr val="tx1"/>
-                </a:solidFill>
-                <a:latin typeface="+mn-ea"/>
-                <a:ea typeface="+mn-ea"/>
-              </a:rPr>
-              <a:t>）</a:t>
-            </a:r>
-            <a:endParaRPr lang="zh-CN" altLang="en-US" sz="2200">
+                <a:sym typeface="+mn-ea"/>
+              </a:rPr>
+              <a:t> </a:t>
+            </a:r>
+            <a:endParaRPr lang="en-US" altLang="zh-CN" sz="2200">
               <a:solidFill>
-                <a:schemeClr val="tx1"/>
+                <a:srgbClr val="FF0000"/>
               </a:solidFill>
               <a:latin typeface="+mn-ea"/>
               <a:ea typeface="+mn-ea"/>
+              <a:sym typeface="+mn-ea"/>
             </a:endParaRPr>
           </a:p>
           <a:p>
@@ -22871,17 +24811,17 @@
                 <a:latin typeface="+mn-ea"/>
                 <a:ea typeface="+mn-ea"/>
               </a:rPr>
-              <a:t>如果只有</a:t>
-            </a:r>
-            <a:r>
-              <a:rPr lang="en-US" altLang="zh-CN" sz="2200">
-                <a:solidFill>
-                  <a:schemeClr val="tx1"/>
+              <a:t>访问器属性和数据属性不同，存取器</a:t>
+            </a:r>
+            <a:r>
+              <a:rPr lang="zh-CN" altLang="en-US" sz="2200">
+                <a:solidFill>
+                  <a:schemeClr val="accent3"/>
                 </a:solidFill>
                 <a:latin typeface="+mn-ea"/>
                 <a:ea typeface="+mn-ea"/>
               </a:rPr>
-              <a:t>getter</a:t>
+              <a:t>不具有</a:t>
             </a:r>
             <a:r>
               <a:rPr lang="zh-CN" altLang="en-US" sz="2200">
@@ -22891,17 +24831,17 @@
                 <a:latin typeface="+mn-ea"/>
                 <a:ea typeface="+mn-ea"/>
               </a:rPr>
-              <a:t>方法那么是只读属性，如果只有</a:t>
-            </a:r>
-            <a:r>
-              <a:rPr lang="en-US" altLang="zh-CN" sz="2200">
-                <a:solidFill>
-                  <a:schemeClr val="tx1"/>
+              <a:t>可写的</a:t>
+            </a:r>
+            <a:r>
+              <a:rPr lang="zh-CN" altLang="en-US" sz="2200">
+                <a:solidFill>
+                  <a:srgbClr val="FF0000"/>
                 </a:solidFill>
                 <a:latin typeface="+mn-ea"/>
                 <a:ea typeface="+mn-ea"/>
               </a:rPr>
-              <a:t>setter</a:t>
+              <a:t>属性特性</a:t>
             </a:r>
             <a:r>
               <a:rPr lang="zh-CN" altLang="en-US" sz="2200">
@@ -22911,7 +24851,7 @@
                 <a:latin typeface="+mn-ea"/>
                 <a:ea typeface="+mn-ea"/>
               </a:rPr>
-              <a:t>方法，则是一个只写属性，读取时返回</a:t>
+              <a:t>（</a:t>
             </a:r>
             <a:r>
               <a:rPr lang="en-US" altLang="zh-CN" sz="2200">
@@ -22921,17 +24861,17 @@
                 <a:latin typeface="+mn-ea"/>
                 <a:ea typeface="+mn-ea"/>
               </a:rPr>
-              <a:t>undefined</a:t>
-            </a:r>
-            <a:r>
-              <a:rPr lang="en-US" altLang="zh-CN" sz="2200">
-                <a:solidFill>
-                  <a:srgbClr val="FF0000"/>
+              <a:t>writable attribute</a:t>
+            </a:r>
+            <a:r>
+              <a:rPr lang="zh-CN" altLang="en-US" sz="2200">
+                <a:solidFill>
+                  <a:schemeClr val="tx1"/>
                 </a:solidFill>
                 <a:latin typeface="+mn-ea"/>
                 <a:ea typeface="+mn-ea"/>
               </a:rPr>
-              <a:t> </a:t>
+              <a:t>）具体参见属性特性部分</a:t>
             </a:r>
             <a:endParaRPr lang="en-US" altLang="zh-CN" sz="2200">
               <a:solidFill>

--- a/课程PPT/06.JavaScript对象.pptx
+++ b/课程PPT/06.JavaScript对象.pptx
@@ -20122,7 +20122,34 @@
                 </a:solidFill>
                 <a:sym typeface="+mn-ea"/>
               </a:rPr>
-              <a:t>- Object.keys</a:t>
+              <a:t>- Object.keys(...)</a:t>
+            </a:r>
+            <a:r>
+              <a:rPr kumimoji="0" lang="zh-CN" altLang="en-US" sz="2000" dirty="0" smtClean="0">
+                <a:solidFill>
+                  <a:schemeClr val="tx1"/>
+                </a:solidFill>
+                <a:sym typeface="+mn-ea"/>
+              </a:rPr>
+              <a:t>、</a:t>
+            </a:r>
+            <a:r>
+              <a:rPr kumimoji="0" lang="en-US" altLang="zh-CN" sz="2000" dirty="0" smtClean="0">
+                <a:solidFill>
+                  <a:schemeClr val="tx1"/>
+                </a:solidFill>
+                <a:sym typeface="+mn-ea"/>
+              </a:rPr>
+              <a:t>Object.getOwnPropertyNames(...) </a:t>
+            </a:r>
+            <a:r>
+              <a:rPr kumimoji="0" lang="zh-CN" altLang="en-US" sz="2000" dirty="0" smtClean="0">
+                <a:solidFill>
+                  <a:schemeClr val="tx1"/>
+                </a:solidFill>
+                <a:sym typeface="+mn-ea"/>
+              </a:rPr>
+              <a:t>区别：是否包含可遍历的属性</a:t>
             </a:r>
             <a:br>
               <a:rPr kumimoji="0" lang="en-US" altLang="zh-CN" sz="2000" dirty="0" smtClean="0">
@@ -20150,6 +20177,15 @@
               </a:rPr>
               <a:t>hasOwnProperty</a:t>
             </a:r>
+            <a:r>
+              <a:rPr kumimoji="0" lang="en-US" altLang="zh-CN" sz="2000" dirty="0" smtClean="0">
+                <a:solidFill>
+                  <a:schemeClr val="tx1"/>
+                </a:solidFill>
+                <a:sym typeface="+mn-ea"/>
+              </a:rPr>
+              <a:t>(...)</a:t>
+            </a:r>
             <a:br>
               <a:rPr kumimoji="0" lang="zh-CN" altLang="en-US" sz="2000" dirty="0" smtClean="0">
                 <a:solidFill>
@@ -20165,7 +20201,7 @@
                 </a:solidFill>
                 <a:sym typeface="+mn-ea"/>
               </a:rPr>
-              <a:t>- Object.prototype.propertyIsEnumerable</a:t>
+              <a:t>- Object.prototype.propertyIsEnumerable(...)</a:t>
             </a:r>
             <a:r>
               <a:rPr kumimoji="0" lang="zh-CN" altLang="en-US" sz="2000" dirty="0" smtClean="0">
@@ -20209,52 +20245,7 @@
                 </a:solidFill>
                 <a:sym typeface="+mn-ea"/>
               </a:rPr>
-              <a:t>- in</a:t>
-            </a:r>
-            <a:r>
-              <a:rPr kumimoji="0" lang="zh-CN" altLang="en-US" sz="2000" dirty="0" smtClean="0">
-                <a:solidFill>
-                  <a:schemeClr val="tx1"/>
-                </a:solidFill>
-                <a:sym typeface="+mn-ea"/>
-              </a:rPr>
-              <a:t>、</a:t>
-            </a:r>
-            <a:r>
-              <a:rPr kumimoji="0" lang="en-US" altLang="zh-CN" sz="2000" dirty="0" smtClean="0">
-                <a:solidFill>
-                  <a:schemeClr val="tx1"/>
-                </a:solidFill>
-                <a:sym typeface="+mn-ea"/>
-              </a:rPr>
-              <a:t>for...in (</a:t>
-            </a:r>
-            <a:r>
-              <a:rPr kumimoji="0" lang="zh-CN" altLang="en-US" sz="2000" dirty="0" smtClean="0">
-                <a:solidFill>
-                  <a:schemeClr val="tx1"/>
-                </a:solidFill>
-                <a:sym typeface="+mn-ea"/>
-              </a:rPr>
-              <a:t>两者关于</a:t>
-            </a:r>
-            <a:r>
-              <a:rPr kumimoji="0" lang="en-US" altLang="zh-CN" sz="2000" dirty="0" smtClean="0">
-                <a:solidFill>
-                  <a:schemeClr val="tx1"/>
-                </a:solidFill>
-                <a:sym typeface="+mn-ea"/>
-              </a:rPr>
-              <a:t>enumerable</a:t>
-            </a:r>
-            <a:r>
-              <a:rPr kumimoji="0" lang="zh-CN" altLang="en-US" sz="2000" dirty="0" smtClean="0">
-                <a:solidFill>
-                  <a:schemeClr val="tx1"/>
-                </a:solidFill>
-                <a:sym typeface="+mn-ea"/>
-              </a:rPr>
-              <a:t>的区别）</a:t>
+              <a:t>- Object.prototype.isPrototypeOf(...)</a:t>
             </a:r>
             <a:br>
               <a:rPr kumimoji="0" lang="zh-CN" altLang="en-US" sz="2000" dirty="0" smtClean="0">
@@ -20264,6 +20255,60 @@
                 <a:sym typeface="+mn-ea"/>
               </a:rPr>
             </a:br>
+            <a:r>
+              <a:rPr kumimoji="0" lang="en-US" altLang="zh-CN" sz="2000" dirty="0" smtClean="0">
+                <a:solidFill>
+                  <a:schemeClr val="tx1"/>
+                </a:solidFill>
+                <a:sym typeface="+mn-ea"/>
+              </a:rPr>
+              <a:t>- in</a:t>
+            </a:r>
+            <a:r>
+              <a:rPr kumimoji="0" lang="zh-CN" altLang="en-US" sz="2000" dirty="0" smtClean="0">
+                <a:solidFill>
+                  <a:schemeClr val="tx1"/>
+                </a:solidFill>
+                <a:sym typeface="+mn-ea"/>
+              </a:rPr>
+              <a:t>、</a:t>
+            </a:r>
+            <a:r>
+              <a:rPr kumimoji="0" lang="en-US" altLang="zh-CN" sz="2000" dirty="0" smtClean="0">
+                <a:solidFill>
+                  <a:schemeClr val="tx1"/>
+                </a:solidFill>
+                <a:sym typeface="+mn-ea"/>
+              </a:rPr>
+              <a:t>for...in (</a:t>
+            </a:r>
+            <a:r>
+              <a:rPr kumimoji="0" lang="zh-CN" altLang="en-US" sz="2000" dirty="0" smtClean="0">
+                <a:solidFill>
+                  <a:schemeClr val="tx1"/>
+                </a:solidFill>
+                <a:sym typeface="+mn-ea"/>
+              </a:rPr>
+              <a:t>两者关于</a:t>
+            </a:r>
+            <a:r>
+              <a:rPr kumimoji="0" lang="en-US" altLang="zh-CN" sz="2000" dirty="0" smtClean="0">
+                <a:solidFill>
+                  <a:schemeClr val="tx1"/>
+                </a:solidFill>
+                <a:sym typeface="+mn-ea"/>
+              </a:rPr>
+              <a:t>enumerable</a:t>
+            </a:r>
+            <a:r>
+              <a:rPr kumimoji="0" lang="zh-CN" altLang="en-US" sz="2000" dirty="0" smtClean="0">
+                <a:solidFill>
+                  <a:schemeClr val="tx1"/>
+                </a:solidFill>
+                <a:sym typeface="+mn-ea"/>
+              </a:rPr>
+              <a:t>的区别）</a:t>
+            </a:r>
             <a:endParaRPr kumimoji="0" lang="zh-CN" altLang="en-US" sz="1000" dirty="0" smtClean="0">
               <a:solidFill>
                 <a:schemeClr val="tx1"/>
@@ -20616,7 +20661,7 @@
         </p:nvSpPr>
         <p:spPr>
           <a:xfrm>
-            <a:off x="6518275" y="2852420"/>
+            <a:off x="6303010" y="3211195"/>
             <a:ext cx="4603750" cy="429895"/>
           </a:xfrm>
           <a:prstGeom prst="rect">
@@ -20691,7 +20736,7 @@
         </p:nvSpPr>
         <p:spPr>
           <a:xfrm>
-            <a:off x="1369060" y="5477510"/>
+            <a:off x="1369060" y="5549265"/>
             <a:ext cx="9876155" cy="429895"/>
           </a:xfrm>
           <a:prstGeom prst="rect">
@@ -20789,17 +20834,7 @@
                 <a:latin typeface="+mn-ea"/>
                 <a:ea typeface="+mn-ea"/>
               </a:rPr>
-              <a:t>对象的</a:t>
-            </a:r>
-            <a:r>
-              <a:rPr lang="zh-CN" altLang="en-US" sz="2200">
-                <a:solidFill>
-                  <a:srgbClr val="FF0000"/>
-                </a:solidFill>
-                <a:latin typeface="+mn-ea"/>
-                <a:ea typeface="+mn-ea"/>
-              </a:rPr>
-              <a:t>扩展、封装及冻结</a:t>
+              <a:t>对象的扩展、封装及冻结</a:t>
             </a:r>
             <a:endParaRPr lang="zh-CN" altLang="en-US" sz="2200" dirty="0" smtClean="0">
               <a:solidFill>

--- a/课程PPT/06.JavaScript对象.pptx
+++ b/课程PPT/06.JavaScript对象.pptx
@@ -1879,36 +1879,6 @@
           <a:bodyPr/>
           <a:lstStyle/>
           <a:p>
-            <a:r>
-              <a:rPr kumimoji="0" lang="zh-CN" altLang="en-US" dirty="0" smtClean="0">
-                <a:sym typeface="+mn-ea"/>
-              </a:rPr>
-              <a:t>最常见的</a:t>
-            </a:r>
-            <a:r>
-              <a:rPr kumimoji="0" lang="en-US" altLang="zh-CN" dirty="0" smtClean="0">
-                <a:sym typeface="+mn-ea"/>
-              </a:rPr>
-              <a:t>jQuery</a:t>
-            </a:r>
-            <a:r>
-              <a:rPr kumimoji="0" lang="zh-CN" altLang="en-US" dirty="0" smtClean="0">
-                <a:sym typeface="+mn-ea"/>
-              </a:rPr>
-              <a:t>中的</a:t>
-            </a:r>
-            <a:r>
-              <a:rPr kumimoji="0" lang="en-US" altLang="zh-CN" dirty="0" smtClean="0">
-                <a:sym typeface="+mn-ea"/>
-              </a:rPr>
-              <a:t>$</a:t>
-            </a:r>
-            <a:r>
-              <a:rPr kumimoji="0" lang="zh-CN" altLang="en-US" dirty="0" smtClean="0">
-                <a:sym typeface="+mn-ea"/>
-              </a:rPr>
-              <a:t>就是一个函数对象。</a:t>
-            </a:r>
             <a:endParaRPr kumimoji="0" lang="zh-CN" altLang="en-US" dirty="0" smtClean="0">
               <a:sym typeface="+mn-ea"/>
             </a:endParaRPr>
@@ -1989,36 +1959,6 @@
           <a:bodyPr/>
           <a:lstStyle/>
           <a:p>
-            <a:r>
-              <a:rPr kumimoji="0" lang="zh-CN" altLang="en-US" dirty="0" smtClean="0">
-                <a:sym typeface="+mn-ea"/>
-              </a:rPr>
-              <a:t>最常见的</a:t>
-            </a:r>
-            <a:r>
-              <a:rPr kumimoji="0" lang="en-US" altLang="zh-CN" dirty="0" smtClean="0">
-                <a:sym typeface="+mn-ea"/>
-              </a:rPr>
-              <a:t>jQuery</a:t>
-            </a:r>
-            <a:r>
-              <a:rPr kumimoji="0" lang="zh-CN" altLang="en-US" dirty="0" smtClean="0">
-                <a:sym typeface="+mn-ea"/>
-              </a:rPr>
-              <a:t>中的</a:t>
-            </a:r>
-            <a:r>
-              <a:rPr kumimoji="0" lang="en-US" altLang="zh-CN" dirty="0" smtClean="0">
-                <a:sym typeface="+mn-ea"/>
-              </a:rPr>
-              <a:t>$</a:t>
-            </a:r>
-            <a:r>
-              <a:rPr kumimoji="0" lang="zh-CN" altLang="en-US" dirty="0" smtClean="0">
-                <a:sym typeface="+mn-ea"/>
-              </a:rPr>
-              <a:t>就是一个函数对象。</a:t>
-            </a:r>
             <a:endParaRPr kumimoji="0" lang="zh-CN" altLang="en-US" dirty="0" smtClean="0">
               <a:sym typeface="+mn-ea"/>
             </a:endParaRPr>
@@ -2183,36 +2123,6 @@
           <a:bodyPr/>
           <a:lstStyle/>
           <a:p>
-            <a:r>
-              <a:rPr kumimoji="0" lang="zh-CN" altLang="en-US" dirty="0" smtClean="0">
-                <a:sym typeface="+mn-ea"/>
-              </a:rPr>
-              <a:t>最常见的</a:t>
-            </a:r>
-            <a:r>
-              <a:rPr kumimoji="0" lang="en-US" altLang="zh-CN" dirty="0" smtClean="0">
-                <a:sym typeface="+mn-ea"/>
-              </a:rPr>
-              <a:t>jQuery</a:t>
-            </a:r>
-            <a:r>
-              <a:rPr kumimoji="0" lang="zh-CN" altLang="en-US" dirty="0" smtClean="0">
-                <a:sym typeface="+mn-ea"/>
-              </a:rPr>
-              <a:t>中的</a:t>
-            </a:r>
-            <a:r>
-              <a:rPr kumimoji="0" lang="en-US" altLang="zh-CN" dirty="0" smtClean="0">
-                <a:sym typeface="+mn-ea"/>
-              </a:rPr>
-              <a:t>$</a:t>
-            </a:r>
-            <a:r>
-              <a:rPr kumimoji="0" lang="zh-CN" altLang="en-US" dirty="0" smtClean="0">
-                <a:sym typeface="+mn-ea"/>
-              </a:rPr>
-              <a:t>就是一个函数对象。</a:t>
-            </a:r>
             <a:endParaRPr kumimoji="0" lang="zh-CN" altLang="en-US" dirty="0" smtClean="0">
               <a:sym typeface="+mn-ea"/>
             </a:endParaRPr>
@@ -18613,8 +18523,8 @@
         </p:nvSpPr>
         <p:spPr>
           <a:xfrm>
-            <a:off x="5928360" y="6068060"/>
-            <a:ext cx="5271135" cy="429895"/>
+            <a:off x="5282565" y="5646420"/>
+            <a:ext cx="5011420" cy="768350"/>
           </a:xfrm>
           <a:prstGeom prst="rect">
             <a:avLst/>
@@ -18667,6 +18577,48 @@
                 <a:sym typeface="+mn-ea"/>
               </a:rPr>
               <a:t>给多个属性设置特性</a:t>
+            </a:r>
+            <a:endParaRPr lang="zh-CN" altLang="en-US" sz="2200" dirty="0" smtClean="0">
+              <a:solidFill>
+                <a:srgbClr val="FF0000"/>
+              </a:solidFill>
+              <a:sym typeface="+mn-ea"/>
+            </a:endParaRPr>
+          </a:p>
+          <a:p>
+            <a:pPr algn="l"/>
+            <a:r>
+              <a:rPr lang="zh-CN" altLang="en-US" sz="2200" dirty="0" smtClean="0">
+                <a:solidFill>
+                  <a:srgbClr val="FF0000"/>
+                </a:solidFill>
+                <a:latin typeface="+mn-ea"/>
+                <a:ea typeface="+mn-ea"/>
+                <a:sym typeface="+mn-ea"/>
+              </a:rPr>
+              <a:t>和</a:t>
+            </a:r>
+            <a:r>
+              <a:rPr lang="en-US" altLang="zh-CN" sz="2200" dirty="0" smtClean="0">
+                <a:solidFill>
+                  <a:srgbClr val="FF0000"/>
+                </a:solidFill>
+                <a:latin typeface="+mn-ea"/>
+                <a:ea typeface="+mn-ea"/>
+                <a:sym typeface="+mn-ea"/>
+              </a:rPr>
+              <a:t>Object.create</a:t>
+            </a:r>
+            <a:r>
+              <a:rPr lang="zh-CN" altLang="en-US" sz="2200" dirty="0" smtClean="0">
+                <a:solidFill>
+                  <a:srgbClr val="FF0000"/>
+                </a:solidFill>
+                <a:latin typeface="+mn-ea"/>
+                <a:ea typeface="+mn-ea"/>
+                <a:sym typeface="+mn-ea"/>
+              </a:rPr>
+              <a:t>方法的第二个参数</a:t>
             </a:r>
             <a:endParaRPr lang="zh-CN" altLang="en-US" sz="2200" dirty="0" smtClean="0">
               <a:solidFill>
@@ -20105,7 +20057,7 @@
                 </a:solidFill>
                 <a:sym typeface="+mn-ea"/>
               </a:rPr>
-              <a:t>相关方法</a:t>
+              <a:t>与属性和属性特性相关的方法</a:t>
             </a:r>
             <a:br>
               <a:rPr kumimoji="0" lang="zh-CN" altLang="en-US" sz="2000" dirty="0" smtClean="0">
@@ -20184,7 +20136,34 @@
                 </a:solidFill>
                 <a:sym typeface="+mn-ea"/>
               </a:rPr>
-              <a:t>(...)</a:t>
+              <a:t>(...) </a:t>
+            </a:r>
+            <a:r>
+              <a:rPr kumimoji="0" lang="zh-CN" altLang="en-US" sz="2000" dirty="0" smtClean="0">
+                <a:solidFill>
+                  <a:schemeClr val="tx1"/>
+                </a:solidFill>
+                <a:sym typeface="+mn-ea"/>
+              </a:rPr>
+              <a:t>可结合</a:t>
+            </a:r>
+            <a:r>
+              <a:rPr kumimoji="0" lang="en-US" altLang="zh-CN" sz="2000" dirty="0" smtClean="0">
+                <a:solidFill>
+                  <a:schemeClr val="tx1"/>
+                </a:solidFill>
+                <a:sym typeface="+mn-ea"/>
+              </a:rPr>
+              <a:t>Object.keys</a:t>
+            </a:r>
+            <a:r>
+              <a:rPr kumimoji="0" lang="zh-CN" altLang="en-US" sz="2000" dirty="0" smtClean="0">
+                <a:solidFill>
+                  <a:schemeClr val="tx1"/>
+                </a:solidFill>
+                <a:sym typeface="+mn-ea"/>
+              </a:rPr>
+              <a:t>一起使用</a:t>
             </a:r>
             <a:br>
               <a:rPr kumimoji="0" lang="zh-CN" altLang="en-US" sz="2000" dirty="0" smtClean="0">
@@ -20245,7 +20224,52 @@
                 </a:solidFill>
                 <a:sym typeface="+mn-ea"/>
               </a:rPr>
-              <a:t>- Object.prototype.isPrototypeOf(...)</a:t>
+              <a:t>- in</a:t>
+            </a:r>
+            <a:r>
+              <a:rPr kumimoji="0" lang="zh-CN" altLang="en-US" sz="2000" dirty="0" smtClean="0">
+                <a:solidFill>
+                  <a:schemeClr val="tx1"/>
+                </a:solidFill>
+                <a:sym typeface="+mn-ea"/>
+              </a:rPr>
+              <a:t>、</a:t>
+            </a:r>
+            <a:r>
+              <a:rPr kumimoji="0" lang="en-US" altLang="zh-CN" sz="2000" dirty="0" smtClean="0">
+                <a:solidFill>
+                  <a:schemeClr val="tx1"/>
+                </a:solidFill>
+                <a:sym typeface="+mn-ea"/>
+              </a:rPr>
+              <a:t>for...in (</a:t>
+            </a:r>
+            <a:r>
+              <a:rPr kumimoji="0" lang="zh-CN" altLang="en-US" sz="2000" dirty="0" smtClean="0">
+                <a:solidFill>
+                  <a:schemeClr val="tx1"/>
+                </a:solidFill>
+                <a:sym typeface="+mn-ea"/>
+              </a:rPr>
+              <a:t>两者关于</a:t>
+            </a:r>
+            <a:r>
+              <a:rPr kumimoji="0" lang="en-US" altLang="zh-CN" sz="2000" dirty="0" smtClean="0">
+                <a:solidFill>
+                  <a:schemeClr val="tx1"/>
+                </a:solidFill>
+                <a:sym typeface="+mn-ea"/>
+              </a:rPr>
+              <a:t>enumerable</a:t>
+            </a:r>
+            <a:r>
+              <a:rPr kumimoji="0" lang="zh-CN" altLang="en-US" sz="2000" dirty="0" smtClean="0">
+                <a:solidFill>
+                  <a:schemeClr val="tx1"/>
+                </a:solidFill>
+                <a:sym typeface="+mn-ea"/>
+              </a:rPr>
+              <a:t>的区别）</a:t>
             </a:r>
             <a:br>
               <a:rPr kumimoji="0" lang="zh-CN" altLang="en-US" sz="2000" dirty="0" smtClean="0">
@@ -20255,60 +20279,6 @@
                 <a:sym typeface="+mn-ea"/>
               </a:rPr>
             </a:br>
-            <a:r>
-              <a:rPr kumimoji="0" lang="en-US" altLang="zh-CN" sz="2000" dirty="0" smtClean="0">
-                <a:solidFill>
-                  <a:schemeClr val="tx1"/>
-                </a:solidFill>
-                <a:sym typeface="+mn-ea"/>
-              </a:rPr>
-              <a:t>- in</a:t>
-            </a:r>
-            <a:r>
-              <a:rPr kumimoji="0" lang="zh-CN" altLang="en-US" sz="2000" dirty="0" smtClean="0">
-                <a:solidFill>
-                  <a:schemeClr val="tx1"/>
-                </a:solidFill>
-                <a:sym typeface="+mn-ea"/>
-              </a:rPr>
-              <a:t>、</a:t>
-            </a:r>
-            <a:r>
-              <a:rPr kumimoji="0" lang="en-US" altLang="zh-CN" sz="2000" dirty="0" smtClean="0">
-                <a:solidFill>
-                  <a:schemeClr val="tx1"/>
-                </a:solidFill>
-                <a:sym typeface="+mn-ea"/>
-              </a:rPr>
-              <a:t>for...in (</a:t>
-            </a:r>
-            <a:r>
-              <a:rPr kumimoji="0" lang="zh-CN" altLang="en-US" sz="2000" dirty="0" smtClean="0">
-                <a:solidFill>
-                  <a:schemeClr val="tx1"/>
-                </a:solidFill>
-                <a:sym typeface="+mn-ea"/>
-              </a:rPr>
-              <a:t>两者关于</a:t>
-            </a:r>
-            <a:r>
-              <a:rPr kumimoji="0" lang="en-US" altLang="zh-CN" sz="2000" dirty="0" smtClean="0">
-                <a:solidFill>
-                  <a:schemeClr val="tx1"/>
-                </a:solidFill>
-                <a:sym typeface="+mn-ea"/>
-              </a:rPr>
-              <a:t>enumerable</a:t>
-            </a:r>
-            <a:r>
-              <a:rPr kumimoji="0" lang="zh-CN" altLang="en-US" sz="2000" dirty="0" smtClean="0">
-                <a:solidFill>
-                  <a:schemeClr val="tx1"/>
-                </a:solidFill>
-                <a:sym typeface="+mn-ea"/>
-              </a:rPr>
-              <a:t>的区别）</a:t>
-            </a:r>
             <a:endParaRPr kumimoji="0" lang="zh-CN" altLang="en-US" sz="1000" dirty="0" smtClean="0">
               <a:solidFill>
                 <a:schemeClr val="tx1"/>
@@ -20328,7 +20298,7 @@
                   <a:schemeClr val="tx1"/>
                 </a:solidFill>
               </a:rPr>
-              <a:t>JS 对象之扩展、密封及冻结三大特性（级别逐渐升高）</a:t>
+              <a:t>JS 对象之扩展、密封及冻结（级别逐渐升高）</a:t>
             </a:r>
             <a:br>
               <a:rPr kumimoji="0" lang="zh-CN" altLang="en-US" sz="3200" dirty="0" smtClean="0">
@@ -20352,7 +20322,7 @@
                 </a:solidFill>
                 <a:sym typeface="+mn-ea"/>
               </a:rPr>
-              <a:t>extend</a:t>
+              <a:t>Extensible</a:t>
             </a:r>
             <a:r>
               <a:rPr kumimoji="0" lang="zh-CN" altLang="en-US" sz="2000" dirty="0" smtClean="0">
@@ -20661,7 +20631,7 @@
         </p:nvSpPr>
         <p:spPr>
           <a:xfrm>
-            <a:off x="6303010" y="3211195"/>
+            <a:off x="6303010" y="2852420"/>
             <a:ext cx="4603750" cy="429895"/>
           </a:xfrm>
           <a:prstGeom prst="rect">
@@ -20737,7 +20707,7 @@
         <p:spPr>
           <a:xfrm>
             <a:off x="1369060" y="5549265"/>
-            <a:ext cx="9876155" cy="429895"/>
+            <a:ext cx="8246110" cy="429895"/>
           </a:xfrm>
           <a:prstGeom prst="rect">
             <a:avLst/>
@@ -20759,7 +20729,7 @@
                 <a:ea typeface="+mn-ea"/>
                 <a:sym typeface="+mn-ea"/>
               </a:rPr>
-              <a:t>三个特性参考链接：https://segmentfault.com/a/1190000003894119</a:t>
+              <a:t>参考链接：https://segmentfault.com/a/1190000003894119</a:t>
             </a:r>
             <a:endParaRPr lang="zh-CN" sz="2200" dirty="0" smtClean="0">
               <a:solidFill>

--- a/课程PPT/06.JavaScript对象.pptx
+++ b/课程PPT/06.JavaScript对象.pptx
@@ -16730,7 +16730,7 @@
       </p:sp>
       <p:pic>
         <p:nvPicPr>
-          <p:cNvPr id="3" name="图片 2"/>
+          <p:cNvPr id="4" name="图片 3"/>
           <p:cNvPicPr>
             <a:picLocks noChangeAspect="1"/>
           </p:cNvPicPr>
@@ -16744,8 +16744,8 @@
         </p:blipFill>
         <p:spPr>
           <a:xfrm>
-            <a:off x="1146175" y="1544955"/>
-            <a:ext cx="6973570" cy="4389120"/>
+            <a:off x="1212215" y="1543685"/>
+            <a:ext cx="6801485" cy="4267200"/>
           </a:xfrm>
           <a:prstGeom prst="rect">
             <a:avLst/>
@@ -16872,7 +16872,7 @@
                             </p:stCondLst>
                             <p:childTnLst>
                               <p:par>
-                                <p:cTn id="10" presetID="2" presetClass="entr" presetSubtype="4" fill="hold" nodeType="afterEffect">
+                                <p:cTn id="10" presetID="2" presetClass="entr" presetSubtype="4" fill="hold" grpId="0" nodeType="afterEffect">
                                   <p:stCondLst>
                                     <p:cond delay="0"/>
                                   </p:stCondLst>
@@ -16880,88 +16880,6 @@
                                     <p:set>
                                       <p:cBhvr>
                                         <p:cTn id="11" dur="1" fill="hold">
-                                          <p:stCondLst>
-                                            <p:cond delay="0"/>
-                                          </p:stCondLst>
-                                        </p:cTn>
-                                        <p:tgtEl>
-                                          <p:spTgt spid="3"/>
-                                        </p:tgtEl>
-                                        <p:attrNameLst>
-                                          <p:attrName>style.visibility</p:attrName>
-                                        </p:attrNameLst>
-                                      </p:cBhvr>
-                                      <p:to>
-                                        <p:strVal val="visible"/>
-                                      </p:to>
-                                    </p:set>
-                                    <p:anim calcmode="lin" valueType="num">
-                                      <p:cBhvr additive="base">
-                                        <p:cTn id="12" dur="500" fill="hold"/>
-                                        <p:tgtEl>
-                                          <p:spTgt spid="3"/>
-                                        </p:tgtEl>
-                                        <p:attrNameLst>
-                                          <p:attrName>ppt_x</p:attrName>
-                                        </p:attrNameLst>
-                                      </p:cBhvr>
-                                      <p:tavLst>
-                                        <p:tav tm="0">
-                                          <p:val>
-                                            <p:strVal val="#ppt_x"/>
-                                          </p:val>
-                                        </p:tav>
-                                        <p:tav tm="100000">
-                                          <p:val>
-                                            <p:strVal val="#ppt_x"/>
-                                          </p:val>
-                                        </p:tav>
-                                      </p:tavLst>
-                                    </p:anim>
-                                    <p:anim calcmode="lin" valueType="num">
-                                      <p:cBhvr additive="base">
-                                        <p:cTn id="13" dur="500" fill="hold"/>
-                                        <p:tgtEl>
-                                          <p:spTgt spid="3"/>
-                                        </p:tgtEl>
-                                        <p:attrNameLst>
-                                          <p:attrName>ppt_y</p:attrName>
-                                        </p:attrNameLst>
-                                      </p:cBhvr>
-                                      <p:tavLst>
-                                        <p:tav tm="0">
-                                          <p:val>
-                                            <p:strVal val="1+#ppt_h/2"/>
-                                          </p:val>
-                                        </p:tav>
-                                        <p:tav tm="100000">
-                                          <p:val>
-                                            <p:strVal val="#ppt_y"/>
-                                          </p:val>
-                                        </p:tav>
-                                      </p:tavLst>
-                                    </p:anim>
-                                  </p:childTnLst>
-                                </p:cTn>
-                              </p:par>
-                            </p:childTnLst>
-                          </p:cTn>
-                        </p:par>
-                        <p:par>
-                          <p:cTn id="14" fill="hold">
-                            <p:stCondLst>
-                              <p:cond delay="1000"/>
-                            </p:stCondLst>
-                            <p:childTnLst>
-                              <p:par>
-                                <p:cTn id="15" presetID="2" presetClass="entr" presetSubtype="4" fill="hold" grpId="0" nodeType="afterEffect">
-                                  <p:stCondLst>
-                                    <p:cond delay="0"/>
-                                  </p:stCondLst>
-                                  <p:childTnLst>
-                                    <p:set>
-                                      <p:cBhvr>
-                                        <p:cTn id="16" dur="1" fill="hold">
                                           <p:stCondLst>
                                             <p:cond delay="0"/>
                                           </p:stCondLst>
@@ -16979,7 +16897,7 @@
                                     </p:set>
                                     <p:anim calcmode="lin" valueType="num">
                                       <p:cBhvr additive="base">
-                                        <p:cTn id="17" dur="500" fill="hold"/>
+                                        <p:cTn id="12" dur="500" fill="hold"/>
                                         <p:tgtEl>
                                           <p:spTgt spid="6"/>
                                         </p:tgtEl>
@@ -17002,7 +16920,7 @@
                                     </p:anim>
                                     <p:anim calcmode="lin" valueType="num">
                                       <p:cBhvr additive="base">
-                                        <p:cTn id="18" dur="500" fill="hold"/>
+                                        <p:cTn id="13" dur="500" fill="hold"/>
                                         <p:tgtEl>
                                           <p:spTgt spid="6"/>
                                         </p:tgtEl>
